--- a/docs/shareDoc/统计分析-指标讲解2.pptx
+++ b/docs/shareDoc/统计分析-指标讲解2.pptx
@@ -383,7 +383,7 @@
             <a:fld id="{B61BEF0D-F0BB-DE4B-95CE-6DB70DBA9567}" type="datetimeFigureOut">
               <a:rPr lang="en-US" dirty="0"/>
               <a:pPr/>
-              <a:t>10/19/2018</a:t>
+              <a:t>10/22/2018</a:t>
             </a:fld>
             <a:endParaRPr lang="en-US" dirty="0"/>
           </a:p>
@@ -714,7 +714,7 @@
             <a:fld id="{B61BEF0D-F0BB-DE4B-95CE-6DB70DBA9567}" type="datetimeFigureOut">
               <a:rPr lang="en-US" dirty="0"/>
               <a:pPr/>
-              <a:t>10/19/2018</a:t>
+              <a:t>10/22/2018</a:t>
             </a:fld>
             <a:endParaRPr lang="en-US" dirty="0"/>
           </a:p>
@@ -989,7 +989,7 @@
             <a:fld id="{B61BEF0D-F0BB-DE4B-95CE-6DB70DBA9567}" type="datetimeFigureOut">
               <a:rPr lang="en-US" dirty="0"/>
               <a:pPr/>
-              <a:t>10/19/2018</a:t>
+              <a:t>10/22/2018</a:t>
             </a:fld>
             <a:endParaRPr lang="en-US" dirty="0"/>
           </a:p>
@@ -1554,7 +1554,7 @@
             <a:fld id="{B61BEF0D-F0BB-DE4B-95CE-6DB70DBA9567}" type="datetimeFigureOut">
               <a:rPr lang="en-US" dirty="0"/>
               <a:pPr/>
-              <a:t>10/19/2018</a:t>
+              <a:t>10/22/2018</a:t>
             </a:fld>
             <a:endParaRPr lang="en-US" dirty="0"/>
           </a:p>
@@ -1829,7 +1829,7 @@
             <a:fld id="{B61BEF0D-F0BB-DE4B-95CE-6DB70DBA9567}" type="datetimeFigureOut">
               <a:rPr lang="en-US" dirty="0"/>
               <a:pPr/>
-              <a:t>10/19/2018</a:t>
+              <a:t>10/22/2018</a:t>
             </a:fld>
             <a:endParaRPr lang="en-US" dirty="0"/>
           </a:p>
@@ -2388,7 +2388,7 @@
             <a:fld id="{B61BEF0D-F0BB-DE4B-95CE-6DB70DBA9567}" type="datetimeFigureOut">
               <a:rPr lang="en-US" dirty="0"/>
               <a:pPr/>
-              <a:t>10/19/2018</a:t>
+              <a:t>10/22/2018</a:t>
             </a:fld>
             <a:endParaRPr lang="en-US" dirty="0"/>
           </a:p>
@@ -2712,7 +2712,7 @@
             <a:fld id="{B61BEF0D-F0BB-DE4B-95CE-6DB70DBA9567}" type="datetimeFigureOut">
               <a:rPr lang="en-US" dirty="0"/>
               <a:pPr/>
-              <a:t>10/19/2018</a:t>
+              <a:t>10/22/2018</a:t>
             </a:fld>
             <a:endParaRPr lang="en-US" dirty="0"/>
           </a:p>
@@ -2886,7 +2886,7 @@
             <a:fld id="{B61BEF0D-F0BB-DE4B-95CE-6DB70DBA9567}" type="datetimeFigureOut">
               <a:rPr lang="en-US" dirty="0"/>
               <a:pPr/>
-              <a:t>10/19/2018</a:t>
+              <a:t>10/22/2018</a:t>
             </a:fld>
             <a:endParaRPr lang="en-US" dirty="0"/>
           </a:p>
@@ -3121,7 +3121,7 @@
             <a:fld id="{B61BEF0D-F0BB-DE4B-95CE-6DB70DBA9567}" type="datetimeFigureOut">
               <a:rPr lang="en-US" dirty="0"/>
               <a:pPr/>
-              <a:t>10/19/2018</a:t>
+              <a:t>10/22/2018</a:t>
             </a:fld>
             <a:endParaRPr lang="en-US" dirty="0"/>
           </a:p>
@@ -3318,7 +3318,7 @@
             <a:fld id="{B61BEF0D-F0BB-DE4B-95CE-6DB70DBA9567}" type="datetimeFigureOut">
               <a:rPr lang="en-US" dirty="0"/>
               <a:pPr/>
-              <a:t>10/19/2018</a:t>
+              <a:t>10/22/2018</a:t>
             </a:fld>
             <a:endParaRPr lang="en-US" dirty="0"/>
           </a:p>
@@ -3591,7 +3591,7 @@
             <a:fld id="{B61BEF0D-F0BB-DE4B-95CE-6DB70DBA9567}" type="datetimeFigureOut">
               <a:rPr lang="en-US" dirty="0"/>
               <a:pPr/>
-              <a:t>10/19/2018</a:t>
+              <a:t>10/22/2018</a:t>
             </a:fld>
             <a:endParaRPr lang="en-US" dirty="0"/>
           </a:p>
@@ -3854,7 +3854,7 @@
             <a:fld id="{B61BEF0D-F0BB-DE4B-95CE-6DB70DBA9567}" type="datetimeFigureOut">
               <a:rPr lang="en-US" dirty="0"/>
               <a:pPr/>
-              <a:t>10/19/2018</a:t>
+              <a:t>10/22/2018</a:t>
             </a:fld>
             <a:endParaRPr lang="en-US" dirty="0"/>
           </a:p>
@@ -4225,7 +4225,7 @@
             <a:fld id="{B61BEF0D-F0BB-DE4B-95CE-6DB70DBA9567}" type="datetimeFigureOut">
               <a:rPr lang="en-US" dirty="0"/>
               <a:pPr/>
-              <a:t>10/19/2018</a:t>
+              <a:t>10/22/2018</a:t>
             </a:fld>
             <a:endParaRPr lang="en-US" dirty="0"/>
           </a:p>
@@ -4370,7 +4370,7 @@
             <a:fld id="{B61BEF0D-F0BB-DE4B-95CE-6DB70DBA9567}" type="datetimeFigureOut">
               <a:rPr lang="en-US" dirty="0"/>
               <a:pPr/>
-              <a:t>10/19/2018</a:t>
+              <a:t>10/22/2018</a:t>
             </a:fld>
             <a:endParaRPr lang="en-US" dirty="0"/>
           </a:p>
@@ -4492,7 +4492,7 @@
             <a:fld id="{B61BEF0D-F0BB-DE4B-95CE-6DB70DBA9567}" type="datetimeFigureOut">
               <a:rPr lang="en-US" dirty="0"/>
               <a:pPr/>
-              <a:t>10/19/2018</a:t>
+              <a:t>10/22/2018</a:t>
             </a:fld>
             <a:endParaRPr lang="en-US" dirty="0"/>
           </a:p>
@@ -4774,7 +4774,7 @@
             <a:fld id="{B61BEF0D-F0BB-DE4B-95CE-6DB70DBA9567}" type="datetimeFigureOut">
               <a:rPr lang="en-US" dirty="0"/>
               <a:pPr/>
-              <a:t>10/19/2018</a:t>
+              <a:t>10/22/2018</a:t>
             </a:fld>
             <a:endParaRPr lang="en-US" dirty="0"/>
           </a:p>
@@ -5095,7 +5095,7 @@
             <a:fld id="{B61BEF0D-F0BB-DE4B-95CE-6DB70DBA9567}" type="datetimeFigureOut">
               <a:rPr lang="en-US" dirty="0"/>
               <a:pPr/>
-              <a:t>10/19/2018</a:t>
+              <a:t>10/22/2018</a:t>
             </a:fld>
             <a:endParaRPr lang="en-US" dirty="0"/>
           </a:p>
@@ -5306,7 +5306,7 @@
             <a:fld id="{B61BEF0D-F0BB-DE4B-95CE-6DB70DBA9567}" type="datetimeFigureOut">
               <a:rPr lang="en-US" dirty="0"/>
               <a:pPr/>
-              <a:t>10/19/2018</a:t>
+              <a:t>10/22/2018</a:t>
             </a:fld>
             <a:endParaRPr lang="en-US" dirty="0"/>
           </a:p>
@@ -5895,7 +5895,7 @@
           <a:lstStyle/>
           <a:p>
             <a:r>
-              <a:rPr lang="en-US" altLang="zh-CN" dirty="0" err="1"/>
+              <a:rPr lang="en-US" altLang="zh-CN" dirty="0"/>
               <a:t>iV</a:t>
             </a:r>
             <a:endParaRPr lang="zh-CN" altLang="en-US" dirty="0"/>
@@ -6711,7 +6711,7 @@
                             </p:stCondLst>
                             <p:childTnLst>
                               <p:par>
-                                <p:cTn id="40" presetID="21" presetClass="entr" presetSubtype="1" fill="hold" nodeType="clickEffect">
+                                <p:cTn id="40" presetID="42" presetClass="entr" presetSubtype="0" fill="hold" nodeType="clickEffect">
                                   <p:stCondLst>
                                     <p:cond delay="0"/>
                                   </p:stCondLst>
@@ -6734,37 +6734,65 @@
                                         <p:strVal val="visible"/>
                                       </p:to>
                                     </p:set>
-                                    <p:animEffect transition="in" filter="wheel(1)">
-                                      <p:cBhvr>
-                                        <p:cTn id="42" dur="2000"/>
+                                    <p:animEffect transition="in" filter="fade">
+                                      <p:cBhvr>
+                                        <p:cTn id="42" dur="1000"/>
                                         <p:tgtEl>
                                           <p:spTgt spid="9"/>
                                         </p:tgtEl>
                                       </p:cBhvr>
                                     </p:animEffect>
+                                    <p:anim calcmode="lin" valueType="num">
+                                      <p:cBhvr>
+                                        <p:cTn id="43" dur="1000" fill="hold"/>
+                                        <p:tgtEl>
+                                          <p:spTgt spid="9"/>
+                                        </p:tgtEl>
+                                        <p:attrNameLst>
+                                          <p:attrName>ppt_x</p:attrName>
+                                        </p:attrNameLst>
+                                      </p:cBhvr>
+                                      <p:tavLst>
+                                        <p:tav tm="0">
+                                          <p:val>
+                                            <p:strVal val="#ppt_x"/>
+                                          </p:val>
+                                        </p:tav>
+                                        <p:tav tm="100000">
+                                          <p:val>
+                                            <p:strVal val="#ppt_x"/>
+                                          </p:val>
+                                        </p:tav>
+                                      </p:tavLst>
+                                    </p:anim>
+                                    <p:anim calcmode="lin" valueType="num">
+                                      <p:cBhvr>
+                                        <p:cTn id="44" dur="1000" fill="hold"/>
+                                        <p:tgtEl>
+                                          <p:spTgt spid="9"/>
+                                        </p:tgtEl>
+                                        <p:attrNameLst>
+                                          <p:attrName>ppt_y</p:attrName>
+                                        </p:attrNameLst>
+                                      </p:cBhvr>
+                                      <p:tavLst>
+                                        <p:tav tm="0">
+                                          <p:val>
+                                            <p:strVal val="#ppt_y+.1"/>
+                                          </p:val>
+                                        </p:tav>
+                                        <p:tav tm="100000">
+                                          <p:val>
+                                            <p:strVal val="#ppt_y"/>
+                                          </p:val>
+                                        </p:tav>
+                                      </p:tavLst>
+                                    </p:anim>
                                   </p:childTnLst>
                                 </p:cTn>
                               </p:par>
-                            </p:childTnLst>
-                          </p:cTn>
-                        </p:par>
-                      </p:childTnLst>
-                    </p:cTn>
-                  </p:par>
-                  <p:par>
-                    <p:cTn id="43" fill="hold">
-                      <p:stCondLst>
-                        <p:cond delay="indefinite"/>
-                      </p:stCondLst>
-                      <p:childTnLst>
-                        <p:par>
-                          <p:cTn id="44" fill="hold">
-                            <p:stCondLst>
-                              <p:cond delay="0"/>
-                            </p:stCondLst>
-                            <p:childTnLst>
                               <p:par>
-                                <p:cTn id="45" presetID="42" presetClass="entr" presetSubtype="0" fill="hold" nodeType="clickEffect">
+                                <p:cTn id="45" presetID="42" presetClass="entr" presetSubtype="0" fill="hold" nodeType="withEffect">
                                   <p:stCondLst>
                                     <p:cond delay="0"/>
                                   </p:stCondLst>
@@ -6908,7 +6936,12 @@
             <p:ph type="title"/>
           </p:nvPr>
         </p:nvSpPr>
-        <p:spPr/>
+        <p:spPr>
+          <a:xfrm>
+            <a:off x="654687" y="0"/>
+            <a:ext cx="10131425" cy="1456267"/>
+          </a:xfrm>
+        </p:spPr>
         <p:txBody>
           <a:bodyPr/>
           <a:lstStyle/>
@@ -6939,8 +6972,8 @@
         </p:nvSpPr>
         <p:spPr>
           <a:xfrm>
-            <a:off x="654687" y="1747520"/>
-            <a:ext cx="10131425" cy="2529840"/>
+            <a:off x="654687" y="1397991"/>
+            <a:ext cx="10131425" cy="2585286"/>
           </a:xfrm>
         </p:spPr>
         <p:txBody>
@@ -6948,7 +6981,7 @@
           <a:lstStyle/>
           <a:p>
             <a:r>
-              <a:rPr lang="en-US" altLang="zh-CN" dirty="0" err="1"/>
+              <a:rPr lang="en-US" altLang="zh-CN" dirty="0"/>
               <a:t>ks</a:t>
             </a:r>
             <a:r>
@@ -6960,10 +6993,17 @@
           <a:p>
             <a:r>
               <a:rPr lang="zh-CN" altLang="en-US" dirty="0"/>
+              <a:t>检查样本是否符合某种分布或者比较两个分布是否有显著的差异。</a:t>
+            </a:r>
+            <a:endParaRPr lang="en-US" altLang="zh-CN" dirty="0"/>
+          </a:p>
+          <a:p>
+            <a:r>
+              <a:rPr lang="zh-CN" altLang="en-US" dirty="0"/>
               <a:t>这里的</a:t>
             </a:r>
             <a:r>
-              <a:rPr lang="en-US" altLang="zh-CN" dirty="0" err="1"/>
+              <a:rPr lang="en-US" altLang="zh-CN" dirty="0"/>
               <a:t>ks</a:t>
             </a:r>
             <a:r>
@@ -7147,15 +7187,33 @@
                                   </p:childTnLst>
                                 </p:cTn>
                               </p:par>
+                            </p:childTnLst>
+                          </p:cTn>
+                        </p:par>
+                      </p:childTnLst>
+                    </p:cTn>
+                  </p:par>
+                  <p:par>
+                    <p:cTn id="9" fill="hold">
+                      <p:stCondLst>
+                        <p:cond delay="indefinite"/>
+                      </p:stCondLst>
+                      <p:childTnLst>
+                        <p:par>
+                          <p:cTn id="10" fill="hold">
+                            <p:stCondLst>
+                              <p:cond delay="0"/>
+                            </p:stCondLst>
+                            <p:childTnLst>
                               <p:par>
-                                <p:cTn id="9" presetID="2" presetClass="entr" presetSubtype="4" fill="hold" nodeType="withEffect">
+                                <p:cTn id="11" presetID="2" presetClass="entr" presetSubtype="4" fill="hold" nodeType="clickEffect">
                                   <p:stCondLst>
                                     <p:cond delay="0"/>
                                   </p:stCondLst>
                                   <p:childTnLst>
                                     <p:set>
                                       <p:cBhvr>
-                                        <p:cTn id="10" dur="1" fill="hold">
+                                        <p:cTn id="12" dur="1" fill="hold">
                                           <p:stCondLst>
                                             <p:cond delay="0"/>
                                           </p:stCondLst>
@@ -7177,7 +7235,7 @@
                                     </p:set>
                                     <p:anim calcmode="lin" valueType="num">
                                       <p:cBhvr additive="base">
-                                        <p:cTn id="11" dur="500" fill="hold"/>
+                                        <p:cTn id="13" dur="500" fill="hold"/>
                                         <p:tgtEl>
                                           <p:spTgt spid="4">
                                             <p:txEl>
@@ -7204,7 +7262,7 @@
                                     </p:anim>
                                     <p:anim calcmode="lin" valueType="num">
                                       <p:cBhvr additive="base">
-                                        <p:cTn id="12" dur="500" fill="hold"/>
+                                        <p:cTn id="14" dur="500" fill="hold"/>
                                         <p:tgtEl>
                                           <p:spTgt spid="4">
                                             <p:txEl>
@@ -7233,14 +7291,14 @@
                                 </p:cTn>
                               </p:par>
                               <p:par>
-                                <p:cTn id="13" presetID="2" presetClass="entr" presetSubtype="4" fill="hold" nodeType="withEffect">
+                                <p:cTn id="15" presetID="2" presetClass="entr" presetSubtype="4" fill="hold" nodeType="withEffect">
                                   <p:stCondLst>
                                     <p:cond delay="0"/>
                                   </p:stCondLst>
                                   <p:childTnLst>
                                     <p:set>
                                       <p:cBhvr>
-                                        <p:cTn id="14" dur="1" fill="hold">
+                                        <p:cTn id="16" dur="1" fill="hold">
                                           <p:stCondLst>
                                             <p:cond delay="0"/>
                                           </p:stCondLst>
@@ -7262,7 +7320,7 @@
                                     </p:set>
                                     <p:anim calcmode="lin" valueType="num">
                                       <p:cBhvr additive="base">
-                                        <p:cTn id="15" dur="500" fill="hold"/>
+                                        <p:cTn id="17" dur="500" fill="hold"/>
                                         <p:tgtEl>
                                           <p:spTgt spid="4">
                                             <p:txEl>
@@ -7289,7 +7347,7 @@
                                     </p:anim>
                                     <p:anim calcmode="lin" valueType="num">
                                       <p:cBhvr additive="base">
-                                        <p:cTn id="16" dur="500" fill="hold"/>
+                                        <p:cTn id="18" dur="500" fill="hold"/>
                                         <p:tgtEl>
                                           <p:spTgt spid="4">
                                             <p:txEl>
@@ -7318,14 +7376,14 @@
                                 </p:cTn>
                               </p:par>
                               <p:par>
-                                <p:cTn id="17" presetID="2" presetClass="entr" presetSubtype="4" fill="hold" nodeType="withEffect">
+                                <p:cTn id="19" presetID="2" presetClass="entr" presetSubtype="4" fill="hold" nodeType="withEffect">
                                   <p:stCondLst>
                                     <p:cond delay="0"/>
                                   </p:stCondLst>
                                   <p:childTnLst>
                                     <p:set>
                                       <p:cBhvr>
-                                        <p:cTn id="18" dur="1" fill="hold">
+                                        <p:cTn id="20" dur="1" fill="hold">
                                           <p:stCondLst>
                                             <p:cond delay="0"/>
                                           </p:stCondLst>
@@ -7347,7 +7405,7 @@
                                     </p:set>
                                     <p:anim calcmode="lin" valueType="num">
                                       <p:cBhvr additive="base">
-                                        <p:cTn id="19" dur="500" fill="hold"/>
+                                        <p:cTn id="21" dur="500" fill="hold"/>
                                         <p:tgtEl>
                                           <p:spTgt spid="4">
                                             <p:txEl>
@@ -7374,11 +7432,96 @@
                                     </p:anim>
                                     <p:anim calcmode="lin" valueType="num">
                                       <p:cBhvr additive="base">
-                                        <p:cTn id="20" dur="500" fill="hold"/>
+                                        <p:cTn id="22" dur="500" fill="hold"/>
                                         <p:tgtEl>
                                           <p:spTgt spid="4">
                                             <p:txEl>
                                               <p:pRg st="3" end="3"/>
+                                            </p:txEl>
+                                          </p:spTgt>
+                                        </p:tgtEl>
+                                        <p:attrNameLst>
+                                          <p:attrName>ppt_y</p:attrName>
+                                        </p:attrNameLst>
+                                      </p:cBhvr>
+                                      <p:tavLst>
+                                        <p:tav tm="0">
+                                          <p:val>
+                                            <p:strVal val="1+#ppt_h/2"/>
+                                          </p:val>
+                                        </p:tav>
+                                        <p:tav tm="100000">
+                                          <p:val>
+                                            <p:strVal val="#ppt_y"/>
+                                          </p:val>
+                                        </p:tav>
+                                      </p:tavLst>
+                                    </p:anim>
+                                  </p:childTnLst>
+                                </p:cTn>
+                              </p:par>
+                              <p:par>
+                                <p:cTn id="23" presetID="2" presetClass="entr" presetSubtype="4" fill="hold" nodeType="withEffect">
+                                  <p:stCondLst>
+                                    <p:cond delay="0"/>
+                                  </p:stCondLst>
+                                  <p:childTnLst>
+                                    <p:set>
+                                      <p:cBhvr>
+                                        <p:cTn id="24" dur="1" fill="hold">
+                                          <p:stCondLst>
+                                            <p:cond delay="0"/>
+                                          </p:stCondLst>
+                                        </p:cTn>
+                                        <p:tgtEl>
+                                          <p:spTgt spid="4">
+                                            <p:txEl>
+                                              <p:pRg st="4" end="4"/>
+                                            </p:txEl>
+                                          </p:spTgt>
+                                        </p:tgtEl>
+                                        <p:attrNameLst>
+                                          <p:attrName>style.visibility</p:attrName>
+                                        </p:attrNameLst>
+                                      </p:cBhvr>
+                                      <p:to>
+                                        <p:strVal val="visible"/>
+                                      </p:to>
+                                    </p:set>
+                                    <p:anim calcmode="lin" valueType="num">
+                                      <p:cBhvr additive="base">
+                                        <p:cTn id="25" dur="500" fill="hold"/>
+                                        <p:tgtEl>
+                                          <p:spTgt spid="4">
+                                            <p:txEl>
+                                              <p:pRg st="4" end="4"/>
+                                            </p:txEl>
+                                          </p:spTgt>
+                                        </p:tgtEl>
+                                        <p:attrNameLst>
+                                          <p:attrName>ppt_x</p:attrName>
+                                        </p:attrNameLst>
+                                      </p:cBhvr>
+                                      <p:tavLst>
+                                        <p:tav tm="0">
+                                          <p:val>
+                                            <p:strVal val="#ppt_x"/>
+                                          </p:val>
+                                        </p:tav>
+                                        <p:tav tm="100000">
+                                          <p:val>
+                                            <p:strVal val="#ppt_x"/>
+                                          </p:val>
+                                        </p:tav>
+                                      </p:tavLst>
+                                    </p:anim>
+                                    <p:anim calcmode="lin" valueType="num">
+                                      <p:cBhvr additive="base">
+                                        <p:cTn id="26" dur="500" fill="hold"/>
+                                        <p:tgtEl>
+                                          <p:spTgt spid="4">
+                                            <p:txEl>
+                                              <p:pRg st="4" end="4"/>
                                             </p:txEl>
                                           </p:spTgt>
                                         </p:tgtEl>
@@ -7409,26 +7552,26 @@
                     </p:cTn>
                   </p:par>
                   <p:par>
-                    <p:cTn id="21" fill="hold">
+                    <p:cTn id="27" fill="hold">
                       <p:stCondLst>
                         <p:cond delay="indefinite"/>
                       </p:stCondLst>
                       <p:childTnLst>
                         <p:par>
-                          <p:cTn id="22" fill="hold">
+                          <p:cTn id="28" fill="hold">
                             <p:stCondLst>
                               <p:cond delay="0"/>
                             </p:stCondLst>
                             <p:childTnLst>
                               <p:par>
-                                <p:cTn id="23" presetID="42" presetClass="entr" presetSubtype="0" fill="hold" nodeType="clickEffect">
+                                <p:cTn id="29" presetID="42" presetClass="entr" presetSubtype="0" fill="hold" nodeType="clickEffect">
                                   <p:stCondLst>
                                     <p:cond delay="0"/>
                                   </p:stCondLst>
                                   <p:childTnLst>
                                     <p:set>
                                       <p:cBhvr>
-                                        <p:cTn id="24" dur="1" fill="hold">
+                                        <p:cTn id="30" dur="1" fill="hold">
                                           <p:stCondLst>
                                             <p:cond delay="0"/>
                                           </p:stCondLst>
@@ -7446,7 +7589,7 @@
                                     </p:set>
                                     <p:animEffect transition="in" filter="fade">
                                       <p:cBhvr>
-                                        <p:cTn id="25" dur="1000"/>
+                                        <p:cTn id="31" dur="1000"/>
                                         <p:tgtEl>
                                           <p:spTgt spid="6"/>
                                         </p:tgtEl>
@@ -7454,7 +7597,7 @@
                                     </p:animEffect>
                                     <p:anim calcmode="lin" valueType="num">
                                       <p:cBhvr>
-                                        <p:cTn id="26" dur="1000" fill="hold"/>
+                                        <p:cTn id="32" dur="1000" fill="hold"/>
                                         <p:tgtEl>
                                           <p:spTgt spid="6"/>
                                         </p:tgtEl>
@@ -7477,7 +7620,7 @@
                                     </p:anim>
                                     <p:anim calcmode="lin" valueType="num">
                                       <p:cBhvr>
-                                        <p:cTn id="27" dur="1000" fill="hold"/>
+                                        <p:cTn id="33" dur="1000" fill="hold"/>
                                         <p:tgtEl>
                                           <p:spTgt spid="6"/>
                                         </p:tgtEl>
@@ -7662,11 +7805,11 @@
               <a:t>指，如果</a:t>
             </a:r>
             <a:r>
-              <a:rPr lang="en-US" altLang="zh-CN" dirty="0" err="1"/>
+              <a:rPr lang="en-US" altLang="zh-CN" dirty="0"/>
               <a:t>D</a:t>
             </a:r>
             <a:r>
-              <a:rPr lang="en-US" altLang="zh-CN" sz="1300" dirty="0" err="1"/>
+              <a:rPr lang="en-US" altLang="zh-CN" sz="1300" dirty="0"/>
               <a:t>max</a:t>
             </a:r>
             <a:r>
@@ -7679,9 +7822,20 @@
             </a:r>
             <a:r>
               <a:rPr lang="zh-CN" altLang="en-US" dirty="0"/>
-              <a:t>则认为有显著性差异</a:t>
-            </a:r>
-            <a:endParaRPr lang="en-US" altLang="zh-CN" dirty="0"/>
+              <a:t>则认为有显著性差异  </a:t>
+            </a:r>
+            <a:r>
+              <a:rPr lang="en-US" altLang="zh-CN" dirty="0"/>
+              <a:t>(python</a:t>
+            </a:r>
+            <a:r>
+              <a:rPr lang="zh-CN" altLang="en-US" dirty="0"/>
+              <a:t>的双样本检查 </a:t>
+            </a:r>
+            <a:r>
+              <a:rPr lang="en-US" altLang="zh-CN" dirty="0"/>
+              <a:t>ks _2samp)</a:t>
+            </a:r>
           </a:p>
           <a:p>
             <a:pPr marL="0" indent="0">
@@ -8034,7 +8188,7 @@
                             </p:stCondLst>
                             <p:childTnLst>
                               <p:par>
-                                <p:cTn id="5" presetID="42" presetClass="entr" presetSubtype="0" fill="hold" nodeType="clickEffect">
+                                <p:cTn id="5" presetID="2" presetClass="entr" presetSubtype="4" fill="hold" nodeType="clickEffect">
                                   <p:stCondLst>
                                     <p:cond delay="0"/>
                                   </p:stCondLst>
@@ -8061,21 +8215,9 @@
                                         <p:strVal val="visible"/>
                                       </p:to>
                                     </p:set>
-                                    <p:animEffect transition="in" filter="fade">
-                                      <p:cBhvr>
-                                        <p:cTn id="7" dur="1000"/>
-                                        <p:tgtEl>
-                                          <p:spTgt spid="6">
-                                            <p:txEl>
-                                              <p:pRg st="1" end="1"/>
-                                            </p:txEl>
-                                          </p:spTgt>
-                                        </p:tgtEl>
-                                      </p:cBhvr>
-                                    </p:animEffect>
                                     <p:anim calcmode="lin" valueType="num">
-                                      <p:cBhvr>
-                                        <p:cTn id="8" dur="1000" fill="hold"/>
+                                      <p:cBhvr additive="base">
+                                        <p:cTn id="7" dur="500" fill="hold"/>
                                         <p:tgtEl>
                                           <p:spTgt spid="6">
                                             <p:txEl>
@@ -8101,8 +8243,8 @@
                                       </p:tavLst>
                                     </p:anim>
                                     <p:anim calcmode="lin" valueType="num">
-                                      <p:cBhvr>
-                                        <p:cTn id="9" dur="1000" fill="hold"/>
+                                      <p:cBhvr additive="base">
+                                        <p:cTn id="8" dur="500" fill="hold"/>
                                         <p:tgtEl>
                                           <p:spTgt spid="6">
                                             <p:txEl>
@@ -8117,7 +8259,7 @@
                                       <p:tavLst>
                                         <p:tav tm="0">
                                           <p:val>
-                                            <p:strVal val="#ppt_y+.1"/>
+                                            <p:strVal val="1+#ppt_h/2"/>
                                           </p:val>
                                         </p:tav>
                                         <p:tav tm="100000">
@@ -8131,14 +8273,14 @@
                                 </p:cTn>
                               </p:par>
                               <p:par>
-                                <p:cTn id="10" presetID="42" presetClass="entr" presetSubtype="0" fill="hold" nodeType="withEffect">
+                                <p:cTn id="9" presetID="2" presetClass="entr" presetSubtype="4" fill="hold" nodeType="withEffect">
                                   <p:stCondLst>
                                     <p:cond delay="0"/>
                                   </p:stCondLst>
                                   <p:childTnLst>
                                     <p:set>
                                       <p:cBhvr>
-                                        <p:cTn id="11" dur="1" fill="hold">
+                                        <p:cTn id="10" dur="1" fill="hold">
                                           <p:stCondLst>
                                             <p:cond delay="0"/>
                                           </p:stCondLst>
@@ -8158,21 +8300,9 @@
                                         <p:strVal val="visible"/>
                                       </p:to>
                                     </p:set>
-                                    <p:animEffect transition="in" filter="fade">
-                                      <p:cBhvr>
-                                        <p:cTn id="12" dur="1000"/>
-                                        <p:tgtEl>
-                                          <p:spTgt spid="6">
-                                            <p:txEl>
-                                              <p:pRg st="2" end="2"/>
-                                            </p:txEl>
-                                          </p:spTgt>
-                                        </p:tgtEl>
-                                      </p:cBhvr>
-                                    </p:animEffect>
                                     <p:anim calcmode="lin" valueType="num">
-                                      <p:cBhvr>
-                                        <p:cTn id="13" dur="1000" fill="hold"/>
+                                      <p:cBhvr additive="base">
+                                        <p:cTn id="11" dur="500" fill="hold"/>
                                         <p:tgtEl>
                                           <p:spTgt spid="6">
                                             <p:txEl>
@@ -8198,8 +8328,8 @@
                                       </p:tavLst>
                                     </p:anim>
                                     <p:anim calcmode="lin" valueType="num">
-                                      <p:cBhvr>
-                                        <p:cTn id="14" dur="1000" fill="hold"/>
+                                      <p:cBhvr additive="base">
+                                        <p:cTn id="12" dur="500" fill="hold"/>
                                         <p:tgtEl>
                                           <p:spTgt spid="6">
                                             <p:txEl>
@@ -8214,7 +8344,7 @@
                                       <p:tavLst>
                                         <p:tav tm="0">
                                           <p:val>
-                                            <p:strVal val="#ppt_y+.1"/>
+                                            <p:strVal val="1+#ppt_h/2"/>
                                           </p:val>
                                         </p:tav>
                                         <p:tav tm="100000">
@@ -8228,14 +8358,14 @@
                                 </p:cTn>
                               </p:par>
                               <p:par>
-                                <p:cTn id="15" presetID="42" presetClass="entr" presetSubtype="0" fill="hold" nodeType="withEffect">
+                                <p:cTn id="13" presetID="42" presetClass="entr" presetSubtype="0" fill="hold" nodeType="withEffect">
                                   <p:stCondLst>
                                     <p:cond delay="0"/>
                                   </p:stCondLst>
                                   <p:childTnLst>
                                     <p:set>
                                       <p:cBhvr>
-                                        <p:cTn id="16" dur="1" fill="hold">
+                                        <p:cTn id="14" dur="1" fill="hold">
                                           <p:stCondLst>
                                             <p:cond delay="0"/>
                                           </p:stCondLst>
@@ -8257,7 +8387,7 @@
                                     </p:set>
                                     <p:animEffect transition="in" filter="fade">
                                       <p:cBhvr>
-                                        <p:cTn id="17" dur="1000"/>
+                                        <p:cTn id="15" dur="1000"/>
                                         <p:tgtEl>
                                           <p:spTgt spid="6">
                                             <p:txEl>
@@ -8269,7 +8399,7 @@
                                     </p:animEffect>
                                     <p:anim calcmode="lin" valueType="num">
                                       <p:cBhvr>
-                                        <p:cTn id="18" dur="1000" fill="hold"/>
+                                        <p:cTn id="16" dur="1000" fill="hold"/>
                                         <p:tgtEl>
                                           <p:spTgt spid="6">
                                             <p:txEl>
@@ -8296,7 +8426,7 @@
                                     </p:anim>
                                     <p:anim calcmode="lin" valueType="num">
                                       <p:cBhvr>
-                                        <p:cTn id="19" dur="1000" fill="hold"/>
+                                        <p:cTn id="17" dur="1000" fill="hold"/>
                                         <p:tgtEl>
                                           <p:spTgt spid="6">
                                             <p:txEl>
@@ -8331,26 +8461,26 @@
                     </p:cTn>
                   </p:par>
                   <p:par>
-                    <p:cTn id="20" fill="hold">
+                    <p:cTn id="18" fill="hold">
                       <p:stCondLst>
                         <p:cond delay="indefinite"/>
                       </p:stCondLst>
                       <p:childTnLst>
                         <p:par>
-                          <p:cTn id="21" fill="hold">
+                          <p:cTn id="19" fill="hold">
                             <p:stCondLst>
                               <p:cond delay="0"/>
                             </p:stCondLst>
                             <p:childTnLst>
                               <p:par>
-                                <p:cTn id="22" presetID="53" presetClass="entr" presetSubtype="16" fill="hold" grpId="0" nodeType="clickEffect">
+                                <p:cTn id="20" presetID="53" presetClass="entr" presetSubtype="16" fill="hold" grpId="0" nodeType="clickEffect">
                                   <p:stCondLst>
                                     <p:cond delay="0"/>
                                   </p:stCondLst>
                                   <p:childTnLst>
                                     <p:set>
                                       <p:cBhvr>
-                                        <p:cTn id="23" dur="1" fill="hold">
+                                        <p:cTn id="21" dur="1" fill="hold">
                                           <p:stCondLst>
                                             <p:cond delay="0"/>
                                           </p:stCondLst>
@@ -8368,7 +8498,7 @@
                                     </p:set>
                                     <p:anim calcmode="lin" valueType="num">
                                       <p:cBhvr>
-                                        <p:cTn id="24" dur="500" fill="hold"/>
+                                        <p:cTn id="22" dur="500" fill="hold"/>
                                         <p:tgtEl>
                                           <p:spTgt spid="8"/>
                                         </p:tgtEl>
@@ -8391,7 +8521,7 @@
                                     </p:anim>
                                     <p:anim calcmode="lin" valueType="num">
                                       <p:cBhvr>
-                                        <p:cTn id="25" dur="500" fill="hold"/>
+                                        <p:cTn id="23" dur="500" fill="hold"/>
                                         <p:tgtEl>
                                           <p:spTgt spid="8"/>
                                         </p:tgtEl>
@@ -8414,7 +8544,7 @@
                                     </p:anim>
                                     <p:animEffect transition="in" filter="fade">
                                       <p:cBhvr>
-                                        <p:cTn id="26" dur="500"/>
+                                        <p:cTn id="24" dur="500"/>
                                         <p:tgtEl>
                                           <p:spTgt spid="8"/>
                                         </p:tgtEl>
@@ -8430,26 +8560,26 @@
                     </p:cTn>
                   </p:par>
                   <p:par>
-                    <p:cTn id="27" fill="hold">
+                    <p:cTn id="25" fill="hold">
                       <p:stCondLst>
                         <p:cond delay="indefinite"/>
                       </p:stCondLst>
                       <p:childTnLst>
                         <p:par>
-                          <p:cTn id="28" fill="hold">
+                          <p:cTn id="26" fill="hold">
                             <p:stCondLst>
                               <p:cond delay="0"/>
                             </p:stCondLst>
                             <p:childTnLst>
                               <p:par>
-                                <p:cTn id="29" presetID="22" presetClass="entr" presetSubtype="4" fill="hold" nodeType="clickEffect">
+                                <p:cTn id="27" presetID="22" presetClass="entr" presetSubtype="4" fill="hold" nodeType="clickEffect">
                                   <p:stCondLst>
                                     <p:cond delay="0"/>
                                   </p:stCondLst>
                                   <p:childTnLst>
                                     <p:set>
                                       <p:cBhvr>
-                                        <p:cTn id="30" dur="1" fill="hold">
+                                        <p:cTn id="28" dur="1" fill="hold">
                                           <p:stCondLst>
                                             <p:cond delay="0"/>
                                           </p:stCondLst>
@@ -8467,7 +8597,7 @@
                                     </p:set>
                                     <p:animEffect transition="in" filter="wipe(down)">
                                       <p:cBhvr>
-                                        <p:cTn id="31" dur="500"/>
+                                        <p:cTn id="29" dur="500"/>
                                         <p:tgtEl>
                                           <p:spTgt spid="7"/>
                                         </p:tgtEl>
@@ -8644,7 +8774,7 @@
         </p:blipFill>
         <p:spPr>
           <a:xfrm>
-            <a:off x="960262" y="2314248"/>
+            <a:off x="972788" y="2314248"/>
             <a:ext cx="9856964" cy="4512693"/>
           </a:xfrm>
           <a:prstGeom prst="rect">
@@ -9935,24 +10065,16 @@
               <a:t>   均值，</a:t>
             </a:r>
             <a:r>
-              <a:rPr lang="en-US" altLang="zh-CN" dirty="0" err="1"/>
-              <a:t>Null_percent</a:t>
-            </a:r>
-            <a:r>
               <a:rPr lang="en-US" altLang="zh-CN" dirty="0"/>
-              <a:t> </a:t>
+              <a:t>null_percent </a:t>
             </a:r>
             <a:r>
               <a:rPr lang="zh-CN" altLang="en-US" dirty="0"/>
               <a:t>（空值占比）， </a:t>
             </a:r>
             <a:r>
-              <a:rPr lang="en-US" altLang="zh-CN" dirty="0" err="1"/>
-              <a:t>Zero_percent</a:t>
-            </a:r>
-            <a:r>
               <a:rPr lang="en-US" altLang="zh-CN" dirty="0"/>
-              <a:t> </a:t>
+              <a:t>zero_percent </a:t>
             </a:r>
             <a:r>
               <a:rPr lang="zh-CN" altLang="en-US" dirty="0"/>
@@ -9967,12 +10089,8 @@
               <a:t>值占比），</a:t>
             </a:r>
             <a:r>
-              <a:rPr lang="en-US" altLang="zh-CN" dirty="0" err="1"/>
-              <a:t>Quaritles</a:t>
-            </a:r>
-            <a:r>
               <a:rPr lang="en-US" altLang="zh-CN" dirty="0"/>
-              <a:t> </a:t>
+              <a:t>Quaritles </a:t>
             </a:r>
             <a:r>
               <a:rPr lang="zh-CN" altLang="en-US" dirty="0"/>
@@ -10079,12 +10197,8 @@
               <a:t>（</a:t>
             </a:r>
             <a:r>
-              <a:rPr lang="en-US" altLang="zh-CN" dirty="0" err="1"/>
-              <a:t>total_overdue</a:t>
-            </a:r>
-            <a:r>
               <a:rPr lang="en-US" altLang="zh-CN" dirty="0"/>
-              <a:t>/</a:t>
+              <a:t>total_overdue/</a:t>
             </a:r>
             <a:r>
               <a:rPr lang="zh-CN" altLang="en-US" dirty="0"/>
@@ -10183,7 +10297,7 @@
                             </p:stCondLst>
                             <p:childTnLst>
                               <p:par>
-                                <p:cTn id="5" presetID="10" presetClass="entr" presetSubtype="0" fill="hold" grpId="0" nodeType="clickEffect">
+                                <p:cTn id="5" presetID="2" presetClass="entr" presetSubtype="4" fill="hold" grpId="0" nodeType="clickEffect">
                                   <p:stCondLst>
                                     <p:cond delay="0"/>
                                   </p:stCondLst>
@@ -10199,92 +10313,6 @@
                                           <p:spTgt spid="3">
                                             <p:txEl>
                                               <p:pRg st="0" end="0"/>
-                                            </p:txEl>
-                                          </p:spTgt>
-                                        </p:tgtEl>
-                                        <p:attrNameLst>
-                                          <p:attrName>style.visibility</p:attrName>
-                                        </p:attrNameLst>
-                                      </p:cBhvr>
-                                      <p:to>
-                                        <p:strVal val="visible"/>
-                                      </p:to>
-                                    </p:set>
-                                    <p:animEffect transition="in" filter="fade">
-                                      <p:cBhvr>
-                                        <p:cTn id="7" dur="500"/>
-                                        <p:tgtEl>
-                                          <p:spTgt spid="3">
-                                            <p:txEl>
-                                              <p:pRg st="0" end="0"/>
-                                            </p:txEl>
-                                          </p:spTgt>
-                                        </p:tgtEl>
-                                      </p:cBhvr>
-                                    </p:animEffect>
-                                  </p:childTnLst>
-                                </p:cTn>
-                              </p:par>
-                              <p:par>
-                                <p:cTn id="8" presetID="10" presetClass="entr" presetSubtype="0" fill="hold" grpId="0" nodeType="withEffect">
-                                  <p:stCondLst>
-                                    <p:cond delay="0"/>
-                                  </p:stCondLst>
-                                  <p:childTnLst>
-                                    <p:set>
-                                      <p:cBhvr>
-                                        <p:cTn id="9" dur="1" fill="hold">
-                                          <p:stCondLst>
-                                            <p:cond delay="0"/>
-                                          </p:stCondLst>
-                                        </p:cTn>
-                                        <p:tgtEl>
-                                          <p:spTgt spid="3">
-                                            <p:txEl>
-                                              <p:pRg st="1" end="1"/>
-                                            </p:txEl>
-                                          </p:spTgt>
-                                        </p:tgtEl>
-                                        <p:attrNameLst>
-                                          <p:attrName>style.visibility</p:attrName>
-                                        </p:attrNameLst>
-                                      </p:cBhvr>
-                                      <p:to>
-                                        <p:strVal val="visible"/>
-                                      </p:to>
-                                    </p:set>
-                                    <p:animEffect transition="in" filter="fade">
-                                      <p:cBhvr>
-                                        <p:cTn id="10" dur="500"/>
-                                        <p:tgtEl>
-                                          <p:spTgt spid="3">
-                                            <p:txEl>
-                                              <p:pRg st="1" end="1"/>
-                                            </p:txEl>
-                                          </p:spTgt>
-                                        </p:tgtEl>
-                                      </p:cBhvr>
-                                    </p:animEffect>
-                                  </p:childTnLst>
-                                </p:cTn>
-                              </p:par>
-                              <p:par>
-                                <p:cTn id="11" presetID="2" presetClass="entr" presetSubtype="4" fill="hold" grpId="0" nodeType="withEffect">
-                                  <p:stCondLst>
-                                    <p:cond delay="0"/>
-                                  </p:stCondLst>
-                                  <p:childTnLst>
-                                    <p:set>
-                                      <p:cBhvr>
-                                        <p:cTn id="12" dur="1" fill="hold">
-                                          <p:stCondLst>
-                                            <p:cond delay="0"/>
-                                          </p:stCondLst>
-                                        </p:cTn>
-                                        <p:tgtEl>
-                                          <p:spTgt spid="3">
-                                            <p:txEl>
-                                              <p:pRg st="2" end="2"/>
                                             </p:txEl>
                                           </p:spTgt>
                                         </p:tgtEl>
@@ -10298,11 +10326,11 @@
                                     </p:set>
                                     <p:anim calcmode="lin" valueType="num">
                                       <p:cBhvr additive="base">
-                                        <p:cTn id="13" dur="500" fill="hold"/>
-                                        <p:tgtEl>
-                                          <p:spTgt spid="3">
-                                            <p:txEl>
-                                              <p:pRg st="2" end="2"/>
+                                        <p:cTn id="7" dur="500" fill="hold"/>
+                                        <p:tgtEl>
+                                          <p:spTgt spid="3">
+                                            <p:txEl>
+                                              <p:pRg st="0" end="0"/>
                                             </p:txEl>
                                           </p:spTgt>
                                         </p:tgtEl>
@@ -10325,11 +10353,11 @@
                                     </p:anim>
                                     <p:anim calcmode="lin" valueType="num">
                                       <p:cBhvr additive="base">
-                                        <p:cTn id="14" dur="500" fill="hold"/>
-                                        <p:tgtEl>
-                                          <p:spTgt spid="3">
-                                            <p:txEl>
-                                              <p:pRg st="2" end="2"/>
+                                        <p:cTn id="8" dur="500" fill="hold"/>
+                                        <p:tgtEl>
+                                          <p:spTgt spid="3">
+                                            <p:txEl>
+                                              <p:pRg st="0" end="0"/>
                                             </p:txEl>
                                           </p:spTgt>
                                         </p:tgtEl>
@@ -10354,14 +10382,14 @@
                                 </p:cTn>
                               </p:par>
                               <p:par>
-                                <p:cTn id="15" presetID="2" presetClass="entr" presetSubtype="4" fill="hold" grpId="0" nodeType="withEffect">
+                                <p:cTn id="9" presetID="2" presetClass="entr" presetSubtype="4" fill="hold" grpId="0" nodeType="withEffect">
                                   <p:stCondLst>
                                     <p:cond delay="0"/>
                                   </p:stCondLst>
                                   <p:childTnLst>
                                     <p:set>
                                       <p:cBhvr>
-                                        <p:cTn id="16" dur="1" fill="hold">
+                                        <p:cTn id="10" dur="1" fill="hold">
                                           <p:stCondLst>
                                             <p:cond delay="0"/>
                                           </p:stCondLst>
@@ -10369,7 +10397,7 @@
                                         <p:tgtEl>
                                           <p:spTgt spid="3">
                                             <p:txEl>
-                                              <p:pRg st="3" end="3"/>
+                                              <p:pRg st="1" end="1"/>
                                             </p:txEl>
                                           </p:spTgt>
                                         </p:tgtEl>
@@ -10383,11 +10411,11 @@
                                     </p:set>
                                     <p:anim calcmode="lin" valueType="num">
                                       <p:cBhvr additive="base">
-                                        <p:cTn id="17" dur="500" fill="hold"/>
-                                        <p:tgtEl>
-                                          <p:spTgt spid="3">
-                                            <p:txEl>
-                                              <p:pRg st="3" end="3"/>
+                                        <p:cTn id="11" dur="500" fill="hold"/>
+                                        <p:tgtEl>
+                                          <p:spTgt spid="3">
+                                            <p:txEl>
+                                              <p:pRg st="1" end="1"/>
                                             </p:txEl>
                                           </p:spTgt>
                                         </p:tgtEl>
@@ -10410,11 +10438,11 @@
                                     </p:anim>
                                     <p:anim calcmode="lin" valueType="num">
                                       <p:cBhvr additive="base">
-                                        <p:cTn id="18" dur="500" fill="hold"/>
-                                        <p:tgtEl>
-                                          <p:spTgt spid="3">
-                                            <p:txEl>
-                                              <p:pRg st="3" end="3"/>
+                                        <p:cTn id="12" dur="500" fill="hold"/>
+                                        <p:tgtEl>
+                                          <p:spTgt spid="3">
+                                            <p:txEl>
+                                              <p:pRg st="1" end="1"/>
                                             </p:txEl>
                                           </p:spTgt>
                                         </p:tgtEl>
@@ -10439,14 +10467,14 @@
                                 </p:cTn>
                               </p:par>
                               <p:par>
-                                <p:cTn id="19" presetID="2" presetClass="entr" presetSubtype="4" fill="hold" grpId="0" nodeType="withEffect">
+                                <p:cTn id="13" presetID="2" presetClass="entr" presetSubtype="4" fill="hold" grpId="0" nodeType="withEffect">
                                   <p:stCondLst>
                                     <p:cond delay="0"/>
                                   </p:stCondLst>
                                   <p:childTnLst>
                                     <p:set>
                                       <p:cBhvr>
-                                        <p:cTn id="20" dur="1" fill="hold">
+                                        <p:cTn id="14" dur="1" fill="hold">
                                           <p:stCondLst>
                                             <p:cond delay="0"/>
                                           </p:stCondLst>
@@ -10454,7 +10482,7 @@
                                         <p:tgtEl>
                                           <p:spTgt spid="3">
                                             <p:txEl>
-                                              <p:pRg st="4" end="4"/>
+                                              <p:pRg st="2" end="2"/>
                                             </p:txEl>
                                           </p:spTgt>
                                         </p:tgtEl>
@@ -10468,11 +10496,11 @@
                                     </p:set>
                                     <p:anim calcmode="lin" valueType="num">
                                       <p:cBhvr additive="base">
-                                        <p:cTn id="21" dur="500" fill="hold"/>
-                                        <p:tgtEl>
-                                          <p:spTgt spid="3">
-                                            <p:txEl>
-                                              <p:pRg st="4" end="4"/>
+                                        <p:cTn id="15" dur="500" fill="hold"/>
+                                        <p:tgtEl>
+                                          <p:spTgt spid="3">
+                                            <p:txEl>
+                                              <p:pRg st="2" end="2"/>
                                             </p:txEl>
                                           </p:spTgt>
                                         </p:tgtEl>
@@ -10495,11 +10523,11 @@
                                     </p:anim>
                                     <p:anim calcmode="lin" valueType="num">
                                       <p:cBhvr additive="base">
-                                        <p:cTn id="22" dur="500" fill="hold"/>
-                                        <p:tgtEl>
-                                          <p:spTgt spid="3">
-                                            <p:txEl>
-                                              <p:pRg st="4" end="4"/>
+                                        <p:cTn id="16" dur="500" fill="hold"/>
+                                        <p:tgtEl>
+                                          <p:spTgt spid="3">
+                                            <p:txEl>
+                                              <p:pRg st="2" end="2"/>
                                             </p:txEl>
                                           </p:spTgt>
                                         </p:tgtEl>
@@ -10524,14 +10552,14 @@
                                 </p:cTn>
                               </p:par>
                               <p:par>
-                                <p:cTn id="23" presetID="2" presetClass="entr" presetSubtype="4" fill="hold" grpId="0" nodeType="withEffect">
+                                <p:cTn id="17" presetID="2" presetClass="entr" presetSubtype="4" fill="hold" grpId="0" nodeType="withEffect">
                                   <p:stCondLst>
                                     <p:cond delay="0"/>
                                   </p:stCondLst>
                                   <p:childTnLst>
                                     <p:set>
                                       <p:cBhvr>
-                                        <p:cTn id="24" dur="1" fill="hold">
+                                        <p:cTn id="18" dur="1" fill="hold">
                                           <p:stCondLst>
                                             <p:cond delay="0"/>
                                           </p:stCondLst>
@@ -10539,7 +10567,7 @@
                                         <p:tgtEl>
                                           <p:spTgt spid="3">
                                             <p:txEl>
-                                              <p:pRg st="5" end="5"/>
+                                              <p:pRg st="3" end="3"/>
                                             </p:txEl>
                                           </p:spTgt>
                                         </p:tgtEl>
@@ -10553,11 +10581,11 @@
                                     </p:set>
                                     <p:anim calcmode="lin" valueType="num">
                                       <p:cBhvr additive="base">
-                                        <p:cTn id="25" dur="500" fill="hold"/>
-                                        <p:tgtEl>
-                                          <p:spTgt spid="3">
-                                            <p:txEl>
-                                              <p:pRg st="5" end="5"/>
+                                        <p:cTn id="19" dur="500" fill="hold"/>
+                                        <p:tgtEl>
+                                          <p:spTgt spid="3">
+                                            <p:txEl>
+                                              <p:pRg st="3" end="3"/>
                                             </p:txEl>
                                           </p:spTgt>
                                         </p:tgtEl>
@@ -10580,11 +10608,11 @@
                                     </p:anim>
                                     <p:anim calcmode="lin" valueType="num">
                                       <p:cBhvr additive="base">
-                                        <p:cTn id="26" dur="500" fill="hold"/>
-                                        <p:tgtEl>
-                                          <p:spTgt spid="3">
-                                            <p:txEl>
-                                              <p:pRg st="5" end="5"/>
+                                        <p:cTn id="20" dur="500" fill="hold"/>
+                                        <p:tgtEl>
+                                          <p:spTgt spid="3">
+                                            <p:txEl>
+                                              <p:pRg st="3" end="3"/>
                                             </p:txEl>
                                           </p:spTgt>
                                         </p:tgtEl>
@@ -10609,14 +10637,14 @@
                                 </p:cTn>
                               </p:par>
                               <p:par>
-                                <p:cTn id="27" presetID="6" presetClass="entr" presetSubtype="16" fill="hold" grpId="0" nodeType="withEffect">
+                                <p:cTn id="21" presetID="2" presetClass="entr" presetSubtype="4" fill="hold" grpId="0" nodeType="withEffect">
                                   <p:stCondLst>
                                     <p:cond delay="0"/>
                                   </p:stCondLst>
                                   <p:childTnLst>
                                     <p:set>
                                       <p:cBhvr>
-                                        <p:cTn id="28" dur="1" fill="hold">
+                                        <p:cTn id="22" dur="1" fill="hold">
                                           <p:stCondLst>
                                             <p:cond delay="0"/>
                                           </p:stCondLst>
@@ -10624,7 +10652,7 @@
                                         <p:tgtEl>
                                           <p:spTgt spid="3">
                                             <p:txEl>
-                                              <p:pRg st="6" end="6"/>
+                                              <p:pRg st="4" end="4"/>
                                             </p:txEl>
                                           </p:spTgt>
                                         </p:tgtEl>
@@ -10636,154 +10664,13 @@
                                         <p:strVal val="visible"/>
                                       </p:to>
                                     </p:set>
-                                    <p:animEffect transition="in" filter="circle(in)">
-                                      <p:cBhvr>
-                                        <p:cTn id="29" dur="2000"/>
-                                        <p:tgtEl>
-                                          <p:spTgt spid="3">
-                                            <p:txEl>
-                                              <p:pRg st="6" end="6"/>
-                                            </p:txEl>
-                                          </p:spTgt>
-                                        </p:tgtEl>
-                                      </p:cBhvr>
-                                    </p:animEffect>
-                                  </p:childTnLst>
-                                </p:cTn>
-                              </p:par>
-                              <p:par>
-                                <p:cTn id="30" presetID="6" presetClass="entr" presetSubtype="16" fill="hold" grpId="0" nodeType="withEffect">
-                                  <p:stCondLst>
-                                    <p:cond delay="0"/>
-                                  </p:stCondLst>
-                                  <p:childTnLst>
-                                    <p:set>
-                                      <p:cBhvr>
-                                        <p:cTn id="31" dur="1" fill="hold">
-                                          <p:stCondLst>
-                                            <p:cond delay="0"/>
-                                          </p:stCondLst>
-                                        </p:cTn>
-                                        <p:tgtEl>
-                                          <p:spTgt spid="3">
-                                            <p:txEl>
-                                              <p:pRg st="7" end="7"/>
-                                            </p:txEl>
-                                          </p:spTgt>
-                                        </p:tgtEl>
-                                        <p:attrNameLst>
-                                          <p:attrName>style.visibility</p:attrName>
-                                        </p:attrNameLst>
-                                      </p:cBhvr>
-                                      <p:to>
-                                        <p:strVal val="visible"/>
-                                      </p:to>
-                                    </p:set>
-                                    <p:animEffect transition="in" filter="circle(in)">
-                                      <p:cBhvr>
-                                        <p:cTn id="32" dur="2000"/>
-                                        <p:tgtEl>
-                                          <p:spTgt spid="3">
-                                            <p:txEl>
-                                              <p:pRg st="7" end="7"/>
-                                            </p:txEl>
-                                          </p:spTgt>
-                                        </p:tgtEl>
-                                      </p:cBhvr>
-                                    </p:animEffect>
-                                  </p:childTnLst>
-                                </p:cTn>
-                              </p:par>
-                              <p:par>
-                                <p:cTn id="33" presetID="10" presetClass="entr" presetSubtype="0" fill="hold" grpId="0" nodeType="withEffect">
-                                  <p:stCondLst>
-                                    <p:cond delay="0"/>
-                                  </p:stCondLst>
-                                  <p:childTnLst>
-                                    <p:set>
-                                      <p:cBhvr>
-                                        <p:cTn id="34" dur="1" fill="hold">
-                                          <p:stCondLst>
-                                            <p:cond delay="0"/>
-                                          </p:stCondLst>
-                                        </p:cTn>
-                                        <p:tgtEl>
-                                          <p:spTgt spid="3">
-                                            <p:txEl>
-                                              <p:pRg st="8" end="8"/>
-                                            </p:txEl>
-                                          </p:spTgt>
-                                        </p:tgtEl>
-                                        <p:attrNameLst>
-                                          <p:attrName>style.visibility</p:attrName>
-                                        </p:attrNameLst>
-                                      </p:cBhvr>
-                                      <p:to>
-                                        <p:strVal val="visible"/>
-                                      </p:to>
-                                    </p:set>
-                                    <p:animEffect transition="in" filter="fade">
-                                      <p:cBhvr>
-                                        <p:cTn id="35" dur="500"/>
-                                        <p:tgtEl>
-                                          <p:spTgt spid="3">
-                                            <p:txEl>
-                                              <p:pRg st="8" end="8"/>
-                                            </p:txEl>
-                                          </p:spTgt>
-                                        </p:tgtEl>
-                                      </p:cBhvr>
-                                    </p:animEffect>
-                                  </p:childTnLst>
-                                </p:cTn>
-                              </p:par>
-                              <p:par>
-                                <p:cTn id="36" presetID="42" presetClass="entr" presetSubtype="0" fill="hold" grpId="0" nodeType="withEffect">
-                                  <p:stCondLst>
-                                    <p:cond delay="0"/>
-                                  </p:stCondLst>
-                                  <p:childTnLst>
-                                    <p:set>
-                                      <p:cBhvr>
-                                        <p:cTn id="37" dur="1" fill="hold">
-                                          <p:stCondLst>
-                                            <p:cond delay="0"/>
-                                          </p:stCondLst>
-                                        </p:cTn>
-                                        <p:tgtEl>
-                                          <p:spTgt spid="3">
-                                            <p:txEl>
-                                              <p:pRg st="9" end="9"/>
-                                            </p:txEl>
-                                          </p:spTgt>
-                                        </p:tgtEl>
-                                        <p:attrNameLst>
-                                          <p:attrName>style.visibility</p:attrName>
-                                        </p:attrNameLst>
-                                      </p:cBhvr>
-                                      <p:to>
-                                        <p:strVal val="visible"/>
-                                      </p:to>
-                                    </p:set>
-                                    <p:animEffect transition="in" filter="fade">
-                                      <p:cBhvr>
-                                        <p:cTn id="38" dur="1000"/>
-                                        <p:tgtEl>
-                                          <p:spTgt spid="3">
-                                            <p:txEl>
-                                              <p:pRg st="9" end="9"/>
-                                            </p:txEl>
-                                          </p:spTgt>
-                                        </p:tgtEl>
-                                      </p:cBhvr>
-                                    </p:animEffect>
                                     <p:anim calcmode="lin" valueType="num">
-                                      <p:cBhvr>
-                                        <p:cTn id="39" dur="1000" fill="hold"/>
-                                        <p:tgtEl>
-                                          <p:spTgt spid="3">
-                                            <p:txEl>
-                                              <p:pRg st="9" end="9"/>
+                                      <p:cBhvr additive="base">
+                                        <p:cTn id="23" dur="500" fill="hold"/>
+                                        <p:tgtEl>
+                                          <p:spTgt spid="3">
+                                            <p:txEl>
+                                              <p:pRg st="4" end="4"/>
                                             </p:txEl>
                                           </p:spTgt>
                                         </p:tgtEl>
@@ -10805,12 +10692,12 @@
                                       </p:tavLst>
                                     </p:anim>
                                     <p:anim calcmode="lin" valueType="num">
-                                      <p:cBhvr>
-                                        <p:cTn id="40" dur="1000" fill="hold"/>
-                                        <p:tgtEl>
-                                          <p:spTgt spid="3">
-                                            <p:txEl>
-                                              <p:pRg st="9" end="9"/>
+                                      <p:cBhvr additive="base">
+                                        <p:cTn id="24" dur="500" fill="hold"/>
+                                        <p:tgtEl>
+                                          <p:spTgt spid="3">
+                                            <p:txEl>
+                                              <p:pRg st="4" end="4"/>
                                             </p:txEl>
                                           </p:spTgt>
                                         </p:tgtEl>
@@ -10821,7 +10708,7 @@
                                       <p:tavLst>
                                         <p:tav tm="0">
                                           <p:val>
-                                            <p:strVal val="#ppt_y+.1"/>
+                                            <p:strVal val="1+#ppt_h/2"/>
                                           </p:val>
                                         </p:tav>
                                         <p:tav tm="100000">
@@ -10835,14 +10722,14 @@
                                 </p:cTn>
                               </p:par>
                               <p:par>
-                                <p:cTn id="41" presetID="42" presetClass="entr" presetSubtype="0" fill="hold" grpId="0" nodeType="withEffect">
+                                <p:cTn id="25" presetID="2" presetClass="entr" presetSubtype="4" fill="hold" grpId="0" nodeType="withEffect">
                                   <p:stCondLst>
                                     <p:cond delay="0"/>
                                   </p:stCondLst>
                                   <p:childTnLst>
                                     <p:set>
                                       <p:cBhvr>
-                                        <p:cTn id="42" dur="1" fill="hold">
+                                        <p:cTn id="26" dur="1" fill="hold">
                                           <p:stCondLst>
                                             <p:cond delay="0"/>
                                           </p:stCondLst>
@@ -10850,7 +10737,7 @@
                                         <p:tgtEl>
                                           <p:spTgt spid="3">
                                             <p:txEl>
-                                              <p:pRg st="10" end="10"/>
+                                              <p:pRg st="5" end="5"/>
                                             </p:txEl>
                                           </p:spTgt>
                                         </p:tgtEl>
@@ -10862,25 +10749,13 @@
                                         <p:strVal val="visible"/>
                                       </p:to>
                                     </p:set>
-                                    <p:animEffect transition="in" filter="fade">
-                                      <p:cBhvr>
-                                        <p:cTn id="43" dur="1000"/>
-                                        <p:tgtEl>
-                                          <p:spTgt spid="3">
-                                            <p:txEl>
-                                              <p:pRg st="10" end="10"/>
-                                            </p:txEl>
-                                          </p:spTgt>
-                                        </p:tgtEl>
-                                      </p:cBhvr>
-                                    </p:animEffect>
                                     <p:anim calcmode="lin" valueType="num">
-                                      <p:cBhvr>
-                                        <p:cTn id="44" dur="1000" fill="hold"/>
-                                        <p:tgtEl>
-                                          <p:spTgt spid="3">
-                                            <p:txEl>
-                                              <p:pRg st="10" end="10"/>
+                                      <p:cBhvr additive="base">
+                                        <p:cTn id="27" dur="500" fill="hold"/>
+                                        <p:tgtEl>
+                                          <p:spTgt spid="3">
+                                            <p:txEl>
+                                              <p:pRg st="5" end="5"/>
                                             </p:txEl>
                                           </p:spTgt>
                                         </p:tgtEl>
@@ -10902,12 +10777,12 @@
                                       </p:tavLst>
                                     </p:anim>
                                     <p:anim calcmode="lin" valueType="num">
-                                      <p:cBhvr>
-                                        <p:cTn id="45" dur="1000" fill="hold"/>
-                                        <p:tgtEl>
-                                          <p:spTgt spid="3">
-                                            <p:txEl>
-                                              <p:pRg st="10" end="10"/>
+                                      <p:cBhvr additive="base">
+                                        <p:cTn id="28" dur="500" fill="hold"/>
+                                        <p:tgtEl>
+                                          <p:spTgt spid="3">
+                                            <p:txEl>
+                                              <p:pRg st="5" end="5"/>
                                             </p:txEl>
                                           </p:spTgt>
                                         </p:tgtEl>
@@ -10918,7 +10793,7 @@
                                       <p:tavLst>
                                         <p:tav tm="0">
                                           <p:val>
-                                            <p:strVal val="#ppt_y+.1"/>
+                                            <p:strVal val="1+#ppt_h/2"/>
                                           </p:val>
                                         </p:tav>
                                         <p:tav tm="100000">
@@ -10932,14 +10807,14 @@
                                 </p:cTn>
                               </p:par>
                               <p:par>
-                                <p:cTn id="46" presetID="42" presetClass="entr" presetSubtype="0" fill="hold" grpId="0" nodeType="withEffect">
+                                <p:cTn id="29" presetID="2" presetClass="entr" presetSubtype="4" fill="hold" grpId="0" nodeType="withEffect">
                                   <p:stCondLst>
                                     <p:cond delay="0"/>
                                   </p:stCondLst>
                                   <p:childTnLst>
                                     <p:set>
                                       <p:cBhvr>
-                                        <p:cTn id="47" dur="1" fill="hold">
+                                        <p:cTn id="30" dur="1" fill="hold">
                                           <p:stCondLst>
                                             <p:cond delay="0"/>
                                           </p:stCondLst>
@@ -10947,7 +10822,7 @@
                                         <p:tgtEl>
                                           <p:spTgt spid="3">
                                             <p:txEl>
-                                              <p:pRg st="11" end="11"/>
+                                              <p:pRg st="6" end="6"/>
                                             </p:txEl>
                                           </p:spTgt>
                                         </p:tgtEl>
@@ -10959,25 +10834,13 @@
                                         <p:strVal val="visible"/>
                                       </p:to>
                                     </p:set>
-                                    <p:animEffect transition="in" filter="fade">
-                                      <p:cBhvr>
-                                        <p:cTn id="48" dur="1000"/>
-                                        <p:tgtEl>
-                                          <p:spTgt spid="3">
-                                            <p:txEl>
-                                              <p:pRg st="11" end="11"/>
-                                            </p:txEl>
-                                          </p:spTgt>
-                                        </p:tgtEl>
-                                      </p:cBhvr>
-                                    </p:animEffect>
                                     <p:anim calcmode="lin" valueType="num">
-                                      <p:cBhvr>
-                                        <p:cTn id="49" dur="1000" fill="hold"/>
-                                        <p:tgtEl>
-                                          <p:spTgt spid="3">
-                                            <p:txEl>
-                                              <p:pRg st="11" end="11"/>
+                                      <p:cBhvr additive="base">
+                                        <p:cTn id="31" dur="500" fill="hold"/>
+                                        <p:tgtEl>
+                                          <p:spTgt spid="3">
+                                            <p:txEl>
+                                              <p:pRg st="6" end="6"/>
                                             </p:txEl>
                                           </p:spTgt>
                                         </p:tgtEl>
@@ -10999,12 +10862,12 @@
                                       </p:tavLst>
                                     </p:anim>
                                     <p:anim calcmode="lin" valueType="num">
-                                      <p:cBhvr>
-                                        <p:cTn id="50" dur="1000" fill="hold"/>
-                                        <p:tgtEl>
-                                          <p:spTgt spid="3">
-                                            <p:txEl>
-                                              <p:pRg st="11" end="11"/>
+                                      <p:cBhvr additive="base">
+                                        <p:cTn id="32" dur="500" fill="hold"/>
+                                        <p:tgtEl>
+                                          <p:spTgt spid="3">
+                                            <p:txEl>
+                                              <p:pRg st="6" end="6"/>
                                             </p:txEl>
                                           </p:spTgt>
                                         </p:tgtEl>
@@ -11015,7 +10878,7 @@
                                       <p:tavLst>
                                         <p:tav tm="0">
                                           <p:val>
-                                            <p:strVal val="#ppt_y+.1"/>
+                                            <p:strVal val="1+#ppt_h/2"/>
                                           </p:val>
                                         </p:tav>
                                         <p:tav tm="100000">
@@ -11029,14 +10892,14 @@
                                 </p:cTn>
                               </p:par>
                               <p:par>
-                                <p:cTn id="51" presetID="10" presetClass="entr" presetSubtype="0" fill="hold" grpId="0" nodeType="withEffect">
+                                <p:cTn id="33" presetID="2" presetClass="entr" presetSubtype="4" fill="hold" grpId="0" nodeType="withEffect">
                                   <p:stCondLst>
                                     <p:cond delay="0"/>
                                   </p:stCondLst>
                                   <p:childTnLst>
                                     <p:set>
                                       <p:cBhvr>
-                                        <p:cTn id="52" dur="1" fill="hold">
+                                        <p:cTn id="34" dur="1" fill="hold">
                                           <p:stCondLst>
                                             <p:cond delay="0"/>
                                           </p:stCondLst>
@@ -11044,7 +10907,92 @@
                                         <p:tgtEl>
                                           <p:spTgt spid="3">
                                             <p:txEl>
-                                              <p:pRg st="12" end="12"/>
+                                              <p:pRg st="7" end="7"/>
+                                            </p:txEl>
+                                          </p:spTgt>
+                                        </p:tgtEl>
+                                        <p:attrNameLst>
+                                          <p:attrName>style.visibility</p:attrName>
+                                        </p:attrNameLst>
+                                      </p:cBhvr>
+                                      <p:to>
+                                        <p:strVal val="visible"/>
+                                      </p:to>
+                                    </p:set>
+                                    <p:anim calcmode="lin" valueType="num">
+                                      <p:cBhvr additive="base">
+                                        <p:cTn id="35" dur="500" fill="hold"/>
+                                        <p:tgtEl>
+                                          <p:spTgt spid="3">
+                                            <p:txEl>
+                                              <p:pRg st="7" end="7"/>
+                                            </p:txEl>
+                                          </p:spTgt>
+                                        </p:tgtEl>
+                                        <p:attrNameLst>
+                                          <p:attrName>ppt_x</p:attrName>
+                                        </p:attrNameLst>
+                                      </p:cBhvr>
+                                      <p:tavLst>
+                                        <p:tav tm="0">
+                                          <p:val>
+                                            <p:strVal val="#ppt_x"/>
+                                          </p:val>
+                                        </p:tav>
+                                        <p:tav tm="100000">
+                                          <p:val>
+                                            <p:strVal val="#ppt_x"/>
+                                          </p:val>
+                                        </p:tav>
+                                      </p:tavLst>
+                                    </p:anim>
+                                    <p:anim calcmode="lin" valueType="num">
+                                      <p:cBhvr additive="base">
+                                        <p:cTn id="36" dur="500" fill="hold"/>
+                                        <p:tgtEl>
+                                          <p:spTgt spid="3">
+                                            <p:txEl>
+                                              <p:pRg st="7" end="7"/>
+                                            </p:txEl>
+                                          </p:spTgt>
+                                        </p:tgtEl>
+                                        <p:attrNameLst>
+                                          <p:attrName>ppt_y</p:attrName>
+                                        </p:attrNameLst>
+                                      </p:cBhvr>
+                                      <p:tavLst>
+                                        <p:tav tm="0">
+                                          <p:val>
+                                            <p:strVal val="1+#ppt_h/2"/>
+                                          </p:val>
+                                        </p:tav>
+                                        <p:tav tm="100000">
+                                          <p:val>
+                                            <p:strVal val="#ppt_y"/>
+                                          </p:val>
+                                        </p:tav>
+                                      </p:tavLst>
+                                    </p:anim>
+                                  </p:childTnLst>
+                                </p:cTn>
+                              </p:par>
+                              <p:par>
+                                <p:cTn id="37" presetID="42" presetClass="entr" presetSubtype="0" fill="hold" grpId="0" nodeType="withEffect">
+                                  <p:stCondLst>
+                                    <p:cond delay="0"/>
+                                  </p:stCondLst>
+                                  <p:childTnLst>
+                                    <p:set>
+                                      <p:cBhvr>
+                                        <p:cTn id="38" dur="1" fill="hold">
+                                          <p:stCondLst>
+                                            <p:cond delay="0"/>
+                                          </p:stCondLst>
+                                        </p:cTn>
+                                        <p:tgtEl>
+                                          <p:spTgt spid="3">
+                                            <p:txEl>
+                                              <p:pRg st="8" end="8"/>
                                             </p:txEl>
                                           </p:spTgt>
                                         </p:tgtEl>
@@ -11058,7 +11006,395 @@
                                     </p:set>
                                     <p:animEffect transition="in" filter="fade">
                                       <p:cBhvr>
-                                        <p:cTn id="53" dur="500"/>
+                                        <p:cTn id="39" dur="1000"/>
+                                        <p:tgtEl>
+                                          <p:spTgt spid="3">
+                                            <p:txEl>
+                                              <p:pRg st="8" end="8"/>
+                                            </p:txEl>
+                                          </p:spTgt>
+                                        </p:tgtEl>
+                                      </p:cBhvr>
+                                    </p:animEffect>
+                                    <p:anim calcmode="lin" valueType="num">
+                                      <p:cBhvr>
+                                        <p:cTn id="40" dur="1000" fill="hold"/>
+                                        <p:tgtEl>
+                                          <p:spTgt spid="3">
+                                            <p:txEl>
+                                              <p:pRg st="8" end="8"/>
+                                            </p:txEl>
+                                          </p:spTgt>
+                                        </p:tgtEl>
+                                        <p:attrNameLst>
+                                          <p:attrName>ppt_x</p:attrName>
+                                        </p:attrNameLst>
+                                      </p:cBhvr>
+                                      <p:tavLst>
+                                        <p:tav tm="0">
+                                          <p:val>
+                                            <p:strVal val="#ppt_x"/>
+                                          </p:val>
+                                        </p:tav>
+                                        <p:tav tm="100000">
+                                          <p:val>
+                                            <p:strVal val="#ppt_x"/>
+                                          </p:val>
+                                        </p:tav>
+                                      </p:tavLst>
+                                    </p:anim>
+                                    <p:anim calcmode="lin" valueType="num">
+                                      <p:cBhvr>
+                                        <p:cTn id="41" dur="1000" fill="hold"/>
+                                        <p:tgtEl>
+                                          <p:spTgt spid="3">
+                                            <p:txEl>
+                                              <p:pRg st="8" end="8"/>
+                                            </p:txEl>
+                                          </p:spTgt>
+                                        </p:tgtEl>
+                                        <p:attrNameLst>
+                                          <p:attrName>ppt_y</p:attrName>
+                                        </p:attrNameLst>
+                                      </p:cBhvr>
+                                      <p:tavLst>
+                                        <p:tav tm="0">
+                                          <p:val>
+                                            <p:strVal val="#ppt_y+.1"/>
+                                          </p:val>
+                                        </p:tav>
+                                        <p:tav tm="100000">
+                                          <p:val>
+                                            <p:strVal val="#ppt_y"/>
+                                          </p:val>
+                                        </p:tav>
+                                      </p:tavLst>
+                                    </p:anim>
+                                  </p:childTnLst>
+                                </p:cTn>
+                              </p:par>
+                              <p:par>
+                                <p:cTn id="42" presetID="42" presetClass="entr" presetSubtype="0" fill="hold" grpId="0" nodeType="withEffect">
+                                  <p:stCondLst>
+                                    <p:cond delay="0"/>
+                                  </p:stCondLst>
+                                  <p:childTnLst>
+                                    <p:set>
+                                      <p:cBhvr>
+                                        <p:cTn id="43" dur="1" fill="hold">
+                                          <p:stCondLst>
+                                            <p:cond delay="0"/>
+                                          </p:stCondLst>
+                                        </p:cTn>
+                                        <p:tgtEl>
+                                          <p:spTgt spid="3">
+                                            <p:txEl>
+                                              <p:pRg st="9" end="9"/>
+                                            </p:txEl>
+                                          </p:spTgt>
+                                        </p:tgtEl>
+                                        <p:attrNameLst>
+                                          <p:attrName>style.visibility</p:attrName>
+                                        </p:attrNameLst>
+                                      </p:cBhvr>
+                                      <p:to>
+                                        <p:strVal val="visible"/>
+                                      </p:to>
+                                    </p:set>
+                                    <p:animEffect transition="in" filter="fade">
+                                      <p:cBhvr>
+                                        <p:cTn id="44" dur="1000"/>
+                                        <p:tgtEl>
+                                          <p:spTgt spid="3">
+                                            <p:txEl>
+                                              <p:pRg st="9" end="9"/>
+                                            </p:txEl>
+                                          </p:spTgt>
+                                        </p:tgtEl>
+                                      </p:cBhvr>
+                                    </p:animEffect>
+                                    <p:anim calcmode="lin" valueType="num">
+                                      <p:cBhvr>
+                                        <p:cTn id="45" dur="1000" fill="hold"/>
+                                        <p:tgtEl>
+                                          <p:spTgt spid="3">
+                                            <p:txEl>
+                                              <p:pRg st="9" end="9"/>
+                                            </p:txEl>
+                                          </p:spTgt>
+                                        </p:tgtEl>
+                                        <p:attrNameLst>
+                                          <p:attrName>ppt_x</p:attrName>
+                                        </p:attrNameLst>
+                                      </p:cBhvr>
+                                      <p:tavLst>
+                                        <p:tav tm="0">
+                                          <p:val>
+                                            <p:strVal val="#ppt_x"/>
+                                          </p:val>
+                                        </p:tav>
+                                        <p:tav tm="100000">
+                                          <p:val>
+                                            <p:strVal val="#ppt_x"/>
+                                          </p:val>
+                                        </p:tav>
+                                      </p:tavLst>
+                                    </p:anim>
+                                    <p:anim calcmode="lin" valueType="num">
+                                      <p:cBhvr>
+                                        <p:cTn id="46" dur="1000" fill="hold"/>
+                                        <p:tgtEl>
+                                          <p:spTgt spid="3">
+                                            <p:txEl>
+                                              <p:pRg st="9" end="9"/>
+                                            </p:txEl>
+                                          </p:spTgt>
+                                        </p:tgtEl>
+                                        <p:attrNameLst>
+                                          <p:attrName>ppt_y</p:attrName>
+                                        </p:attrNameLst>
+                                      </p:cBhvr>
+                                      <p:tavLst>
+                                        <p:tav tm="0">
+                                          <p:val>
+                                            <p:strVal val="#ppt_y+.1"/>
+                                          </p:val>
+                                        </p:tav>
+                                        <p:tav tm="100000">
+                                          <p:val>
+                                            <p:strVal val="#ppt_y"/>
+                                          </p:val>
+                                        </p:tav>
+                                      </p:tavLst>
+                                    </p:anim>
+                                  </p:childTnLst>
+                                </p:cTn>
+                              </p:par>
+                              <p:par>
+                                <p:cTn id="47" presetID="42" presetClass="entr" presetSubtype="0" fill="hold" grpId="0" nodeType="withEffect">
+                                  <p:stCondLst>
+                                    <p:cond delay="0"/>
+                                  </p:stCondLst>
+                                  <p:childTnLst>
+                                    <p:set>
+                                      <p:cBhvr>
+                                        <p:cTn id="48" dur="1" fill="hold">
+                                          <p:stCondLst>
+                                            <p:cond delay="0"/>
+                                          </p:stCondLst>
+                                        </p:cTn>
+                                        <p:tgtEl>
+                                          <p:spTgt spid="3">
+                                            <p:txEl>
+                                              <p:pRg st="10" end="10"/>
+                                            </p:txEl>
+                                          </p:spTgt>
+                                        </p:tgtEl>
+                                        <p:attrNameLst>
+                                          <p:attrName>style.visibility</p:attrName>
+                                        </p:attrNameLst>
+                                      </p:cBhvr>
+                                      <p:to>
+                                        <p:strVal val="visible"/>
+                                      </p:to>
+                                    </p:set>
+                                    <p:animEffect transition="in" filter="fade">
+                                      <p:cBhvr>
+                                        <p:cTn id="49" dur="1000"/>
+                                        <p:tgtEl>
+                                          <p:spTgt spid="3">
+                                            <p:txEl>
+                                              <p:pRg st="10" end="10"/>
+                                            </p:txEl>
+                                          </p:spTgt>
+                                        </p:tgtEl>
+                                      </p:cBhvr>
+                                    </p:animEffect>
+                                    <p:anim calcmode="lin" valueType="num">
+                                      <p:cBhvr>
+                                        <p:cTn id="50" dur="1000" fill="hold"/>
+                                        <p:tgtEl>
+                                          <p:spTgt spid="3">
+                                            <p:txEl>
+                                              <p:pRg st="10" end="10"/>
+                                            </p:txEl>
+                                          </p:spTgt>
+                                        </p:tgtEl>
+                                        <p:attrNameLst>
+                                          <p:attrName>ppt_x</p:attrName>
+                                        </p:attrNameLst>
+                                      </p:cBhvr>
+                                      <p:tavLst>
+                                        <p:tav tm="0">
+                                          <p:val>
+                                            <p:strVal val="#ppt_x"/>
+                                          </p:val>
+                                        </p:tav>
+                                        <p:tav tm="100000">
+                                          <p:val>
+                                            <p:strVal val="#ppt_x"/>
+                                          </p:val>
+                                        </p:tav>
+                                      </p:tavLst>
+                                    </p:anim>
+                                    <p:anim calcmode="lin" valueType="num">
+                                      <p:cBhvr>
+                                        <p:cTn id="51" dur="1000" fill="hold"/>
+                                        <p:tgtEl>
+                                          <p:spTgt spid="3">
+                                            <p:txEl>
+                                              <p:pRg st="10" end="10"/>
+                                            </p:txEl>
+                                          </p:spTgt>
+                                        </p:tgtEl>
+                                        <p:attrNameLst>
+                                          <p:attrName>ppt_y</p:attrName>
+                                        </p:attrNameLst>
+                                      </p:cBhvr>
+                                      <p:tavLst>
+                                        <p:tav tm="0">
+                                          <p:val>
+                                            <p:strVal val="#ppt_y+.1"/>
+                                          </p:val>
+                                        </p:tav>
+                                        <p:tav tm="100000">
+                                          <p:val>
+                                            <p:strVal val="#ppt_y"/>
+                                          </p:val>
+                                        </p:tav>
+                                      </p:tavLst>
+                                    </p:anim>
+                                  </p:childTnLst>
+                                </p:cTn>
+                              </p:par>
+                              <p:par>
+                                <p:cTn id="52" presetID="42" presetClass="entr" presetSubtype="0" fill="hold" grpId="0" nodeType="withEffect">
+                                  <p:stCondLst>
+                                    <p:cond delay="0"/>
+                                  </p:stCondLst>
+                                  <p:childTnLst>
+                                    <p:set>
+                                      <p:cBhvr>
+                                        <p:cTn id="53" dur="1" fill="hold">
+                                          <p:stCondLst>
+                                            <p:cond delay="0"/>
+                                          </p:stCondLst>
+                                        </p:cTn>
+                                        <p:tgtEl>
+                                          <p:spTgt spid="3">
+                                            <p:txEl>
+                                              <p:pRg st="11" end="11"/>
+                                            </p:txEl>
+                                          </p:spTgt>
+                                        </p:tgtEl>
+                                        <p:attrNameLst>
+                                          <p:attrName>style.visibility</p:attrName>
+                                        </p:attrNameLst>
+                                      </p:cBhvr>
+                                      <p:to>
+                                        <p:strVal val="visible"/>
+                                      </p:to>
+                                    </p:set>
+                                    <p:animEffect transition="in" filter="fade">
+                                      <p:cBhvr>
+                                        <p:cTn id="54" dur="1000"/>
+                                        <p:tgtEl>
+                                          <p:spTgt spid="3">
+                                            <p:txEl>
+                                              <p:pRg st="11" end="11"/>
+                                            </p:txEl>
+                                          </p:spTgt>
+                                        </p:tgtEl>
+                                      </p:cBhvr>
+                                    </p:animEffect>
+                                    <p:anim calcmode="lin" valueType="num">
+                                      <p:cBhvr>
+                                        <p:cTn id="55" dur="1000" fill="hold"/>
+                                        <p:tgtEl>
+                                          <p:spTgt spid="3">
+                                            <p:txEl>
+                                              <p:pRg st="11" end="11"/>
+                                            </p:txEl>
+                                          </p:spTgt>
+                                        </p:tgtEl>
+                                        <p:attrNameLst>
+                                          <p:attrName>ppt_x</p:attrName>
+                                        </p:attrNameLst>
+                                      </p:cBhvr>
+                                      <p:tavLst>
+                                        <p:tav tm="0">
+                                          <p:val>
+                                            <p:strVal val="#ppt_x"/>
+                                          </p:val>
+                                        </p:tav>
+                                        <p:tav tm="100000">
+                                          <p:val>
+                                            <p:strVal val="#ppt_x"/>
+                                          </p:val>
+                                        </p:tav>
+                                      </p:tavLst>
+                                    </p:anim>
+                                    <p:anim calcmode="lin" valueType="num">
+                                      <p:cBhvr>
+                                        <p:cTn id="56" dur="1000" fill="hold"/>
+                                        <p:tgtEl>
+                                          <p:spTgt spid="3">
+                                            <p:txEl>
+                                              <p:pRg st="11" end="11"/>
+                                            </p:txEl>
+                                          </p:spTgt>
+                                        </p:tgtEl>
+                                        <p:attrNameLst>
+                                          <p:attrName>ppt_y</p:attrName>
+                                        </p:attrNameLst>
+                                      </p:cBhvr>
+                                      <p:tavLst>
+                                        <p:tav tm="0">
+                                          <p:val>
+                                            <p:strVal val="#ppt_y+.1"/>
+                                          </p:val>
+                                        </p:tav>
+                                        <p:tav tm="100000">
+                                          <p:val>
+                                            <p:strVal val="#ppt_y"/>
+                                          </p:val>
+                                        </p:tav>
+                                      </p:tavLst>
+                                    </p:anim>
+                                  </p:childTnLst>
+                                </p:cTn>
+                              </p:par>
+                              <p:par>
+                                <p:cTn id="57" presetID="16" presetClass="entr" presetSubtype="21" fill="hold" grpId="0" nodeType="withEffect">
+                                  <p:stCondLst>
+                                    <p:cond delay="0"/>
+                                  </p:stCondLst>
+                                  <p:childTnLst>
+                                    <p:set>
+                                      <p:cBhvr>
+                                        <p:cTn id="58" dur="1" fill="hold">
+                                          <p:stCondLst>
+                                            <p:cond delay="0"/>
+                                          </p:stCondLst>
+                                        </p:cTn>
+                                        <p:tgtEl>
+                                          <p:spTgt spid="3">
+                                            <p:txEl>
+                                              <p:pRg st="12" end="12"/>
+                                            </p:txEl>
+                                          </p:spTgt>
+                                        </p:tgtEl>
+                                        <p:attrNameLst>
+                                          <p:attrName>style.visibility</p:attrName>
+                                        </p:attrNameLst>
+                                      </p:cBhvr>
+                                      <p:to>
+                                        <p:strVal val="visible"/>
+                                      </p:to>
+                                    </p:set>
+                                    <p:animEffect transition="in" filter="barn(inVertical)">
+                                      <p:cBhvr>
+                                        <p:cTn id="59" dur="500"/>
                                         <p:tgtEl>
                                           <p:spTgt spid="3">
                                             <p:txEl>
@@ -11072,14 +11408,14 @@
                                 </p:cTn>
                               </p:par>
                               <p:par>
-                                <p:cTn id="54" presetID="21" presetClass="entr" presetSubtype="1" fill="hold" grpId="0" nodeType="withEffect">
+                                <p:cTn id="60" presetID="16" presetClass="entr" presetSubtype="21" fill="hold" grpId="0" nodeType="withEffect">
                                   <p:stCondLst>
                                     <p:cond delay="0"/>
                                   </p:stCondLst>
                                   <p:childTnLst>
                                     <p:set>
                                       <p:cBhvr>
-                                        <p:cTn id="55" dur="1" fill="hold">
+                                        <p:cTn id="61" dur="1" fill="hold">
                                           <p:stCondLst>
                                             <p:cond delay="0"/>
                                           </p:stCondLst>
@@ -11099,9 +11435,9 @@
                                         <p:strVal val="visible"/>
                                       </p:to>
                                     </p:set>
-                                    <p:animEffect transition="in" filter="wheel(1)">
-                                      <p:cBhvr>
-                                        <p:cTn id="56" dur="2000"/>
+                                    <p:animEffect transition="in" filter="barn(inVertical)">
+                                      <p:cBhvr>
+                                        <p:cTn id="62" dur="500"/>
                                         <p:tgtEl>
                                           <p:spTgt spid="3">
                                             <p:txEl>
@@ -11314,20 +11650,6 @@
             <a:endParaRPr lang="en-US" altLang="zh-CN" dirty="0"/>
           </a:p>
           <a:p>
-            <a:pPr lvl="1"/>
-            <a:r>
-              <a:rPr lang="zh-CN" altLang="en-US" dirty="0"/>
-              <a:t>计算量大</a:t>
-            </a:r>
-            <a:endParaRPr lang="en-US" altLang="zh-CN" dirty="0"/>
-          </a:p>
-          <a:p>
-            <a:r>
-              <a:rPr lang="en-US" altLang="zh-CN" dirty="0"/>
-              <a:t>--------------------- </a:t>
-            </a:r>
-          </a:p>
-          <a:p>
             <a:r>
               <a:rPr lang="zh-CN" altLang="en-US" dirty="0"/>
               <a:t>或者参考博客：</a:t>
@@ -11454,33 +11776,15 @@
                                   </p:childTnLst>
                                 </p:cTn>
                               </p:par>
-                            </p:childTnLst>
-                          </p:cTn>
-                        </p:par>
-                      </p:childTnLst>
-                    </p:cTn>
-                  </p:par>
-                  <p:par>
-                    <p:cTn id="9" fill="hold">
-                      <p:stCondLst>
-                        <p:cond delay="indefinite"/>
-                      </p:stCondLst>
-                      <p:childTnLst>
-                        <p:par>
-                          <p:cTn id="10" fill="hold">
-                            <p:stCondLst>
-                              <p:cond delay="0"/>
-                            </p:stCondLst>
-                            <p:childTnLst>
                               <p:par>
-                                <p:cTn id="11" presetID="2" presetClass="entr" presetSubtype="4" fill="hold" nodeType="clickEffect">
+                                <p:cTn id="9" presetID="42" presetClass="entr" presetSubtype="0" fill="hold" nodeType="withEffect">
                                   <p:stCondLst>
                                     <p:cond delay="0"/>
                                   </p:stCondLst>
                                   <p:childTnLst>
                                     <p:set>
                                       <p:cBhvr>
-                                        <p:cTn id="12" dur="1" fill="hold">
+                                        <p:cTn id="10" dur="1" fill="hold">
                                           <p:stCondLst>
                                             <p:cond delay="0"/>
                                           </p:stCondLst>
@@ -11500,9 +11804,21 @@
                                         <p:strVal val="visible"/>
                                       </p:to>
                                     </p:set>
+                                    <p:animEffect transition="in" filter="fade">
+                                      <p:cBhvr>
+                                        <p:cTn id="11" dur="1000"/>
+                                        <p:tgtEl>
+                                          <p:spTgt spid="3">
+                                            <p:txEl>
+                                              <p:pRg st="2" end="2"/>
+                                            </p:txEl>
+                                          </p:spTgt>
+                                        </p:tgtEl>
+                                      </p:cBhvr>
+                                    </p:animEffect>
                                     <p:anim calcmode="lin" valueType="num">
-                                      <p:cBhvr additive="base">
-                                        <p:cTn id="13" dur="500" fill="hold"/>
+                                      <p:cBhvr>
+                                        <p:cTn id="12" dur="1000" fill="hold"/>
                                         <p:tgtEl>
                                           <p:spTgt spid="3">
                                             <p:txEl>
@@ -11528,8 +11844,8 @@
                                       </p:tavLst>
                                     </p:anim>
                                     <p:anim calcmode="lin" valueType="num">
-                                      <p:cBhvr additive="base">
-                                        <p:cTn id="14" dur="500" fill="hold"/>
+                                      <p:cBhvr>
+                                        <p:cTn id="13" dur="1000" fill="hold"/>
                                         <p:tgtEl>
                                           <p:spTgt spid="3">
                                             <p:txEl>
@@ -11544,7 +11860,7 @@
                                       <p:tavLst>
                                         <p:tav tm="0">
                                           <p:val>
-                                            <p:strVal val="1+#ppt_h/2"/>
+                                            <p:strVal val="#ppt_y+.1"/>
                                           </p:val>
                                         </p:tav>
                                         <p:tav tm="100000">
@@ -11558,14 +11874,14 @@
                                 </p:cTn>
                               </p:par>
                               <p:par>
-                                <p:cTn id="15" presetID="2" presetClass="entr" presetSubtype="4" fill="hold" nodeType="withEffect">
+                                <p:cTn id="14" presetID="42" presetClass="entr" presetSubtype="0" fill="hold" nodeType="withEffect">
                                   <p:stCondLst>
                                     <p:cond delay="0"/>
                                   </p:stCondLst>
                                   <p:childTnLst>
                                     <p:set>
                                       <p:cBhvr>
-                                        <p:cTn id="16" dur="1" fill="hold">
+                                        <p:cTn id="15" dur="1" fill="hold">
                                           <p:stCondLst>
                                             <p:cond delay="0"/>
                                           </p:stCondLst>
@@ -11585,9 +11901,21 @@
                                         <p:strVal val="visible"/>
                                       </p:to>
                                     </p:set>
+                                    <p:animEffect transition="in" filter="fade">
+                                      <p:cBhvr>
+                                        <p:cTn id="16" dur="1000"/>
+                                        <p:tgtEl>
+                                          <p:spTgt spid="3">
+                                            <p:txEl>
+                                              <p:pRg st="3" end="3"/>
+                                            </p:txEl>
+                                          </p:spTgt>
+                                        </p:tgtEl>
+                                      </p:cBhvr>
+                                    </p:animEffect>
                                     <p:anim calcmode="lin" valueType="num">
-                                      <p:cBhvr additive="base">
-                                        <p:cTn id="17" dur="500" fill="hold"/>
+                                      <p:cBhvr>
+                                        <p:cTn id="17" dur="1000" fill="hold"/>
                                         <p:tgtEl>
                                           <p:spTgt spid="3">
                                             <p:txEl>
@@ -11613,8 +11941,8 @@
                                       </p:tavLst>
                                     </p:anim>
                                     <p:anim calcmode="lin" valueType="num">
-                                      <p:cBhvr additive="base">
-                                        <p:cTn id="18" dur="500" fill="hold"/>
+                                      <p:cBhvr>
+                                        <p:cTn id="18" dur="1000" fill="hold"/>
                                         <p:tgtEl>
                                           <p:spTgt spid="3">
                                             <p:txEl>
@@ -11629,7 +11957,7 @@
                                       <p:tavLst>
                                         <p:tav tm="0">
                                           <p:val>
-                                            <p:strVal val="1+#ppt_h/2"/>
+                                            <p:strVal val="#ppt_y+.1"/>
                                           </p:val>
                                         </p:tav>
                                         <p:tav tm="100000">
@@ -11643,7 +11971,7 @@
                                 </p:cTn>
                               </p:par>
                               <p:par>
-                                <p:cTn id="19" presetID="2" presetClass="entr" presetSubtype="4" fill="hold" nodeType="withEffect">
+                                <p:cTn id="19" presetID="42" presetClass="entr" presetSubtype="0" fill="hold" nodeType="withEffect">
                                   <p:stCondLst>
                                     <p:cond delay="0"/>
                                   </p:stCondLst>
@@ -11670,9 +11998,21 @@
                                         <p:strVal val="visible"/>
                                       </p:to>
                                     </p:set>
+                                    <p:animEffect transition="in" filter="fade">
+                                      <p:cBhvr>
+                                        <p:cTn id="21" dur="1000"/>
+                                        <p:tgtEl>
+                                          <p:spTgt spid="3">
+                                            <p:txEl>
+                                              <p:pRg st="4" end="4"/>
+                                            </p:txEl>
+                                          </p:spTgt>
+                                        </p:tgtEl>
+                                      </p:cBhvr>
+                                    </p:animEffect>
                                     <p:anim calcmode="lin" valueType="num">
-                                      <p:cBhvr additive="base">
-                                        <p:cTn id="21" dur="500" fill="hold"/>
+                                      <p:cBhvr>
+                                        <p:cTn id="22" dur="1000" fill="hold"/>
                                         <p:tgtEl>
                                           <p:spTgt spid="3">
                                             <p:txEl>
@@ -11698,8 +12038,8 @@
                                       </p:tavLst>
                                     </p:anim>
                                     <p:anim calcmode="lin" valueType="num">
-                                      <p:cBhvr additive="base">
-                                        <p:cTn id="22" dur="500" fill="hold"/>
+                                      <p:cBhvr>
+                                        <p:cTn id="23" dur="1000" fill="hold"/>
                                         <p:tgtEl>
                                           <p:spTgt spid="3">
                                             <p:txEl>
@@ -11714,7 +12054,7 @@
                                       <p:tavLst>
                                         <p:tav tm="0">
                                           <p:val>
-                                            <p:strVal val="1+#ppt_h/2"/>
+                                            <p:strVal val="#ppt_y+.1"/>
                                           </p:val>
                                         </p:tav>
                                         <p:tav tm="100000">
@@ -11728,14 +12068,14 @@
                                 </p:cTn>
                               </p:par>
                               <p:par>
-                                <p:cTn id="23" presetID="2" presetClass="entr" presetSubtype="4" fill="hold" nodeType="withEffect">
+                                <p:cTn id="24" presetID="42" presetClass="entr" presetSubtype="0" fill="hold" nodeType="withEffect">
                                   <p:stCondLst>
                                     <p:cond delay="0"/>
                                   </p:stCondLst>
                                   <p:childTnLst>
                                     <p:set>
                                       <p:cBhvr>
-                                        <p:cTn id="24" dur="1" fill="hold">
+                                        <p:cTn id="25" dur="1" fill="hold">
                                           <p:stCondLst>
                                             <p:cond delay="0"/>
                                           </p:stCondLst>
@@ -11755,9 +12095,21 @@
                                         <p:strVal val="visible"/>
                                       </p:to>
                                     </p:set>
+                                    <p:animEffect transition="in" filter="fade">
+                                      <p:cBhvr>
+                                        <p:cTn id="26" dur="1000"/>
+                                        <p:tgtEl>
+                                          <p:spTgt spid="3">
+                                            <p:txEl>
+                                              <p:pRg st="5" end="5"/>
+                                            </p:txEl>
+                                          </p:spTgt>
+                                        </p:tgtEl>
+                                      </p:cBhvr>
+                                    </p:animEffect>
                                     <p:anim calcmode="lin" valueType="num">
-                                      <p:cBhvr additive="base">
-                                        <p:cTn id="25" dur="500" fill="hold"/>
+                                      <p:cBhvr>
+                                        <p:cTn id="27" dur="1000" fill="hold"/>
                                         <p:tgtEl>
                                           <p:spTgt spid="3">
                                             <p:txEl>
@@ -11783,8 +12135,8 @@
                                       </p:tavLst>
                                     </p:anim>
                                     <p:anim calcmode="lin" valueType="num">
-                                      <p:cBhvr additive="base">
-                                        <p:cTn id="26" dur="500" fill="hold"/>
+                                      <p:cBhvr>
+                                        <p:cTn id="28" dur="1000" fill="hold"/>
                                         <p:tgtEl>
                                           <p:spTgt spid="3">
                                             <p:txEl>
@@ -11799,7 +12151,7 @@
                                       <p:tavLst>
                                         <p:tav tm="0">
                                           <p:val>
-                                            <p:strVal val="1+#ppt_h/2"/>
+                                            <p:strVal val="#ppt_y+.1"/>
                                           </p:val>
                                         </p:tav>
                                         <p:tav tm="100000">
@@ -11813,14 +12165,14 @@
                                 </p:cTn>
                               </p:par>
                               <p:par>
-                                <p:cTn id="27" presetID="2" presetClass="entr" presetSubtype="4" fill="hold" nodeType="withEffect">
+                                <p:cTn id="29" presetID="42" presetClass="entr" presetSubtype="0" fill="hold" nodeType="withEffect">
                                   <p:stCondLst>
                                     <p:cond delay="0"/>
                                   </p:stCondLst>
                                   <p:childTnLst>
                                     <p:set>
                                       <p:cBhvr>
-                                        <p:cTn id="28" dur="1" fill="hold">
+                                        <p:cTn id="30" dur="1" fill="hold">
                                           <p:stCondLst>
                                             <p:cond delay="0"/>
                                           </p:stCondLst>
@@ -11840,9 +12192,21 @@
                                         <p:strVal val="visible"/>
                                       </p:to>
                                     </p:set>
+                                    <p:animEffect transition="in" filter="fade">
+                                      <p:cBhvr>
+                                        <p:cTn id="31" dur="1000"/>
+                                        <p:tgtEl>
+                                          <p:spTgt spid="3">
+                                            <p:txEl>
+                                              <p:pRg st="6" end="6"/>
+                                            </p:txEl>
+                                          </p:spTgt>
+                                        </p:tgtEl>
+                                      </p:cBhvr>
+                                    </p:animEffect>
                                     <p:anim calcmode="lin" valueType="num">
-                                      <p:cBhvr additive="base">
-                                        <p:cTn id="29" dur="500" fill="hold"/>
+                                      <p:cBhvr>
+                                        <p:cTn id="32" dur="1000" fill="hold"/>
                                         <p:tgtEl>
                                           <p:spTgt spid="3">
                                             <p:txEl>
@@ -11868,8 +12232,8 @@
                                       </p:tavLst>
                                     </p:anim>
                                     <p:anim calcmode="lin" valueType="num">
-                                      <p:cBhvr additive="base">
-                                        <p:cTn id="30" dur="500" fill="hold"/>
+                                      <p:cBhvr>
+                                        <p:cTn id="33" dur="1000" fill="hold"/>
                                         <p:tgtEl>
                                           <p:spTgt spid="3">
                                             <p:txEl>
@@ -11884,7 +12248,7 @@
                                       <p:tavLst>
                                         <p:tav tm="0">
                                           <p:val>
-                                            <p:strVal val="1+#ppt_h/2"/>
+                                            <p:strVal val="#ppt_y+.1"/>
                                           </p:val>
                                         </p:tav>
                                         <p:tav tm="100000">
@@ -11898,14 +12262,14 @@
                                 </p:cTn>
                               </p:par>
                               <p:par>
-                                <p:cTn id="31" presetID="2" presetClass="entr" presetSubtype="4" fill="hold" nodeType="withEffect">
+                                <p:cTn id="34" presetID="42" presetClass="entr" presetSubtype="0" fill="hold" nodeType="withEffect">
                                   <p:stCondLst>
                                     <p:cond delay="0"/>
                                   </p:stCondLst>
                                   <p:childTnLst>
                                     <p:set>
                                       <p:cBhvr>
-                                        <p:cTn id="32" dur="1" fill="hold">
+                                        <p:cTn id="35" dur="1" fill="hold">
                                           <p:stCondLst>
                                             <p:cond delay="0"/>
                                           </p:stCondLst>
@@ -11925,9 +12289,21 @@
                                         <p:strVal val="visible"/>
                                       </p:to>
                                     </p:set>
+                                    <p:animEffect transition="in" filter="fade">
+                                      <p:cBhvr>
+                                        <p:cTn id="36" dur="1000"/>
+                                        <p:tgtEl>
+                                          <p:spTgt spid="3">
+                                            <p:txEl>
+                                              <p:pRg st="7" end="7"/>
+                                            </p:txEl>
+                                          </p:spTgt>
+                                        </p:tgtEl>
+                                      </p:cBhvr>
+                                    </p:animEffect>
                                     <p:anim calcmode="lin" valueType="num">
-                                      <p:cBhvr additive="base">
-                                        <p:cTn id="33" dur="500" fill="hold"/>
+                                      <p:cBhvr>
+                                        <p:cTn id="37" dur="1000" fill="hold"/>
                                         <p:tgtEl>
                                           <p:spTgt spid="3">
                                             <p:txEl>
@@ -11953,8 +12329,8 @@
                                       </p:tavLst>
                                     </p:anim>
                                     <p:anim calcmode="lin" valueType="num">
-                                      <p:cBhvr additive="base">
-                                        <p:cTn id="34" dur="500" fill="hold"/>
+                                      <p:cBhvr>
+                                        <p:cTn id="38" dur="1000" fill="hold"/>
                                         <p:tgtEl>
                                           <p:spTgt spid="3">
                                             <p:txEl>
@@ -11969,7 +12345,7 @@
                                       <p:tavLst>
                                         <p:tav tm="0">
                                           <p:val>
-                                            <p:strVal val="1+#ppt_h/2"/>
+                                            <p:strVal val="#ppt_y+.1"/>
                                           </p:val>
                                         </p:tav>
                                         <p:tav tm="100000">
@@ -11989,26 +12365,26 @@
                     </p:cTn>
                   </p:par>
                   <p:par>
-                    <p:cTn id="35" fill="hold">
+                    <p:cTn id="39" fill="hold">
                       <p:stCondLst>
                         <p:cond delay="indefinite"/>
                       </p:stCondLst>
                       <p:childTnLst>
                         <p:par>
-                          <p:cTn id="36" fill="hold">
+                          <p:cTn id="40" fill="hold">
                             <p:stCondLst>
                               <p:cond delay="0"/>
                             </p:stCondLst>
                             <p:childTnLst>
                               <p:par>
-                                <p:cTn id="37" presetID="42" presetClass="entr" presetSubtype="0" fill="hold" nodeType="clickEffect">
+                                <p:cTn id="41" presetID="42" presetClass="entr" presetSubtype="0" fill="hold" nodeType="clickEffect">
                                   <p:stCondLst>
                                     <p:cond delay="0"/>
                                   </p:stCondLst>
                                   <p:childTnLst>
                                     <p:set>
                                       <p:cBhvr>
-                                        <p:cTn id="38" dur="1" fill="hold">
+                                        <p:cTn id="42" dur="1" fill="hold">
                                           <p:stCondLst>
                                             <p:cond delay="0"/>
                                           </p:stCondLst>
@@ -12016,7 +12392,7 @@
                                         <p:tgtEl>
                                           <p:spTgt spid="3">
                                             <p:txEl>
-                                              <p:pRg st="9" end="9"/>
+                                              <p:pRg st="1" end="1"/>
                                             </p:txEl>
                                           </p:spTgt>
                                         </p:tgtEl>
@@ -12030,11 +12406,11 @@
                                     </p:set>
                                     <p:animEffect transition="in" filter="fade">
                                       <p:cBhvr>
-                                        <p:cTn id="39" dur="1000"/>
-                                        <p:tgtEl>
-                                          <p:spTgt spid="3">
-                                            <p:txEl>
-                                              <p:pRg st="9" end="9"/>
+                                        <p:cTn id="43" dur="1000"/>
+                                        <p:tgtEl>
+                                          <p:spTgt spid="3">
+                                            <p:txEl>
+                                              <p:pRg st="1" end="1"/>
                                             </p:txEl>
                                           </p:spTgt>
                                         </p:tgtEl>
@@ -12042,11 +12418,11 @@
                                     </p:animEffect>
                                     <p:anim calcmode="lin" valueType="num">
                                       <p:cBhvr>
-                                        <p:cTn id="40" dur="1000" fill="hold"/>
-                                        <p:tgtEl>
-                                          <p:spTgt spid="3">
-                                            <p:txEl>
-                                              <p:pRg st="9" end="9"/>
+                                        <p:cTn id="44" dur="1000" fill="hold"/>
+                                        <p:tgtEl>
+                                          <p:spTgt spid="3">
+                                            <p:txEl>
+                                              <p:pRg st="1" end="1"/>
                                             </p:txEl>
                                           </p:spTgt>
                                         </p:tgtEl>
@@ -12069,7 +12445,183 @@
                                     </p:anim>
                                     <p:anim calcmode="lin" valueType="num">
                                       <p:cBhvr>
-                                        <p:cTn id="41" dur="1000" fill="hold"/>
+                                        <p:cTn id="45" dur="1000" fill="hold"/>
+                                        <p:tgtEl>
+                                          <p:spTgt spid="3">
+                                            <p:txEl>
+                                              <p:pRg st="1" end="1"/>
+                                            </p:txEl>
+                                          </p:spTgt>
+                                        </p:tgtEl>
+                                        <p:attrNameLst>
+                                          <p:attrName>ppt_y</p:attrName>
+                                        </p:attrNameLst>
+                                      </p:cBhvr>
+                                      <p:tavLst>
+                                        <p:tav tm="0">
+                                          <p:val>
+                                            <p:strVal val="#ppt_y+.1"/>
+                                          </p:val>
+                                        </p:tav>
+                                        <p:tav tm="100000">
+                                          <p:val>
+                                            <p:strVal val="#ppt_y"/>
+                                          </p:val>
+                                        </p:tav>
+                                      </p:tavLst>
+                                    </p:anim>
+                                  </p:childTnLst>
+                                </p:cTn>
+                              </p:par>
+                            </p:childTnLst>
+                          </p:cTn>
+                        </p:par>
+                      </p:childTnLst>
+                    </p:cTn>
+                  </p:par>
+                  <p:par>
+                    <p:cTn id="46" fill="hold">
+                      <p:stCondLst>
+                        <p:cond delay="indefinite"/>
+                      </p:stCondLst>
+                      <p:childTnLst>
+                        <p:par>
+                          <p:cTn id="47" fill="hold">
+                            <p:stCondLst>
+                              <p:cond delay="0"/>
+                            </p:stCondLst>
+                            <p:childTnLst>
+                              <p:par>
+                                <p:cTn id="48" presetID="16" presetClass="entr" presetSubtype="21" fill="hold" nodeType="clickEffect">
+                                  <p:stCondLst>
+                                    <p:cond delay="0"/>
+                                  </p:stCondLst>
+                                  <p:childTnLst>
+                                    <p:set>
+                                      <p:cBhvr>
+                                        <p:cTn id="49" dur="1" fill="hold">
+                                          <p:stCondLst>
+                                            <p:cond delay="0"/>
+                                          </p:stCondLst>
+                                        </p:cTn>
+                                        <p:tgtEl>
+                                          <p:spTgt spid="3">
+                                            <p:txEl>
+                                              <p:pRg st="8" end="8"/>
+                                            </p:txEl>
+                                          </p:spTgt>
+                                        </p:tgtEl>
+                                        <p:attrNameLst>
+                                          <p:attrName>style.visibility</p:attrName>
+                                        </p:attrNameLst>
+                                      </p:cBhvr>
+                                      <p:to>
+                                        <p:strVal val="visible"/>
+                                      </p:to>
+                                    </p:set>
+                                    <p:animEffect transition="in" filter="barn(inVertical)">
+                                      <p:cBhvr>
+                                        <p:cTn id="50" dur="500"/>
+                                        <p:tgtEl>
+                                          <p:spTgt spid="3">
+                                            <p:txEl>
+                                              <p:pRg st="8" end="8"/>
+                                            </p:txEl>
+                                          </p:spTgt>
+                                        </p:tgtEl>
+                                      </p:cBhvr>
+                                    </p:animEffect>
+                                  </p:childTnLst>
+                                </p:cTn>
+                              </p:par>
+                            </p:childTnLst>
+                          </p:cTn>
+                        </p:par>
+                      </p:childTnLst>
+                    </p:cTn>
+                  </p:par>
+                  <p:par>
+                    <p:cTn id="51" fill="hold">
+                      <p:stCondLst>
+                        <p:cond delay="indefinite"/>
+                      </p:stCondLst>
+                      <p:childTnLst>
+                        <p:par>
+                          <p:cTn id="52" fill="hold">
+                            <p:stCondLst>
+                              <p:cond delay="0"/>
+                            </p:stCondLst>
+                            <p:childTnLst>
+                              <p:par>
+                                <p:cTn id="53" presetID="42" presetClass="entr" presetSubtype="0" fill="hold" nodeType="clickEffect">
+                                  <p:stCondLst>
+                                    <p:cond delay="0"/>
+                                  </p:stCondLst>
+                                  <p:childTnLst>
+                                    <p:set>
+                                      <p:cBhvr>
+                                        <p:cTn id="54" dur="1" fill="hold">
+                                          <p:stCondLst>
+                                            <p:cond delay="0"/>
+                                          </p:stCondLst>
+                                        </p:cTn>
+                                        <p:tgtEl>
+                                          <p:spTgt spid="3">
+                                            <p:txEl>
+                                              <p:pRg st="9" end="9"/>
+                                            </p:txEl>
+                                          </p:spTgt>
+                                        </p:tgtEl>
+                                        <p:attrNameLst>
+                                          <p:attrName>style.visibility</p:attrName>
+                                        </p:attrNameLst>
+                                      </p:cBhvr>
+                                      <p:to>
+                                        <p:strVal val="visible"/>
+                                      </p:to>
+                                    </p:set>
+                                    <p:animEffect transition="in" filter="fade">
+                                      <p:cBhvr>
+                                        <p:cTn id="55" dur="1000"/>
+                                        <p:tgtEl>
+                                          <p:spTgt spid="3">
+                                            <p:txEl>
+                                              <p:pRg st="9" end="9"/>
+                                            </p:txEl>
+                                          </p:spTgt>
+                                        </p:tgtEl>
+                                      </p:cBhvr>
+                                    </p:animEffect>
+                                    <p:anim calcmode="lin" valueType="num">
+                                      <p:cBhvr>
+                                        <p:cTn id="56" dur="1000" fill="hold"/>
+                                        <p:tgtEl>
+                                          <p:spTgt spid="3">
+                                            <p:txEl>
+                                              <p:pRg st="9" end="9"/>
+                                            </p:txEl>
+                                          </p:spTgt>
+                                        </p:tgtEl>
+                                        <p:attrNameLst>
+                                          <p:attrName>ppt_x</p:attrName>
+                                        </p:attrNameLst>
+                                      </p:cBhvr>
+                                      <p:tavLst>
+                                        <p:tav tm="0">
+                                          <p:val>
+                                            <p:strVal val="#ppt_x"/>
+                                          </p:val>
+                                        </p:tav>
+                                        <p:tav tm="100000">
+                                          <p:val>
+                                            <p:strVal val="#ppt_x"/>
+                                          </p:val>
+                                        </p:tav>
+                                      </p:tavLst>
+                                    </p:anim>
+                                    <p:anim calcmode="lin" valueType="num">
+                                      <p:cBhvr>
+                                        <p:cTn id="57" dur="1000" fill="hold"/>
                                         <p:tgtEl>
                                           <p:spTgt spid="3">
                                             <p:txEl>
@@ -12447,6 +12999,9 @@
                     <p:cTn id="3" fill="hold">
                       <p:stCondLst>
                         <p:cond delay="indefinite"/>
+                        <p:cond evt="onBegin" delay="0">
+                          <p:tn val="2"/>
+                        </p:cond>
                       </p:stCondLst>
                       <p:childTnLst>
                         <p:par>
@@ -12456,7 +13011,7 @@
                             </p:stCondLst>
                             <p:childTnLst>
                               <p:par>
-                                <p:cTn id="5" presetID="42" presetClass="entr" presetSubtype="0" fill="hold" nodeType="clickEffect">
+                                <p:cTn id="5" presetID="2" presetClass="entr" presetSubtype="4" fill="hold" nodeType="withEffect">
                                   <p:stCondLst>
                                     <p:cond delay="0"/>
                                   </p:stCondLst>
@@ -12483,21 +13038,9 @@
                                         <p:strVal val="visible"/>
                                       </p:to>
                                     </p:set>
-                                    <p:animEffect transition="in" filter="fade">
-                                      <p:cBhvr>
-                                        <p:cTn id="7" dur="1000"/>
-                                        <p:tgtEl>
-                                          <p:spTgt spid="3">
-                                            <p:txEl>
-                                              <p:pRg st="2" end="2"/>
-                                            </p:txEl>
-                                          </p:spTgt>
-                                        </p:tgtEl>
-                                      </p:cBhvr>
-                                    </p:animEffect>
                                     <p:anim calcmode="lin" valueType="num">
-                                      <p:cBhvr>
-                                        <p:cTn id="8" dur="1000" fill="hold"/>
+                                      <p:cBhvr additive="base">
+                                        <p:cTn id="7" dur="500" fill="hold"/>
                                         <p:tgtEl>
                                           <p:spTgt spid="3">
                                             <p:txEl>
@@ -12523,8 +13066,8 @@
                                       </p:tavLst>
                                     </p:anim>
                                     <p:anim calcmode="lin" valueType="num">
-                                      <p:cBhvr>
-                                        <p:cTn id="9" dur="1000" fill="hold"/>
+                                      <p:cBhvr additive="base">
+                                        <p:cTn id="8" dur="500" fill="hold"/>
                                         <p:tgtEl>
                                           <p:spTgt spid="3">
                                             <p:txEl>
@@ -12539,7 +13082,7 @@
                                       <p:tavLst>
                                         <p:tav tm="0">
                                           <p:val>
-                                            <p:strVal val="#ppt_y+.1"/>
+                                            <p:strVal val="1+#ppt_h/2"/>
                                           </p:val>
                                         </p:tav>
                                         <p:tav tm="100000">
@@ -12553,14 +13096,14 @@
                                 </p:cTn>
                               </p:par>
                               <p:par>
-                                <p:cTn id="10" presetID="42" presetClass="entr" presetSubtype="0" fill="hold" nodeType="withEffect">
+                                <p:cTn id="9" presetID="2" presetClass="entr" presetSubtype="4" fill="hold" nodeType="withEffect">
                                   <p:stCondLst>
                                     <p:cond delay="0"/>
                                   </p:stCondLst>
                                   <p:childTnLst>
                                     <p:set>
                                       <p:cBhvr>
-                                        <p:cTn id="11" dur="1" fill="hold">
+                                        <p:cTn id="10" dur="1" fill="hold">
                                           <p:stCondLst>
                                             <p:cond delay="0"/>
                                           </p:stCondLst>
@@ -12580,21 +13123,9 @@
                                         <p:strVal val="visible"/>
                                       </p:to>
                                     </p:set>
-                                    <p:animEffect transition="in" filter="fade">
-                                      <p:cBhvr>
-                                        <p:cTn id="12" dur="1000"/>
-                                        <p:tgtEl>
-                                          <p:spTgt spid="3">
-                                            <p:txEl>
-                                              <p:pRg st="3" end="3"/>
-                                            </p:txEl>
-                                          </p:spTgt>
-                                        </p:tgtEl>
-                                      </p:cBhvr>
-                                    </p:animEffect>
                                     <p:anim calcmode="lin" valueType="num">
-                                      <p:cBhvr>
-                                        <p:cTn id="13" dur="1000" fill="hold"/>
+                                      <p:cBhvr additive="base">
+                                        <p:cTn id="11" dur="500" fill="hold"/>
                                         <p:tgtEl>
                                           <p:spTgt spid="3">
                                             <p:txEl>
@@ -12620,8 +13151,8 @@
                                       </p:tavLst>
                                     </p:anim>
                                     <p:anim calcmode="lin" valueType="num">
-                                      <p:cBhvr>
-                                        <p:cTn id="14" dur="1000" fill="hold"/>
+                                      <p:cBhvr additive="base">
+                                        <p:cTn id="12" dur="500" fill="hold"/>
                                         <p:tgtEl>
                                           <p:spTgt spid="3">
                                             <p:txEl>
@@ -12636,7 +13167,7 @@
                                       <p:tavLst>
                                         <p:tav tm="0">
                                           <p:val>
-                                            <p:strVal val="#ppt_y+.1"/>
+                                            <p:strVal val="1+#ppt_h/2"/>
                                           </p:val>
                                         </p:tav>
                                         <p:tav tm="100000">
@@ -12650,14 +13181,14 @@
                                 </p:cTn>
                               </p:par>
                               <p:par>
-                                <p:cTn id="15" presetID="42" presetClass="entr" presetSubtype="0" fill="hold" nodeType="withEffect">
+                                <p:cTn id="13" presetID="10" presetClass="entr" presetSubtype="0" fill="hold" nodeType="withEffect">
                                   <p:stCondLst>
                                     <p:cond delay="0"/>
                                   </p:stCondLst>
                                   <p:childTnLst>
                                     <p:set>
                                       <p:cBhvr>
-                                        <p:cTn id="16" dur="1" fill="hold">
+                                        <p:cTn id="14" dur="1" fill="hold">
                                           <p:stCondLst>
                                             <p:cond delay="0"/>
                                           </p:stCondLst>
@@ -12679,11 +13210,54 @@
                                     </p:set>
                                     <p:animEffect transition="in" filter="fade">
                                       <p:cBhvr>
-                                        <p:cTn id="17" dur="1000"/>
+                                        <p:cTn id="15" dur="500"/>
                                         <p:tgtEl>
                                           <p:spTgt spid="3">
                                             <p:txEl>
                                               <p:pRg st="4" end="4"/>
+                                            </p:txEl>
+                                          </p:spTgt>
+                                        </p:tgtEl>
+                                      </p:cBhvr>
+                                    </p:animEffect>
+                                  </p:childTnLst>
+                                </p:cTn>
+                              </p:par>
+                              <p:par>
+                                <p:cTn id="16" presetID="42" presetClass="entr" presetSubtype="0" fill="hold" nodeType="withEffect">
+                                  <p:stCondLst>
+                                    <p:cond delay="0"/>
+                                  </p:stCondLst>
+                                  <p:childTnLst>
+                                    <p:set>
+                                      <p:cBhvr>
+                                        <p:cTn id="17" dur="1" fill="hold">
+                                          <p:stCondLst>
+                                            <p:cond delay="0"/>
+                                          </p:stCondLst>
+                                        </p:cTn>
+                                        <p:tgtEl>
+                                          <p:spTgt spid="3">
+                                            <p:txEl>
+                                              <p:pRg st="10" end="10"/>
+                                            </p:txEl>
+                                          </p:spTgt>
+                                        </p:tgtEl>
+                                        <p:attrNameLst>
+                                          <p:attrName>style.visibility</p:attrName>
+                                        </p:attrNameLst>
+                                      </p:cBhvr>
+                                      <p:to>
+                                        <p:strVal val="visible"/>
+                                      </p:to>
+                                    </p:set>
+                                    <p:animEffect transition="in" filter="fade">
+                                      <p:cBhvr>
+                                        <p:cTn id="18" dur="1000"/>
+                                        <p:tgtEl>
+                                          <p:spTgt spid="3">
+                                            <p:txEl>
+                                              <p:pRg st="10" end="10"/>
                                             </p:txEl>
                                           </p:spTgt>
                                         </p:tgtEl>
@@ -12691,11 +13265,11 @@
                                     </p:animEffect>
                                     <p:anim calcmode="lin" valueType="num">
                                       <p:cBhvr>
-                                        <p:cTn id="18" dur="1000" fill="hold"/>
-                                        <p:tgtEl>
-                                          <p:spTgt spid="3">
-                                            <p:txEl>
-                                              <p:pRg st="4" end="4"/>
+                                        <p:cTn id="19" dur="1000" fill="hold"/>
+                                        <p:tgtEl>
+                                          <p:spTgt spid="3">
+                                            <p:txEl>
+                                              <p:pRg st="10" end="10"/>
                                             </p:txEl>
                                           </p:spTgt>
                                         </p:tgtEl>
@@ -12718,11 +13292,108 @@
                                     </p:anim>
                                     <p:anim calcmode="lin" valueType="num">
                                       <p:cBhvr>
-                                        <p:cTn id="19" dur="1000" fill="hold"/>
-                                        <p:tgtEl>
-                                          <p:spTgt spid="3">
-                                            <p:txEl>
-                                              <p:pRg st="4" end="4"/>
+                                        <p:cTn id="20" dur="1000" fill="hold"/>
+                                        <p:tgtEl>
+                                          <p:spTgt spid="3">
+                                            <p:txEl>
+                                              <p:pRg st="10" end="10"/>
+                                            </p:txEl>
+                                          </p:spTgt>
+                                        </p:tgtEl>
+                                        <p:attrNameLst>
+                                          <p:attrName>ppt_y</p:attrName>
+                                        </p:attrNameLst>
+                                      </p:cBhvr>
+                                      <p:tavLst>
+                                        <p:tav tm="0">
+                                          <p:val>
+                                            <p:strVal val="#ppt_y+.1"/>
+                                          </p:val>
+                                        </p:tav>
+                                        <p:tav tm="100000">
+                                          <p:val>
+                                            <p:strVal val="#ppt_y"/>
+                                          </p:val>
+                                        </p:tav>
+                                      </p:tavLst>
+                                    </p:anim>
+                                  </p:childTnLst>
+                                </p:cTn>
+                              </p:par>
+                              <p:par>
+                                <p:cTn id="21" presetID="42" presetClass="entr" presetSubtype="0" fill="hold" nodeType="withEffect">
+                                  <p:stCondLst>
+                                    <p:cond delay="0"/>
+                                  </p:stCondLst>
+                                  <p:childTnLst>
+                                    <p:set>
+                                      <p:cBhvr>
+                                        <p:cTn id="22" dur="1" fill="hold">
+                                          <p:stCondLst>
+                                            <p:cond delay="0"/>
+                                          </p:stCondLst>
+                                        </p:cTn>
+                                        <p:tgtEl>
+                                          <p:spTgt spid="3">
+                                            <p:txEl>
+                                              <p:pRg st="11" end="11"/>
+                                            </p:txEl>
+                                          </p:spTgt>
+                                        </p:tgtEl>
+                                        <p:attrNameLst>
+                                          <p:attrName>style.visibility</p:attrName>
+                                        </p:attrNameLst>
+                                      </p:cBhvr>
+                                      <p:to>
+                                        <p:strVal val="visible"/>
+                                      </p:to>
+                                    </p:set>
+                                    <p:animEffect transition="in" filter="fade">
+                                      <p:cBhvr>
+                                        <p:cTn id="23" dur="1000"/>
+                                        <p:tgtEl>
+                                          <p:spTgt spid="3">
+                                            <p:txEl>
+                                              <p:pRg st="11" end="11"/>
+                                            </p:txEl>
+                                          </p:spTgt>
+                                        </p:tgtEl>
+                                      </p:cBhvr>
+                                    </p:animEffect>
+                                    <p:anim calcmode="lin" valueType="num">
+                                      <p:cBhvr>
+                                        <p:cTn id="24" dur="1000" fill="hold"/>
+                                        <p:tgtEl>
+                                          <p:spTgt spid="3">
+                                            <p:txEl>
+                                              <p:pRg st="11" end="11"/>
+                                            </p:txEl>
+                                          </p:spTgt>
+                                        </p:tgtEl>
+                                        <p:attrNameLst>
+                                          <p:attrName>ppt_x</p:attrName>
+                                        </p:attrNameLst>
+                                      </p:cBhvr>
+                                      <p:tavLst>
+                                        <p:tav tm="0">
+                                          <p:val>
+                                            <p:strVal val="#ppt_x"/>
+                                          </p:val>
+                                        </p:tav>
+                                        <p:tav tm="100000">
+                                          <p:val>
+                                            <p:strVal val="#ppt_x"/>
+                                          </p:val>
+                                        </p:tav>
+                                      </p:tavLst>
+                                    </p:anim>
+                                    <p:anim calcmode="lin" valueType="num">
+                                      <p:cBhvr>
+                                        <p:cTn id="25" dur="1000" fill="hold"/>
+                                        <p:tgtEl>
+                                          <p:spTgt spid="3">
+                                            <p:txEl>
+                                              <p:pRg st="11" end="11"/>
                                             </p:txEl>
                                           </p:spTgt>
                                         </p:tgtEl>
@@ -12753,26 +13424,26 @@
                     </p:cTn>
                   </p:par>
                   <p:par>
-                    <p:cTn id="20" fill="hold">
+                    <p:cTn id="26" fill="hold">
                       <p:stCondLst>
                         <p:cond delay="indefinite"/>
                       </p:stCondLst>
                       <p:childTnLst>
                         <p:par>
-                          <p:cTn id="21" fill="hold">
+                          <p:cTn id="27" fill="hold">
                             <p:stCondLst>
                               <p:cond delay="0"/>
                             </p:stCondLst>
                             <p:childTnLst>
                               <p:par>
-                                <p:cTn id="22" presetID="2" presetClass="entr" presetSubtype="4" fill="hold" nodeType="clickEffect">
+                                <p:cTn id="28" presetID="2" presetClass="entr" presetSubtype="4" fill="hold" nodeType="clickEffect">
                                   <p:stCondLst>
                                     <p:cond delay="0"/>
                                   </p:stCondLst>
                                   <p:childTnLst>
                                     <p:set>
                                       <p:cBhvr>
-                                        <p:cTn id="23" dur="1" fill="hold">
+                                        <p:cTn id="29" dur="1" fill="hold">
                                           <p:stCondLst>
                                             <p:cond delay="0"/>
                                           </p:stCondLst>
@@ -12780,7 +13451,7 @@
                                         <p:tgtEl>
                                           <p:spTgt spid="3">
                                             <p:txEl>
-                                              <p:pRg st="10" end="10"/>
+                                              <p:pRg st="0" end="0"/>
                                             </p:txEl>
                                           </p:spTgt>
                                         </p:tgtEl>
@@ -12794,11 +13465,11 @@
                                     </p:set>
                                     <p:anim calcmode="lin" valueType="num">
                                       <p:cBhvr additive="base">
-                                        <p:cTn id="24" dur="500" fill="hold"/>
-                                        <p:tgtEl>
-                                          <p:spTgt spid="3">
-                                            <p:txEl>
-                                              <p:pRg st="10" end="10"/>
+                                        <p:cTn id="30" dur="500" fill="hold"/>
+                                        <p:tgtEl>
+                                          <p:spTgt spid="3">
+                                            <p:txEl>
+                                              <p:pRg st="0" end="0"/>
                                             </p:txEl>
                                           </p:spTgt>
                                         </p:tgtEl>
@@ -12821,11 +13492,11 @@
                                     </p:anim>
                                     <p:anim calcmode="lin" valueType="num">
                                       <p:cBhvr additive="base">
-                                        <p:cTn id="25" dur="500" fill="hold"/>
-                                        <p:tgtEl>
-                                          <p:spTgt spid="3">
-                                            <p:txEl>
-                                              <p:pRg st="10" end="10"/>
+                                        <p:cTn id="31" dur="500" fill="hold"/>
+                                        <p:tgtEl>
+                                          <p:spTgt spid="3">
+                                            <p:txEl>
+                                              <p:pRg st="0" end="0"/>
                                             </p:txEl>
                                           </p:spTgt>
                                         </p:tgtEl>
@@ -12850,14 +13521,14 @@
                                 </p:cTn>
                               </p:par>
                               <p:par>
-                                <p:cTn id="26" presetID="2" presetClass="entr" presetSubtype="4" fill="hold" nodeType="withEffect">
+                                <p:cTn id="32" presetID="2" presetClass="entr" presetSubtype="4" fill="hold" nodeType="withEffect">
                                   <p:stCondLst>
                                     <p:cond delay="0"/>
                                   </p:stCondLst>
                                   <p:childTnLst>
                                     <p:set>
                                       <p:cBhvr>
-                                        <p:cTn id="27" dur="1" fill="hold">
+                                        <p:cTn id="33" dur="1" fill="hold">
                                           <p:stCondLst>
                                             <p:cond delay="0"/>
                                           </p:stCondLst>
@@ -12865,7 +13536,7 @@
                                         <p:tgtEl>
                                           <p:spTgt spid="3">
                                             <p:txEl>
-                                              <p:pRg st="11" end="11"/>
+                                              <p:pRg st="1" end="1"/>
                                             </p:txEl>
                                           </p:spTgt>
                                         </p:tgtEl>
@@ -12879,11 +13550,11 @@
                                     </p:set>
                                     <p:anim calcmode="lin" valueType="num">
                                       <p:cBhvr additive="base">
-                                        <p:cTn id="28" dur="500" fill="hold"/>
-                                        <p:tgtEl>
-                                          <p:spTgt spid="3">
-                                            <p:txEl>
-                                              <p:pRg st="11" end="11"/>
+                                        <p:cTn id="34" dur="500" fill="hold"/>
+                                        <p:tgtEl>
+                                          <p:spTgt spid="3">
+                                            <p:txEl>
+                                              <p:pRg st="1" end="1"/>
                                             </p:txEl>
                                           </p:spTgt>
                                         </p:tgtEl>
@@ -12906,11 +13577,11 @@
                                     </p:anim>
                                     <p:anim calcmode="lin" valueType="num">
                                       <p:cBhvr additive="base">
-                                        <p:cTn id="29" dur="500" fill="hold"/>
-                                        <p:tgtEl>
-                                          <p:spTgt spid="3">
-                                            <p:txEl>
-                                              <p:pRg st="11" end="11"/>
+                                        <p:cTn id="35" dur="500" fill="hold"/>
+                                        <p:tgtEl>
+                                          <p:spTgt spid="3">
+                                            <p:txEl>
+                                              <p:pRg st="1" end="1"/>
                                             </p:txEl>
                                           </p:spTgt>
                                         </p:tgtEl>
@@ -12922,6 +13593,479 @@
                                         <p:tav tm="0">
                                           <p:val>
                                             <p:strVal val="1+#ppt_h/2"/>
+                                          </p:val>
+                                        </p:tav>
+                                        <p:tav tm="100000">
+                                          <p:val>
+                                            <p:strVal val="#ppt_y"/>
+                                          </p:val>
+                                        </p:tav>
+                                      </p:tavLst>
+                                    </p:anim>
+                                  </p:childTnLst>
+                                </p:cTn>
+                              </p:par>
+                            </p:childTnLst>
+                          </p:cTn>
+                        </p:par>
+                      </p:childTnLst>
+                    </p:cTn>
+                  </p:par>
+                  <p:par>
+                    <p:cTn id="36" fill="hold">
+                      <p:stCondLst>
+                        <p:cond delay="indefinite"/>
+                      </p:stCondLst>
+                      <p:childTnLst>
+                        <p:par>
+                          <p:cTn id="37" fill="hold">
+                            <p:stCondLst>
+                              <p:cond delay="0"/>
+                            </p:stCondLst>
+                            <p:childTnLst>
+                              <p:par>
+                                <p:cTn id="38" presetID="2" presetClass="entr" presetSubtype="4" fill="hold" nodeType="clickEffect">
+                                  <p:stCondLst>
+                                    <p:cond delay="0"/>
+                                  </p:stCondLst>
+                                  <p:childTnLst>
+                                    <p:set>
+                                      <p:cBhvr>
+                                        <p:cTn id="39" dur="1" fill="hold">
+                                          <p:stCondLst>
+                                            <p:cond delay="0"/>
+                                          </p:stCondLst>
+                                        </p:cTn>
+                                        <p:tgtEl>
+                                          <p:spTgt spid="3">
+                                            <p:txEl>
+                                              <p:pRg st="5" end="5"/>
+                                            </p:txEl>
+                                          </p:spTgt>
+                                        </p:tgtEl>
+                                        <p:attrNameLst>
+                                          <p:attrName>style.visibility</p:attrName>
+                                        </p:attrNameLst>
+                                      </p:cBhvr>
+                                      <p:to>
+                                        <p:strVal val="visible"/>
+                                      </p:to>
+                                    </p:set>
+                                    <p:anim calcmode="lin" valueType="num">
+                                      <p:cBhvr additive="base">
+                                        <p:cTn id="40" dur="500" fill="hold"/>
+                                        <p:tgtEl>
+                                          <p:spTgt spid="3">
+                                            <p:txEl>
+                                              <p:pRg st="5" end="5"/>
+                                            </p:txEl>
+                                          </p:spTgt>
+                                        </p:tgtEl>
+                                        <p:attrNameLst>
+                                          <p:attrName>ppt_x</p:attrName>
+                                        </p:attrNameLst>
+                                      </p:cBhvr>
+                                      <p:tavLst>
+                                        <p:tav tm="0">
+                                          <p:val>
+                                            <p:strVal val="#ppt_x"/>
+                                          </p:val>
+                                        </p:tav>
+                                        <p:tav tm="100000">
+                                          <p:val>
+                                            <p:strVal val="#ppt_x"/>
+                                          </p:val>
+                                        </p:tav>
+                                      </p:tavLst>
+                                    </p:anim>
+                                    <p:anim calcmode="lin" valueType="num">
+                                      <p:cBhvr additive="base">
+                                        <p:cTn id="41" dur="500" fill="hold"/>
+                                        <p:tgtEl>
+                                          <p:spTgt spid="3">
+                                            <p:txEl>
+                                              <p:pRg st="5" end="5"/>
+                                            </p:txEl>
+                                          </p:spTgt>
+                                        </p:tgtEl>
+                                        <p:attrNameLst>
+                                          <p:attrName>ppt_y</p:attrName>
+                                        </p:attrNameLst>
+                                      </p:cBhvr>
+                                      <p:tavLst>
+                                        <p:tav tm="0">
+                                          <p:val>
+                                            <p:strVal val="1+#ppt_h/2"/>
+                                          </p:val>
+                                        </p:tav>
+                                        <p:tav tm="100000">
+                                          <p:val>
+                                            <p:strVal val="#ppt_y"/>
+                                          </p:val>
+                                        </p:tav>
+                                      </p:tavLst>
+                                    </p:anim>
+                                  </p:childTnLst>
+                                </p:cTn>
+                              </p:par>
+                              <p:par>
+                                <p:cTn id="42" presetID="2" presetClass="entr" presetSubtype="4" fill="hold" nodeType="withEffect">
+                                  <p:stCondLst>
+                                    <p:cond delay="0"/>
+                                  </p:stCondLst>
+                                  <p:childTnLst>
+                                    <p:set>
+                                      <p:cBhvr>
+                                        <p:cTn id="43" dur="1" fill="hold">
+                                          <p:stCondLst>
+                                            <p:cond delay="0"/>
+                                          </p:stCondLst>
+                                        </p:cTn>
+                                        <p:tgtEl>
+                                          <p:spTgt spid="3">
+                                            <p:txEl>
+                                              <p:pRg st="6" end="6"/>
+                                            </p:txEl>
+                                          </p:spTgt>
+                                        </p:tgtEl>
+                                        <p:attrNameLst>
+                                          <p:attrName>style.visibility</p:attrName>
+                                        </p:attrNameLst>
+                                      </p:cBhvr>
+                                      <p:to>
+                                        <p:strVal val="visible"/>
+                                      </p:to>
+                                    </p:set>
+                                    <p:anim calcmode="lin" valueType="num">
+                                      <p:cBhvr additive="base">
+                                        <p:cTn id="44" dur="500" fill="hold"/>
+                                        <p:tgtEl>
+                                          <p:spTgt spid="3">
+                                            <p:txEl>
+                                              <p:pRg st="6" end="6"/>
+                                            </p:txEl>
+                                          </p:spTgt>
+                                        </p:tgtEl>
+                                        <p:attrNameLst>
+                                          <p:attrName>ppt_x</p:attrName>
+                                        </p:attrNameLst>
+                                      </p:cBhvr>
+                                      <p:tavLst>
+                                        <p:tav tm="0">
+                                          <p:val>
+                                            <p:strVal val="#ppt_x"/>
+                                          </p:val>
+                                        </p:tav>
+                                        <p:tav tm="100000">
+                                          <p:val>
+                                            <p:strVal val="#ppt_x"/>
+                                          </p:val>
+                                        </p:tav>
+                                      </p:tavLst>
+                                    </p:anim>
+                                    <p:anim calcmode="lin" valueType="num">
+                                      <p:cBhvr additive="base">
+                                        <p:cTn id="45" dur="500" fill="hold"/>
+                                        <p:tgtEl>
+                                          <p:spTgt spid="3">
+                                            <p:txEl>
+                                              <p:pRg st="6" end="6"/>
+                                            </p:txEl>
+                                          </p:spTgt>
+                                        </p:tgtEl>
+                                        <p:attrNameLst>
+                                          <p:attrName>ppt_y</p:attrName>
+                                        </p:attrNameLst>
+                                      </p:cBhvr>
+                                      <p:tavLst>
+                                        <p:tav tm="0">
+                                          <p:val>
+                                            <p:strVal val="1+#ppt_h/2"/>
+                                          </p:val>
+                                        </p:tav>
+                                        <p:tav tm="100000">
+                                          <p:val>
+                                            <p:strVal val="#ppt_y"/>
+                                          </p:val>
+                                        </p:tav>
+                                      </p:tavLst>
+                                    </p:anim>
+                                  </p:childTnLst>
+                                </p:cTn>
+                              </p:par>
+                              <p:par>
+                                <p:cTn id="46" presetID="2" presetClass="entr" presetSubtype="4" fill="hold" nodeType="withEffect">
+                                  <p:stCondLst>
+                                    <p:cond delay="0"/>
+                                  </p:stCondLst>
+                                  <p:childTnLst>
+                                    <p:set>
+                                      <p:cBhvr>
+                                        <p:cTn id="47" dur="1" fill="hold">
+                                          <p:stCondLst>
+                                            <p:cond delay="0"/>
+                                          </p:stCondLst>
+                                        </p:cTn>
+                                        <p:tgtEl>
+                                          <p:spTgt spid="3">
+                                            <p:txEl>
+                                              <p:pRg st="7" end="7"/>
+                                            </p:txEl>
+                                          </p:spTgt>
+                                        </p:tgtEl>
+                                        <p:attrNameLst>
+                                          <p:attrName>style.visibility</p:attrName>
+                                        </p:attrNameLst>
+                                      </p:cBhvr>
+                                      <p:to>
+                                        <p:strVal val="visible"/>
+                                      </p:to>
+                                    </p:set>
+                                    <p:anim calcmode="lin" valueType="num">
+                                      <p:cBhvr additive="base">
+                                        <p:cTn id="48" dur="500" fill="hold"/>
+                                        <p:tgtEl>
+                                          <p:spTgt spid="3">
+                                            <p:txEl>
+                                              <p:pRg st="7" end="7"/>
+                                            </p:txEl>
+                                          </p:spTgt>
+                                        </p:tgtEl>
+                                        <p:attrNameLst>
+                                          <p:attrName>ppt_x</p:attrName>
+                                        </p:attrNameLst>
+                                      </p:cBhvr>
+                                      <p:tavLst>
+                                        <p:tav tm="0">
+                                          <p:val>
+                                            <p:strVal val="#ppt_x"/>
+                                          </p:val>
+                                        </p:tav>
+                                        <p:tav tm="100000">
+                                          <p:val>
+                                            <p:strVal val="#ppt_x"/>
+                                          </p:val>
+                                        </p:tav>
+                                      </p:tavLst>
+                                    </p:anim>
+                                    <p:anim calcmode="lin" valueType="num">
+                                      <p:cBhvr additive="base">
+                                        <p:cTn id="49" dur="500" fill="hold"/>
+                                        <p:tgtEl>
+                                          <p:spTgt spid="3">
+                                            <p:txEl>
+                                              <p:pRg st="7" end="7"/>
+                                            </p:txEl>
+                                          </p:spTgt>
+                                        </p:tgtEl>
+                                        <p:attrNameLst>
+                                          <p:attrName>ppt_y</p:attrName>
+                                        </p:attrNameLst>
+                                      </p:cBhvr>
+                                      <p:tavLst>
+                                        <p:tav tm="0">
+                                          <p:val>
+                                            <p:strVal val="1+#ppt_h/2"/>
+                                          </p:val>
+                                        </p:tav>
+                                        <p:tav tm="100000">
+                                          <p:val>
+                                            <p:strVal val="#ppt_y"/>
+                                          </p:val>
+                                        </p:tav>
+                                      </p:tavLst>
+                                    </p:anim>
+                                  </p:childTnLst>
+                                </p:cTn>
+                              </p:par>
+                              <p:par>
+                                <p:cTn id="50" presetID="2" presetClass="entr" presetSubtype="4" fill="hold" nodeType="withEffect">
+                                  <p:stCondLst>
+                                    <p:cond delay="0"/>
+                                  </p:stCondLst>
+                                  <p:childTnLst>
+                                    <p:set>
+                                      <p:cBhvr>
+                                        <p:cTn id="51" dur="1" fill="hold">
+                                          <p:stCondLst>
+                                            <p:cond delay="0"/>
+                                          </p:stCondLst>
+                                        </p:cTn>
+                                        <p:tgtEl>
+                                          <p:spTgt spid="3">
+                                            <p:txEl>
+                                              <p:pRg st="8" end="8"/>
+                                            </p:txEl>
+                                          </p:spTgt>
+                                        </p:tgtEl>
+                                        <p:attrNameLst>
+                                          <p:attrName>style.visibility</p:attrName>
+                                        </p:attrNameLst>
+                                      </p:cBhvr>
+                                      <p:to>
+                                        <p:strVal val="visible"/>
+                                      </p:to>
+                                    </p:set>
+                                    <p:anim calcmode="lin" valueType="num">
+                                      <p:cBhvr additive="base">
+                                        <p:cTn id="52" dur="500" fill="hold"/>
+                                        <p:tgtEl>
+                                          <p:spTgt spid="3">
+                                            <p:txEl>
+                                              <p:pRg st="8" end="8"/>
+                                            </p:txEl>
+                                          </p:spTgt>
+                                        </p:tgtEl>
+                                        <p:attrNameLst>
+                                          <p:attrName>ppt_x</p:attrName>
+                                        </p:attrNameLst>
+                                      </p:cBhvr>
+                                      <p:tavLst>
+                                        <p:tav tm="0">
+                                          <p:val>
+                                            <p:strVal val="#ppt_x"/>
+                                          </p:val>
+                                        </p:tav>
+                                        <p:tav tm="100000">
+                                          <p:val>
+                                            <p:strVal val="#ppt_x"/>
+                                          </p:val>
+                                        </p:tav>
+                                      </p:tavLst>
+                                    </p:anim>
+                                    <p:anim calcmode="lin" valueType="num">
+                                      <p:cBhvr additive="base">
+                                        <p:cTn id="53" dur="500" fill="hold"/>
+                                        <p:tgtEl>
+                                          <p:spTgt spid="3">
+                                            <p:txEl>
+                                              <p:pRg st="8" end="8"/>
+                                            </p:txEl>
+                                          </p:spTgt>
+                                        </p:tgtEl>
+                                        <p:attrNameLst>
+                                          <p:attrName>ppt_y</p:attrName>
+                                        </p:attrNameLst>
+                                      </p:cBhvr>
+                                      <p:tavLst>
+                                        <p:tav tm="0">
+                                          <p:val>
+                                            <p:strVal val="1+#ppt_h/2"/>
+                                          </p:val>
+                                        </p:tav>
+                                        <p:tav tm="100000">
+                                          <p:val>
+                                            <p:strVal val="#ppt_y"/>
+                                          </p:val>
+                                        </p:tav>
+                                      </p:tavLst>
+                                    </p:anim>
+                                  </p:childTnLst>
+                                </p:cTn>
+                              </p:par>
+                            </p:childTnLst>
+                          </p:cTn>
+                        </p:par>
+                      </p:childTnLst>
+                    </p:cTn>
+                  </p:par>
+                  <p:par>
+                    <p:cTn id="54" fill="hold">
+                      <p:stCondLst>
+                        <p:cond delay="indefinite"/>
+                      </p:stCondLst>
+                      <p:childTnLst>
+                        <p:par>
+                          <p:cTn id="55" fill="hold">
+                            <p:stCondLst>
+                              <p:cond delay="0"/>
+                            </p:stCondLst>
+                            <p:childTnLst>
+                              <p:par>
+                                <p:cTn id="56" presetID="42" presetClass="entr" presetSubtype="0" fill="hold" nodeType="clickEffect">
+                                  <p:stCondLst>
+                                    <p:cond delay="0"/>
+                                  </p:stCondLst>
+                                  <p:childTnLst>
+                                    <p:set>
+                                      <p:cBhvr>
+                                        <p:cTn id="57" dur="1" fill="hold">
+                                          <p:stCondLst>
+                                            <p:cond delay="0"/>
+                                          </p:stCondLst>
+                                        </p:cTn>
+                                        <p:tgtEl>
+                                          <p:spTgt spid="3">
+                                            <p:txEl>
+                                              <p:pRg st="9" end="9"/>
+                                            </p:txEl>
+                                          </p:spTgt>
+                                        </p:tgtEl>
+                                        <p:attrNameLst>
+                                          <p:attrName>style.visibility</p:attrName>
+                                        </p:attrNameLst>
+                                      </p:cBhvr>
+                                      <p:to>
+                                        <p:strVal val="visible"/>
+                                      </p:to>
+                                    </p:set>
+                                    <p:animEffect transition="in" filter="fade">
+                                      <p:cBhvr>
+                                        <p:cTn id="58" dur="1000"/>
+                                        <p:tgtEl>
+                                          <p:spTgt spid="3">
+                                            <p:txEl>
+                                              <p:pRg st="9" end="9"/>
+                                            </p:txEl>
+                                          </p:spTgt>
+                                        </p:tgtEl>
+                                      </p:cBhvr>
+                                    </p:animEffect>
+                                    <p:anim calcmode="lin" valueType="num">
+                                      <p:cBhvr>
+                                        <p:cTn id="59" dur="1000" fill="hold"/>
+                                        <p:tgtEl>
+                                          <p:spTgt spid="3">
+                                            <p:txEl>
+                                              <p:pRg st="9" end="9"/>
+                                            </p:txEl>
+                                          </p:spTgt>
+                                        </p:tgtEl>
+                                        <p:attrNameLst>
+                                          <p:attrName>ppt_x</p:attrName>
+                                        </p:attrNameLst>
+                                      </p:cBhvr>
+                                      <p:tavLst>
+                                        <p:tav tm="0">
+                                          <p:val>
+                                            <p:strVal val="#ppt_x"/>
+                                          </p:val>
+                                        </p:tav>
+                                        <p:tav tm="100000">
+                                          <p:val>
+                                            <p:strVal val="#ppt_x"/>
+                                          </p:val>
+                                        </p:tav>
+                                      </p:tavLst>
+                                    </p:anim>
+                                    <p:anim calcmode="lin" valueType="num">
+                                      <p:cBhvr>
+                                        <p:cTn id="60" dur="1000" fill="hold"/>
+                                        <p:tgtEl>
+                                          <p:spTgt spid="3">
+                                            <p:txEl>
+                                              <p:pRg st="9" end="9"/>
+                                            </p:txEl>
+                                          </p:spTgt>
+                                        </p:tgtEl>
+                                        <p:attrNameLst>
+                                          <p:attrName>ppt_y</p:attrName>
+                                        </p:attrNameLst>
+                                      </p:cBhvr>
+                                      <p:tavLst>
+                                        <p:tav tm="0">
+                                          <p:val>
+                                            <p:strVal val="#ppt_y+.1"/>
                                           </p:val>
                                         </p:tav>
                                         <p:tav tm="100000">
@@ -13151,7 +14295,7 @@
                             </p:stCondLst>
                             <p:childTnLst>
                               <p:par>
-                                <p:cTn id="5" presetID="16" presetClass="entr" presetSubtype="21" fill="hold" nodeType="clickEffect">
+                                <p:cTn id="5" presetID="42" presetClass="entr" presetSubtype="0" fill="hold" nodeType="clickEffect">
                                   <p:stCondLst>
                                     <p:cond delay="0"/>
                                   </p:stCondLst>
@@ -13178,9 +14322,9 @@
                                         <p:strVal val="visible"/>
                                       </p:to>
                                     </p:set>
-                                    <p:animEffect transition="in" filter="barn(inVertical)">
-                                      <p:cBhvr>
-                                        <p:cTn id="7" dur="500"/>
+                                    <p:animEffect transition="in" filter="fade">
+                                      <p:cBhvr>
+                                        <p:cTn id="7" dur="1000"/>
                                         <p:tgtEl>
                                           <p:spTgt spid="3">
                                             <p:txEl>
@@ -13190,18 +14334,72 @@
                                         </p:tgtEl>
                                       </p:cBhvr>
                                     </p:animEffect>
+                                    <p:anim calcmode="lin" valueType="num">
+                                      <p:cBhvr>
+                                        <p:cTn id="8" dur="1000" fill="hold"/>
+                                        <p:tgtEl>
+                                          <p:spTgt spid="3">
+                                            <p:txEl>
+                                              <p:pRg st="0" end="0"/>
+                                            </p:txEl>
+                                          </p:spTgt>
+                                        </p:tgtEl>
+                                        <p:attrNameLst>
+                                          <p:attrName>ppt_x</p:attrName>
+                                        </p:attrNameLst>
+                                      </p:cBhvr>
+                                      <p:tavLst>
+                                        <p:tav tm="0">
+                                          <p:val>
+                                            <p:strVal val="#ppt_x"/>
+                                          </p:val>
+                                        </p:tav>
+                                        <p:tav tm="100000">
+                                          <p:val>
+                                            <p:strVal val="#ppt_x"/>
+                                          </p:val>
+                                        </p:tav>
+                                      </p:tavLst>
+                                    </p:anim>
+                                    <p:anim calcmode="lin" valueType="num">
+                                      <p:cBhvr>
+                                        <p:cTn id="9" dur="1000" fill="hold"/>
+                                        <p:tgtEl>
+                                          <p:spTgt spid="3">
+                                            <p:txEl>
+                                              <p:pRg st="0" end="0"/>
+                                            </p:txEl>
+                                          </p:spTgt>
+                                        </p:tgtEl>
+                                        <p:attrNameLst>
+                                          <p:attrName>ppt_y</p:attrName>
+                                        </p:attrNameLst>
+                                      </p:cBhvr>
+                                      <p:tavLst>
+                                        <p:tav tm="0">
+                                          <p:val>
+                                            <p:strVal val="#ppt_y+.1"/>
+                                          </p:val>
+                                        </p:tav>
+                                        <p:tav tm="100000">
+                                          <p:val>
+                                            <p:strVal val="#ppt_y"/>
+                                          </p:val>
+                                        </p:tav>
+                                      </p:tavLst>
+                                    </p:anim>
                                   </p:childTnLst>
                                 </p:cTn>
                               </p:par>
                               <p:par>
-                                <p:cTn id="8" presetID="16" presetClass="entr" presetSubtype="21" fill="hold" nodeType="withEffect">
+                                <p:cTn id="10" presetID="42" presetClass="entr" presetSubtype="0" fill="hold" nodeType="withEffect">
                                   <p:stCondLst>
                                     <p:cond delay="0"/>
                                   </p:stCondLst>
                                   <p:childTnLst>
                                     <p:set>
                                       <p:cBhvr>
-                                        <p:cTn id="9" dur="1" fill="hold">
+                                        <p:cTn id="11" dur="1" fill="hold">
                                           <p:stCondLst>
                                             <p:cond delay="0"/>
                                           </p:stCondLst>
@@ -13221,9 +14419,9 @@
                                         <p:strVal val="visible"/>
                                       </p:to>
                                     </p:set>
-                                    <p:animEffect transition="in" filter="barn(inVertical)">
-                                      <p:cBhvr>
-                                        <p:cTn id="10" dur="500"/>
+                                    <p:animEffect transition="in" filter="fade">
+                                      <p:cBhvr>
+                                        <p:cTn id="12" dur="1000"/>
                                         <p:tgtEl>
                                           <p:spTgt spid="3">
                                             <p:txEl>
@@ -13233,18 +14431,72 @@
                                         </p:tgtEl>
                                       </p:cBhvr>
                                     </p:animEffect>
+                                    <p:anim calcmode="lin" valueType="num">
+                                      <p:cBhvr>
+                                        <p:cTn id="13" dur="1000" fill="hold"/>
+                                        <p:tgtEl>
+                                          <p:spTgt spid="3">
+                                            <p:txEl>
+                                              <p:pRg st="1" end="1"/>
+                                            </p:txEl>
+                                          </p:spTgt>
+                                        </p:tgtEl>
+                                        <p:attrNameLst>
+                                          <p:attrName>ppt_x</p:attrName>
+                                        </p:attrNameLst>
+                                      </p:cBhvr>
+                                      <p:tavLst>
+                                        <p:tav tm="0">
+                                          <p:val>
+                                            <p:strVal val="#ppt_x"/>
+                                          </p:val>
+                                        </p:tav>
+                                        <p:tav tm="100000">
+                                          <p:val>
+                                            <p:strVal val="#ppt_x"/>
+                                          </p:val>
+                                        </p:tav>
+                                      </p:tavLst>
+                                    </p:anim>
+                                    <p:anim calcmode="lin" valueType="num">
+                                      <p:cBhvr>
+                                        <p:cTn id="14" dur="1000" fill="hold"/>
+                                        <p:tgtEl>
+                                          <p:spTgt spid="3">
+                                            <p:txEl>
+                                              <p:pRg st="1" end="1"/>
+                                            </p:txEl>
+                                          </p:spTgt>
+                                        </p:tgtEl>
+                                        <p:attrNameLst>
+                                          <p:attrName>ppt_y</p:attrName>
+                                        </p:attrNameLst>
+                                      </p:cBhvr>
+                                      <p:tavLst>
+                                        <p:tav tm="0">
+                                          <p:val>
+                                            <p:strVal val="#ppt_y+.1"/>
+                                          </p:val>
+                                        </p:tav>
+                                        <p:tav tm="100000">
+                                          <p:val>
+                                            <p:strVal val="#ppt_y"/>
+                                          </p:val>
+                                        </p:tav>
+                                      </p:tavLst>
+                                    </p:anim>
                                   </p:childTnLst>
                                 </p:cTn>
                               </p:par>
                               <p:par>
-                                <p:cTn id="11" presetID="16" presetClass="entr" presetSubtype="21" fill="hold" nodeType="withEffect">
+                                <p:cTn id="15" presetID="42" presetClass="entr" presetSubtype="0" fill="hold" nodeType="withEffect">
                                   <p:stCondLst>
                                     <p:cond delay="0"/>
                                   </p:stCondLst>
                                   <p:childTnLst>
                                     <p:set>
                                       <p:cBhvr>
-                                        <p:cTn id="12" dur="1" fill="hold">
+                                        <p:cTn id="16" dur="1" fill="hold">
                                           <p:stCondLst>
                                             <p:cond delay="0"/>
                                           </p:stCondLst>
@@ -13264,9 +14516,9 @@
                                         <p:strVal val="visible"/>
                                       </p:to>
                                     </p:set>
-                                    <p:animEffect transition="in" filter="barn(inVertical)">
-                                      <p:cBhvr>
-                                        <p:cTn id="13" dur="500"/>
+                                    <p:animEffect transition="in" filter="fade">
+                                      <p:cBhvr>
+                                        <p:cTn id="17" dur="1000"/>
                                         <p:tgtEl>
                                           <p:spTgt spid="3">
                                             <p:txEl>
@@ -13276,18 +14528,72 @@
                                         </p:tgtEl>
                                       </p:cBhvr>
                                     </p:animEffect>
+                                    <p:anim calcmode="lin" valueType="num">
+                                      <p:cBhvr>
+                                        <p:cTn id="18" dur="1000" fill="hold"/>
+                                        <p:tgtEl>
+                                          <p:spTgt spid="3">
+                                            <p:txEl>
+                                              <p:pRg st="2" end="2"/>
+                                            </p:txEl>
+                                          </p:spTgt>
+                                        </p:tgtEl>
+                                        <p:attrNameLst>
+                                          <p:attrName>ppt_x</p:attrName>
+                                        </p:attrNameLst>
+                                      </p:cBhvr>
+                                      <p:tavLst>
+                                        <p:tav tm="0">
+                                          <p:val>
+                                            <p:strVal val="#ppt_x"/>
+                                          </p:val>
+                                        </p:tav>
+                                        <p:tav tm="100000">
+                                          <p:val>
+                                            <p:strVal val="#ppt_x"/>
+                                          </p:val>
+                                        </p:tav>
+                                      </p:tavLst>
+                                    </p:anim>
+                                    <p:anim calcmode="lin" valueType="num">
+                                      <p:cBhvr>
+                                        <p:cTn id="19" dur="1000" fill="hold"/>
+                                        <p:tgtEl>
+                                          <p:spTgt spid="3">
+                                            <p:txEl>
+                                              <p:pRg st="2" end="2"/>
+                                            </p:txEl>
+                                          </p:spTgt>
+                                        </p:tgtEl>
+                                        <p:attrNameLst>
+                                          <p:attrName>ppt_y</p:attrName>
+                                        </p:attrNameLst>
+                                      </p:cBhvr>
+                                      <p:tavLst>
+                                        <p:tav tm="0">
+                                          <p:val>
+                                            <p:strVal val="#ppt_y+.1"/>
+                                          </p:val>
+                                        </p:tav>
+                                        <p:tav tm="100000">
+                                          <p:val>
+                                            <p:strVal val="#ppt_y"/>
+                                          </p:val>
+                                        </p:tav>
+                                      </p:tavLst>
+                                    </p:anim>
                                   </p:childTnLst>
                                 </p:cTn>
                               </p:par>
                               <p:par>
-                                <p:cTn id="14" presetID="16" presetClass="entr" presetSubtype="21" fill="hold" nodeType="withEffect">
+                                <p:cTn id="20" presetID="42" presetClass="entr" presetSubtype="0" fill="hold" nodeType="withEffect">
                                   <p:stCondLst>
                                     <p:cond delay="0"/>
                                   </p:stCondLst>
                                   <p:childTnLst>
                                     <p:set>
                                       <p:cBhvr>
-                                        <p:cTn id="15" dur="1" fill="hold">
+                                        <p:cTn id="21" dur="1" fill="hold">
                                           <p:stCondLst>
                                             <p:cond delay="0"/>
                                           </p:stCondLst>
@@ -13307,9 +14613,9 @@
                                         <p:strVal val="visible"/>
                                       </p:to>
                                     </p:set>
-                                    <p:animEffect transition="in" filter="barn(inVertical)">
-                                      <p:cBhvr>
-                                        <p:cTn id="16" dur="500"/>
+                                    <p:animEffect transition="in" filter="fade">
+                                      <p:cBhvr>
+                                        <p:cTn id="22" dur="1000"/>
                                         <p:tgtEl>
                                           <p:spTgt spid="3">
                                             <p:txEl>
@@ -13319,18 +14625,72 @@
                                         </p:tgtEl>
                                       </p:cBhvr>
                                     </p:animEffect>
+                                    <p:anim calcmode="lin" valueType="num">
+                                      <p:cBhvr>
+                                        <p:cTn id="23" dur="1000" fill="hold"/>
+                                        <p:tgtEl>
+                                          <p:spTgt spid="3">
+                                            <p:txEl>
+                                              <p:pRg st="3" end="3"/>
+                                            </p:txEl>
+                                          </p:spTgt>
+                                        </p:tgtEl>
+                                        <p:attrNameLst>
+                                          <p:attrName>ppt_x</p:attrName>
+                                        </p:attrNameLst>
+                                      </p:cBhvr>
+                                      <p:tavLst>
+                                        <p:tav tm="0">
+                                          <p:val>
+                                            <p:strVal val="#ppt_x"/>
+                                          </p:val>
+                                        </p:tav>
+                                        <p:tav tm="100000">
+                                          <p:val>
+                                            <p:strVal val="#ppt_x"/>
+                                          </p:val>
+                                        </p:tav>
+                                      </p:tavLst>
+                                    </p:anim>
+                                    <p:anim calcmode="lin" valueType="num">
+                                      <p:cBhvr>
+                                        <p:cTn id="24" dur="1000" fill="hold"/>
+                                        <p:tgtEl>
+                                          <p:spTgt spid="3">
+                                            <p:txEl>
+                                              <p:pRg st="3" end="3"/>
+                                            </p:txEl>
+                                          </p:spTgt>
+                                        </p:tgtEl>
+                                        <p:attrNameLst>
+                                          <p:attrName>ppt_y</p:attrName>
+                                        </p:attrNameLst>
+                                      </p:cBhvr>
+                                      <p:tavLst>
+                                        <p:tav tm="0">
+                                          <p:val>
+                                            <p:strVal val="#ppt_y+.1"/>
+                                          </p:val>
+                                        </p:tav>
+                                        <p:tav tm="100000">
+                                          <p:val>
+                                            <p:strVal val="#ppt_y"/>
+                                          </p:val>
+                                        </p:tav>
+                                      </p:tavLst>
+                                    </p:anim>
                                   </p:childTnLst>
                                 </p:cTn>
                               </p:par>
                               <p:par>
-                                <p:cTn id="17" presetID="16" presetClass="entr" presetSubtype="21" fill="hold" nodeType="withEffect">
+                                <p:cTn id="25" presetID="42" presetClass="entr" presetSubtype="0" fill="hold" nodeType="withEffect">
                                   <p:stCondLst>
                                     <p:cond delay="0"/>
                                   </p:stCondLst>
                                   <p:childTnLst>
                                     <p:set>
                                       <p:cBhvr>
-                                        <p:cTn id="18" dur="1" fill="hold">
+                                        <p:cTn id="26" dur="1" fill="hold">
                                           <p:stCondLst>
                                             <p:cond delay="0"/>
                                           </p:stCondLst>
@@ -13350,9 +14710,9 @@
                                         <p:strVal val="visible"/>
                                       </p:to>
                                     </p:set>
-                                    <p:animEffect transition="in" filter="barn(inVertical)">
-                                      <p:cBhvr>
-                                        <p:cTn id="19" dur="500"/>
+                                    <p:animEffect transition="in" filter="fade">
+                                      <p:cBhvr>
+                                        <p:cTn id="27" dur="1000"/>
                                         <p:tgtEl>
                                           <p:spTgt spid="3">
                                             <p:txEl>
@@ -13362,6 +14722,60 @@
                                         </p:tgtEl>
                                       </p:cBhvr>
                                     </p:animEffect>
+                                    <p:anim calcmode="lin" valueType="num">
+                                      <p:cBhvr>
+                                        <p:cTn id="28" dur="1000" fill="hold"/>
+                                        <p:tgtEl>
+                                          <p:spTgt spid="3">
+                                            <p:txEl>
+                                              <p:pRg st="4" end="4"/>
+                                            </p:txEl>
+                                          </p:spTgt>
+                                        </p:tgtEl>
+                                        <p:attrNameLst>
+                                          <p:attrName>ppt_x</p:attrName>
+                                        </p:attrNameLst>
+                                      </p:cBhvr>
+                                      <p:tavLst>
+                                        <p:tav tm="0">
+                                          <p:val>
+                                            <p:strVal val="#ppt_x"/>
+                                          </p:val>
+                                        </p:tav>
+                                        <p:tav tm="100000">
+                                          <p:val>
+                                            <p:strVal val="#ppt_x"/>
+                                          </p:val>
+                                        </p:tav>
+                                      </p:tavLst>
+                                    </p:anim>
+                                    <p:anim calcmode="lin" valueType="num">
+                                      <p:cBhvr>
+                                        <p:cTn id="29" dur="1000" fill="hold"/>
+                                        <p:tgtEl>
+                                          <p:spTgt spid="3">
+                                            <p:txEl>
+                                              <p:pRg st="4" end="4"/>
+                                            </p:txEl>
+                                          </p:spTgt>
+                                        </p:tgtEl>
+                                        <p:attrNameLst>
+                                          <p:attrName>ppt_y</p:attrName>
+                                        </p:attrNameLst>
+                                      </p:cBhvr>
+                                      <p:tavLst>
+                                        <p:tav tm="0">
+                                          <p:val>
+                                            <p:strVal val="#ppt_y+.1"/>
+                                          </p:val>
+                                        </p:tav>
+                                        <p:tav tm="100000">
+                                          <p:val>
+                                            <p:strVal val="#ppt_y"/>
+                                          </p:val>
+                                        </p:tav>
+                                      </p:tavLst>
+                                    </p:anim>
                                   </p:childTnLst>
                                 </p:cTn>
                               </p:par>
@@ -13519,7 +14933,7 @@
               <a:t>计算一个用数表示的列的</a:t>
             </a:r>
             <a:r>
-              <a:rPr lang="en-US" altLang="zh-CN" dirty="0" err="1"/>
+              <a:rPr lang="en-US" altLang="zh-CN" dirty="0"/>
               <a:t>DataFrame</a:t>
             </a:r>
             <a:r>
@@ -13535,7 +14949,7 @@
               <a:t>这个算法的结果有以下确定性的范围：如果</a:t>
             </a:r>
             <a:r>
-              <a:rPr lang="en-US" altLang="zh-CN" dirty="0" err="1"/>
+              <a:rPr lang="en-US" altLang="zh-CN" dirty="0"/>
               <a:t>DataFrame</a:t>
             </a:r>
             <a:r>
@@ -13567,7 +14981,7 @@
               <a:t>算法将从</a:t>
             </a:r>
             <a:r>
-              <a:rPr lang="en-US" altLang="zh-CN" dirty="0" err="1"/>
+              <a:rPr lang="en-US" altLang="zh-CN" dirty="0"/>
               <a:t>DataFrame</a:t>
             </a:r>
             <a:r>
@@ -13575,8 +14989,8 @@
               <a:t>返回一个样本</a:t>
             </a:r>
             <a:r>
-              <a:rPr lang="en-US" altLang="zh-CN" dirty="0" err="1"/>
-              <a:t>x,x</a:t>
+              <a:rPr lang="en-US" altLang="zh-CN" dirty="0"/>
+              <a:t>X,X</a:t>
             </a:r>
             <a:r>
               <a:rPr lang="zh-CN" altLang="en-US" dirty="0"/>
@@ -13606,7 +15020,7 @@
           <a:p>
             <a:pPr lvl="1"/>
             <a:r>
-              <a:rPr lang="en-US" altLang="zh-CN" b="1" dirty="0" err="1"/>
+              <a:rPr lang="en-US" altLang="zh-CN" b="1" dirty="0"/>
               <a:t>relativeError</a:t>
             </a:r>
             <a:r>
@@ -13663,7 +15077,7 @@
                             </p:stCondLst>
                             <p:childTnLst>
                               <p:par>
-                                <p:cTn id="5" presetID="16" presetClass="entr" presetSubtype="21" fill="hold" nodeType="clickEffect">
+                                <p:cTn id="5" presetID="2" presetClass="entr" presetSubtype="4" fill="hold" nodeType="clickEffect">
                                   <p:stCondLst>
                                     <p:cond delay="0"/>
                                   </p:stCondLst>
@@ -13678,7 +15092,7 @@
                                         <p:tgtEl>
                                           <p:spTgt spid="3">
                                             <p:txEl>
-                                              <p:pRg st="1" end="1"/>
+                                              <p:pRg st="0" end="0"/>
                                             </p:txEl>
                                           </p:spTgt>
                                         </p:tgtEl>
@@ -13690,147 +15104,60 @@
                                         <p:strVal val="visible"/>
                                       </p:to>
                                     </p:set>
-                                    <p:animEffect transition="in" filter="barn(inVertical)">
-                                      <p:cBhvr>
-                                        <p:cTn id="7" dur="500"/>
-                                        <p:tgtEl>
-                                          <p:spTgt spid="3">
-                                            <p:txEl>
-                                              <p:pRg st="1" end="1"/>
-                                            </p:txEl>
-                                          </p:spTgt>
-                                        </p:tgtEl>
-                                      </p:cBhvr>
-                                    </p:animEffect>
-                                  </p:childTnLst>
-                                </p:cTn>
-                              </p:par>
-                              <p:par>
-                                <p:cTn id="8" presetID="16" presetClass="entr" presetSubtype="21" fill="hold" nodeType="withEffect">
-                                  <p:stCondLst>
-                                    <p:cond delay="0"/>
-                                  </p:stCondLst>
-                                  <p:childTnLst>
-                                    <p:set>
-                                      <p:cBhvr>
-                                        <p:cTn id="9" dur="1" fill="hold">
-                                          <p:stCondLst>
-                                            <p:cond delay="0"/>
-                                          </p:stCondLst>
-                                        </p:cTn>
-                                        <p:tgtEl>
-                                          <p:spTgt spid="3">
-                                            <p:txEl>
-                                              <p:pRg st="2" end="2"/>
-                                            </p:txEl>
-                                          </p:spTgt>
-                                        </p:tgtEl>
-                                        <p:attrNameLst>
-                                          <p:attrName>style.visibility</p:attrName>
-                                        </p:attrNameLst>
-                                      </p:cBhvr>
-                                      <p:to>
-                                        <p:strVal val="visible"/>
-                                      </p:to>
-                                    </p:set>
-                                    <p:animEffect transition="in" filter="barn(inVertical)">
-                                      <p:cBhvr>
-                                        <p:cTn id="10" dur="500"/>
-                                        <p:tgtEl>
-                                          <p:spTgt spid="3">
-                                            <p:txEl>
-                                              <p:pRg st="2" end="2"/>
-                                            </p:txEl>
-                                          </p:spTgt>
-                                        </p:tgtEl>
-                                      </p:cBhvr>
-                                    </p:animEffect>
-                                  </p:childTnLst>
-                                </p:cTn>
-                              </p:par>
-                              <p:par>
-                                <p:cTn id="11" presetID="16" presetClass="entr" presetSubtype="21" fill="hold" nodeType="withEffect">
-                                  <p:stCondLst>
-                                    <p:cond delay="0"/>
-                                  </p:stCondLst>
-                                  <p:childTnLst>
-                                    <p:set>
-                                      <p:cBhvr>
-                                        <p:cTn id="12" dur="1" fill="hold">
-                                          <p:stCondLst>
-                                            <p:cond delay="0"/>
-                                          </p:stCondLst>
-                                        </p:cTn>
-                                        <p:tgtEl>
-                                          <p:spTgt spid="3">
-                                            <p:txEl>
-                                              <p:pRg st="3" end="3"/>
-                                            </p:txEl>
-                                          </p:spTgt>
-                                        </p:tgtEl>
-                                        <p:attrNameLst>
-                                          <p:attrName>style.visibility</p:attrName>
-                                        </p:attrNameLst>
-                                      </p:cBhvr>
-                                      <p:to>
-                                        <p:strVal val="visible"/>
-                                      </p:to>
-                                    </p:set>
-                                    <p:animEffect transition="in" filter="barn(inVertical)">
-                                      <p:cBhvr>
-                                        <p:cTn id="13" dur="500"/>
-                                        <p:tgtEl>
-                                          <p:spTgt spid="3">
-                                            <p:txEl>
-                                              <p:pRg st="3" end="3"/>
-                                            </p:txEl>
-                                          </p:spTgt>
-                                        </p:tgtEl>
-                                      </p:cBhvr>
-                                    </p:animEffect>
-                                  </p:childTnLst>
-                                </p:cTn>
-                              </p:par>
-                              <p:par>
-                                <p:cTn id="14" presetID="16" presetClass="entr" presetSubtype="21" fill="hold" nodeType="withEffect">
-                                  <p:stCondLst>
-                                    <p:cond delay="0"/>
-                                  </p:stCondLst>
-                                  <p:childTnLst>
-                                    <p:set>
-                                      <p:cBhvr>
-                                        <p:cTn id="15" dur="1" fill="hold">
-                                          <p:stCondLst>
-                                            <p:cond delay="0"/>
-                                          </p:stCondLst>
-                                        </p:cTn>
-                                        <p:tgtEl>
-                                          <p:spTgt spid="3">
-                                            <p:txEl>
-                                              <p:pRg st="4" end="4"/>
-                                            </p:txEl>
-                                          </p:spTgt>
-                                        </p:tgtEl>
-                                        <p:attrNameLst>
-                                          <p:attrName>style.visibility</p:attrName>
-                                        </p:attrNameLst>
-                                      </p:cBhvr>
-                                      <p:to>
-                                        <p:strVal val="visible"/>
-                                      </p:to>
-                                    </p:set>
-                                    <p:animEffect transition="in" filter="barn(inVertical)">
-                                      <p:cBhvr>
-                                        <p:cTn id="16" dur="500"/>
-                                        <p:tgtEl>
-                                          <p:spTgt spid="3">
-                                            <p:txEl>
-                                              <p:pRg st="4" end="4"/>
-                                            </p:txEl>
-                                          </p:spTgt>
-                                        </p:tgtEl>
-                                      </p:cBhvr>
-                                    </p:animEffect>
+                                    <p:anim calcmode="lin" valueType="num">
+                                      <p:cBhvr additive="base">
+                                        <p:cTn id="7" dur="500" fill="hold"/>
+                                        <p:tgtEl>
+                                          <p:spTgt spid="3">
+                                            <p:txEl>
+                                              <p:pRg st="0" end="0"/>
+                                            </p:txEl>
+                                          </p:spTgt>
+                                        </p:tgtEl>
+                                        <p:attrNameLst>
+                                          <p:attrName>ppt_x</p:attrName>
+                                        </p:attrNameLst>
+                                      </p:cBhvr>
+                                      <p:tavLst>
+                                        <p:tav tm="0">
+                                          <p:val>
+                                            <p:strVal val="#ppt_x"/>
+                                          </p:val>
+                                        </p:tav>
+                                        <p:tav tm="100000">
+                                          <p:val>
+                                            <p:strVal val="#ppt_x"/>
+                                          </p:val>
+                                        </p:tav>
+                                      </p:tavLst>
+                                    </p:anim>
+                                    <p:anim calcmode="lin" valueType="num">
+                                      <p:cBhvr additive="base">
+                                        <p:cTn id="8" dur="500" fill="hold"/>
+                                        <p:tgtEl>
+                                          <p:spTgt spid="3">
+                                            <p:txEl>
+                                              <p:pRg st="0" end="0"/>
+                                            </p:txEl>
+                                          </p:spTgt>
+                                        </p:tgtEl>
+                                        <p:attrNameLst>
+                                          <p:attrName>ppt_y</p:attrName>
+                                        </p:attrNameLst>
+                                      </p:cBhvr>
+                                      <p:tavLst>
+                                        <p:tav tm="0">
+                                          <p:val>
+                                            <p:strVal val="1+#ppt_h/2"/>
+                                          </p:val>
+                                        </p:tav>
+                                        <p:tav tm="100000">
+                                          <p:val>
+                                            <p:strVal val="#ppt_y"/>
+                                          </p:val>
+                                        </p:tav>
+                                      </p:tavLst>
+                                    </p:anim>
                                   </p:childTnLst>
                                 </p:cTn>
                               </p:par>
@@ -13841,25 +15168,195 @@
                     </p:cTn>
                   </p:par>
                   <p:par>
-                    <p:cTn id="17" fill="hold">
+                    <p:cTn id="9" fill="hold">
                       <p:stCondLst>
                         <p:cond delay="indefinite"/>
                       </p:stCondLst>
                       <p:childTnLst>
                         <p:par>
-                          <p:cTn id="18" fill="hold">
+                          <p:cTn id="10" fill="hold">
                             <p:stCondLst>
                               <p:cond delay="0"/>
                             </p:stCondLst>
                             <p:childTnLst>
                               <p:par>
-                                <p:cTn id="19" presetID="6" presetClass="entr" presetSubtype="16" fill="hold" nodeType="clickEffect">
+                                <p:cTn id="11" presetID="2" presetClass="entr" presetSubtype="4" fill="hold" nodeType="clickEffect">
                                   <p:stCondLst>
                                     <p:cond delay="0"/>
                                   </p:stCondLst>
                                   <p:childTnLst>
                                     <p:set>
                                       <p:cBhvr>
+                                        <p:cTn id="12" dur="1" fill="hold">
+                                          <p:stCondLst>
+                                            <p:cond delay="0"/>
+                                          </p:stCondLst>
+                                        </p:cTn>
+                                        <p:tgtEl>
+                                          <p:spTgt spid="3">
+                                            <p:txEl>
+                                              <p:pRg st="1" end="1"/>
+                                            </p:txEl>
+                                          </p:spTgt>
+                                        </p:tgtEl>
+                                        <p:attrNameLst>
+                                          <p:attrName>style.visibility</p:attrName>
+                                        </p:attrNameLst>
+                                      </p:cBhvr>
+                                      <p:to>
+                                        <p:strVal val="visible"/>
+                                      </p:to>
+                                    </p:set>
+                                    <p:anim calcmode="lin" valueType="num">
+                                      <p:cBhvr additive="base">
+                                        <p:cTn id="13" dur="500" fill="hold"/>
+                                        <p:tgtEl>
+                                          <p:spTgt spid="3">
+                                            <p:txEl>
+                                              <p:pRg st="1" end="1"/>
+                                            </p:txEl>
+                                          </p:spTgt>
+                                        </p:tgtEl>
+                                        <p:attrNameLst>
+                                          <p:attrName>ppt_x</p:attrName>
+                                        </p:attrNameLst>
+                                      </p:cBhvr>
+                                      <p:tavLst>
+                                        <p:tav tm="0">
+                                          <p:val>
+                                            <p:strVal val="#ppt_x"/>
+                                          </p:val>
+                                        </p:tav>
+                                        <p:tav tm="100000">
+                                          <p:val>
+                                            <p:strVal val="#ppt_x"/>
+                                          </p:val>
+                                        </p:tav>
+                                      </p:tavLst>
+                                    </p:anim>
+                                    <p:anim calcmode="lin" valueType="num">
+                                      <p:cBhvr additive="base">
+                                        <p:cTn id="14" dur="500" fill="hold"/>
+                                        <p:tgtEl>
+                                          <p:spTgt spid="3">
+                                            <p:txEl>
+                                              <p:pRg st="1" end="1"/>
+                                            </p:txEl>
+                                          </p:spTgt>
+                                        </p:tgtEl>
+                                        <p:attrNameLst>
+                                          <p:attrName>ppt_y</p:attrName>
+                                        </p:attrNameLst>
+                                      </p:cBhvr>
+                                      <p:tavLst>
+                                        <p:tav tm="0">
+                                          <p:val>
+                                            <p:strVal val="1+#ppt_h/2"/>
+                                          </p:val>
+                                        </p:tav>
+                                        <p:tav tm="100000">
+                                          <p:val>
+                                            <p:strVal val="#ppt_y"/>
+                                          </p:val>
+                                        </p:tav>
+                                      </p:tavLst>
+                                    </p:anim>
+                                  </p:childTnLst>
+                                </p:cTn>
+                              </p:par>
+                              <p:par>
+                                <p:cTn id="15" presetID="2" presetClass="entr" presetSubtype="4" fill="hold" nodeType="withEffect">
+                                  <p:stCondLst>
+                                    <p:cond delay="0"/>
+                                  </p:stCondLst>
+                                  <p:childTnLst>
+                                    <p:set>
+                                      <p:cBhvr>
+                                        <p:cTn id="16" dur="1" fill="hold">
+                                          <p:stCondLst>
+                                            <p:cond delay="0"/>
+                                          </p:stCondLst>
+                                        </p:cTn>
+                                        <p:tgtEl>
+                                          <p:spTgt spid="3">
+                                            <p:txEl>
+                                              <p:pRg st="2" end="2"/>
+                                            </p:txEl>
+                                          </p:spTgt>
+                                        </p:tgtEl>
+                                        <p:attrNameLst>
+                                          <p:attrName>style.visibility</p:attrName>
+                                        </p:attrNameLst>
+                                      </p:cBhvr>
+                                      <p:to>
+                                        <p:strVal val="visible"/>
+                                      </p:to>
+                                    </p:set>
+                                    <p:anim calcmode="lin" valueType="num">
+                                      <p:cBhvr additive="base">
+                                        <p:cTn id="17" dur="500" fill="hold"/>
+                                        <p:tgtEl>
+                                          <p:spTgt spid="3">
+                                            <p:txEl>
+                                              <p:pRg st="2" end="2"/>
+                                            </p:txEl>
+                                          </p:spTgt>
+                                        </p:tgtEl>
+                                        <p:attrNameLst>
+                                          <p:attrName>ppt_x</p:attrName>
+                                        </p:attrNameLst>
+                                      </p:cBhvr>
+                                      <p:tavLst>
+                                        <p:tav tm="0">
+                                          <p:val>
+                                            <p:strVal val="#ppt_x"/>
+                                          </p:val>
+                                        </p:tav>
+                                        <p:tav tm="100000">
+                                          <p:val>
+                                            <p:strVal val="#ppt_x"/>
+                                          </p:val>
+                                        </p:tav>
+                                      </p:tavLst>
+                                    </p:anim>
+                                    <p:anim calcmode="lin" valueType="num">
+                                      <p:cBhvr additive="base">
+                                        <p:cTn id="18" dur="500" fill="hold"/>
+                                        <p:tgtEl>
+                                          <p:spTgt spid="3">
+                                            <p:txEl>
+                                              <p:pRg st="2" end="2"/>
+                                            </p:txEl>
+                                          </p:spTgt>
+                                        </p:tgtEl>
+                                        <p:attrNameLst>
+                                          <p:attrName>ppt_y</p:attrName>
+                                        </p:attrNameLst>
+                                      </p:cBhvr>
+                                      <p:tavLst>
+                                        <p:tav tm="0">
+                                          <p:val>
+                                            <p:strVal val="1+#ppt_h/2"/>
+                                          </p:val>
+                                        </p:tav>
+                                        <p:tav tm="100000">
+                                          <p:val>
+                                            <p:strVal val="#ppt_y"/>
+                                          </p:val>
+                                        </p:tav>
+                                      </p:tavLst>
+                                    </p:anim>
+                                  </p:childTnLst>
+                                </p:cTn>
+                              </p:par>
+                              <p:par>
+                                <p:cTn id="19" presetID="2" presetClass="entr" presetSubtype="4" fill="hold" nodeType="withEffect">
+                                  <p:stCondLst>
+                                    <p:cond delay="0"/>
+                                  </p:stCondLst>
+                                  <p:childTnLst>
+                                    <p:set>
+                                      <p:cBhvr>
                                         <p:cTn id="20" dur="1" fill="hold">
                                           <p:stCondLst>
                                             <p:cond delay="0"/>
@@ -13868,7 +15365,7 @@
                                         <p:tgtEl>
                                           <p:spTgt spid="3">
                                             <p:txEl>
-                                              <p:pRg st="0" end="0"/>
+                                              <p:pRg st="3" end="3"/>
                                             </p:txEl>
                                           </p:spTgt>
                                         </p:tgtEl>
@@ -13880,18 +15377,145 @@
                                         <p:strVal val="visible"/>
                                       </p:to>
                                     </p:set>
-                                    <p:animEffect transition="in" filter="circle(in)">
-                                      <p:cBhvr>
-                                        <p:cTn id="21" dur="2000"/>
-                                        <p:tgtEl>
-                                          <p:spTgt spid="3">
-                                            <p:txEl>
-                                              <p:pRg st="0" end="0"/>
-                                            </p:txEl>
-                                          </p:spTgt>
-                                        </p:tgtEl>
-                                      </p:cBhvr>
-                                    </p:animEffect>
+                                    <p:anim calcmode="lin" valueType="num">
+                                      <p:cBhvr additive="base">
+                                        <p:cTn id="21" dur="500" fill="hold"/>
+                                        <p:tgtEl>
+                                          <p:spTgt spid="3">
+                                            <p:txEl>
+                                              <p:pRg st="3" end="3"/>
+                                            </p:txEl>
+                                          </p:spTgt>
+                                        </p:tgtEl>
+                                        <p:attrNameLst>
+                                          <p:attrName>ppt_x</p:attrName>
+                                        </p:attrNameLst>
+                                      </p:cBhvr>
+                                      <p:tavLst>
+                                        <p:tav tm="0">
+                                          <p:val>
+                                            <p:strVal val="#ppt_x"/>
+                                          </p:val>
+                                        </p:tav>
+                                        <p:tav tm="100000">
+                                          <p:val>
+                                            <p:strVal val="#ppt_x"/>
+                                          </p:val>
+                                        </p:tav>
+                                      </p:tavLst>
+                                    </p:anim>
+                                    <p:anim calcmode="lin" valueType="num">
+                                      <p:cBhvr additive="base">
+                                        <p:cTn id="22" dur="500" fill="hold"/>
+                                        <p:tgtEl>
+                                          <p:spTgt spid="3">
+                                            <p:txEl>
+                                              <p:pRg st="3" end="3"/>
+                                            </p:txEl>
+                                          </p:spTgt>
+                                        </p:tgtEl>
+                                        <p:attrNameLst>
+                                          <p:attrName>ppt_y</p:attrName>
+                                        </p:attrNameLst>
+                                      </p:cBhvr>
+                                      <p:tavLst>
+                                        <p:tav tm="0">
+                                          <p:val>
+                                            <p:strVal val="1+#ppt_h/2"/>
+                                          </p:val>
+                                        </p:tav>
+                                        <p:tav tm="100000">
+                                          <p:val>
+                                            <p:strVal val="#ppt_y"/>
+                                          </p:val>
+                                        </p:tav>
+                                      </p:tavLst>
+                                    </p:anim>
+                                  </p:childTnLst>
+                                </p:cTn>
+                              </p:par>
+                              <p:par>
+                                <p:cTn id="23" presetID="2" presetClass="entr" presetSubtype="4" fill="hold" nodeType="withEffect">
+                                  <p:stCondLst>
+                                    <p:cond delay="0"/>
+                                  </p:stCondLst>
+                                  <p:childTnLst>
+                                    <p:set>
+                                      <p:cBhvr>
+                                        <p:cTn id="24" dur="1" fill="hold">
+                                          <p:stCondLst>
+                                            <p:cond delay="0"/>
+                                          </p:stCondLst>
+                                        </p:cTn>
+                                        <p:tgtEl>
+                                          <p:spTgt spid="3">
+                                            <p:txEl>
+                                              <p:pRg st="4" end="4"/>
+                                            </p:txEl>
+                                          </p:spTgt>
+                                        </p:tgtEl>
+                                        <p:attrNameLst>
+                                          <p:attrName>style.visibility</p:attrName>
+                                        </p:attrNameLst>
+                                      </p:cBhvr>
+                                      <p:to>
+                                        <p:strVal val="visible"/>
+                                      </p:to>
+                                    </p:set>
+                                    <p:anim calcmode="lin" valueType="num">
+                                      <p:cBhvr additive="base">
+                                        <p:cTn id="25" dur="500" fill="hold"/>
+                                        <p:tgtEl>
+                                          <p:spTgt spid="3">
+                                            <p:txEl>
+                                              <p:pRg st="4" end="4"/>
+                                            </p:txEl>
+                                          </p:spTgt>
+                                        </p:tgtEl>
+                                        <p:attrNameLst>
+                                          <p:attrName>ppt_x</p:attrName>
+                                        </p:attrNameLst>
+                                      </p:cBhvr>
+                                      <p:tavLst>
+                                        <p:tav tm="0">
+                                          <p:val>
+                                            <p:strVal val="#ppt_x"/>
+                                          </p:val>
+                                        </p:tav>
+                                        <p:tav tm="100000">
+                                          <p:val>
+                                            <p:strVal val="#ppt_x"/>
+                                          </p:val>
+                                        </p:tav>
+                                      </p:tavLst>
+                                    </p:anim>
+                                    <p:anim calcmode="lin" valueType="num">
+                                      <p:cBhvr additive="base">
+                                        <p:cTn id="26" dur="500" fill="hold"/>
+                                        <p:tgtEl>
+                                          <p:spTgt spid="3">
+                                            <p:txEl>
+                                              <p:pRg st="4" end="4"/>
+                                            </p:txEl>
+                                          </p:spTgt>
+                                        </p:tgtEl>
+                                        <p:attrNameLst>
+                                          <p:attrName>ppt_y</p:attrName>
+                                        </p:attrNameLst>
+                                      </p:cBhvr>
+                                      <p:tavLst>
+                                        <p:tav tm="0">
+                                          <p:val>
+                                            <p:strVal val="1+#ppt_h/2"/>
+                                          </p:val>
+                                        </p:tav>
+                                        <p:tav tm="100000">
+                                          <p:val>
+                                            <p:strVal val="#ppt_y"/>
+                                          </p:val>
+                                        </p:tav>
+                                      </p:tavLst>
+                                    </p:anim>
                                   </p:childTnLst>
                                 </p:cTn>
                               </p:par>
@@ -13959,7 +15583,12 @@
             <p:ph type="title"/>
           </p:nvPr>
         </p:nvSpPr>
-        <p:spPr/>
+        <p:spPr>
+          <a:xfrm>
+            <a:off x="685801" y="383796"/>
+            <a:ext cx="10131425" cy="1456267"/>
+          </a:xfrm>
+        </p:spPr>
         <p:txBody>
           <a:bodyPr/>
           <a:lstStyle/>
@@ -13995,10 +15624,15 @@
             <p:ph idx="1"/>
           </p:nvPr>
         </p:nvSpPr>
-        <p:spPr/>
+        <p:spPr>
+          <a:xfrm>
+            <a:off x="685801" y="1840063"/>
+            <a:ext cx="10488335" cy="4715933"/>
+          </a:xfrm>
+        </p:spPr>
         <p:txBody>
           <a:bodyPr>
-            <a:normAutofit fontScale="62500" lnSpcReduction="20000"/>
+            <a:normAutofit fontScale="92500" lnSpcReduction="20000"/>
           </a:bodyPr>
           <a:lstStyle/>
           <a:p>
@@ -14221,6 +15855,1195 @@
   <p:clrMapOvr>
     <a:masterClrMapping/>
   </p:clrMapOvr>
+  <p:timing>
+    <p:tnLst>
+      <p:par>
+        <p:cTn id="1" dur="indefinite" restart="never" nodeType="tmRoot">
+          <p:childTnLst>
+            <p:seq concurrent="1" nextAc="seek">
+              <p:cTn id="2" dur="indefinite" nodeType="mainSeq">
+                <p:childTnLst>
+                  <p:par>
+                    <p:cTn id="3" fill="hold">
+                      <p:stCondLst>
+                        <p:cond delay="indefinite"/>
+                      </p:stCondLst>
+                      <p:childTnLst>
+                        <p:par>
+                          <p:cTn id="4" fill="hold">
+                            <p:stCondLst>
+                              <p:cond delay="0"/>
+                            </p:stCondLst>
+                            <p:childTnLst>
+                              <p:par>
+                                <p:cTn id="5" presetID="2" presetClass="entr" presetSubtype="4" fill="hold" nodeType="clickEffect">
+                                  <p:stCondLst>
+                                    <p:cond delay="0"/>
+                                  </p:stCondLst>
+                                  <p:childTnLst>
+                                    <p:set>
+                                      <p:cBhvr>
+                                        <p:cTn id="6" dur="1" fill="hold">
+                                          <p:stCondLst>
+                                            <p:cond delay="0"/>
+                                          </p:stCondLst>
+                                        </p:cTn>
+                                        <p:tgtEl>
+                                          <p:spTgt spid="3">
+                                            <p:txEl>
+                                              <p:pRg st="0" end="0"/>
+                                            </p:txEl>
+                                          </p:spTgt>
+                                        </p:tgtEl>
+                                        <p:attrNameLst>
+                                          <p:attrName>style.visibility</p:attrName>
+                                        </p:attrNameLst>
+                                      </p:cBhvr>
+                                      <p:to>
+                                        <p:strVal val="visible"/>
+                                      </p:to>
+                                    </p:set>
+                                    <p:anim calcmode="lin" valueType="num">
+                                      <p:cBhvr additive="base">
+                                        <p:cTn id="7" dur="500" fill="hold"/>
+                                        <p:tgtEl>
+                                          <p:spTgt spid="3">
+                                            <p:txEl>
+                                              <p:pRg st="0" end="0"/>
+                                            </p:txEl>
+                                          </p:spTgt>
+                                        </p:tgtEl>
+                                        <p:attrNameLst>
+                                          <p:attrName>ppt_x</p:attrName>
+                                        </p:attrNameLst>
+                                      </p:cBhvr>
+                                      <p:tavLst>
+                                        <p:tav tm="0">
+                                          <p:val>
+                                            <p:strVal val="#ppt_x"/>
+                                          </p:val>
+                                        </p:tav>
+                                        <p:tav tm="100000">
+                                          <p:val>
+                                            <p:strVal val="#ppt_x"/>
+                                          </p:val>
+                                        </p:tav>
+                                      </p:tavLst>
+                                    </p:anim>
+                                    <p:anim calcmode="lin" valueType="num">
+                                      <p:cBhvr additive="base">
+                                        <p:cTn id="8" dur="500" fill="hold"/>
+                                        <p:tgtEl>
+                                          <p:spTgt spid="3">
+                                            <p:txEl>
+                                              <p:pRg st="0" end="0"/>
+                                            </p:txEl>
+                                          </p:spTgt>
+                                        </p:tgtEl>
+                                        <p:attrNameLst>
+                                          <p:attrName>ppt_y</p:attrName>
+                                        </p:attrNameLst>
+                                      </p:cBhvr>
+                                      <p:tavLst>
+                                        <p:tav tm="0">
+                                          <p:val>
+                                            <p:strVal val="1+#ppt_h/2"/>
+                                          </p:val>
+                                        </p:tav>
+                                        <p:tav tm="100000">
+                                          <p:val>
+                                            <p:strVal val="#ppt_y"/>
+                                          </p:val>
+                                        </p:tav>
+                                      </p:tavLst>
+                                    </p:anim>
+                                  </p:childTnLst>
+                                </p:cTn>
+                              </p:par>
+                            </p:childTnLst>
+                          </p:cTn>
+                        </p:par>
+                      </p:childTnLst>
+                    </p:cTn>
+                  </p:par>
+                  <p:par>
+                    <p:cTn id="9" fill="hold">
+                      <p:stCondLst>
+                        <p:cond delay="indefinite"/>
+                      </p:stCondLst>
+                      <p:childTnLst>
+                        <p:par>
+                          <p:cTn id="10" fill="hold">
+                            <p:stCondLst>
+                              <p:cond delay="0"/>
+                            </p:stCondLst>
+                            <p:childTnLst>
+                              <p:par>
+                                <p:cTn id="11" presetID="2" presetClass="entr" presetSubtype="4" fill="hold" nodeType="clickEffect">
+                                  <p:stCondLst>
+                                    <p:cond delay="0"/>
+                                  </p:stCondLst>
+                                  <p:childTnLst>
+                                    <p:set>
+                                      <p:cBhvr>
+                                        <p:cTn id="12" dur="1" fill="hold">
+                                          <p:stCondLst>
+                                            <p:cond delay="0"/>
+                                          </p:stCondLst>
+                                        </p:cTn>
+                                        <p:tgtEl>
+                                          <p:spTgt spid="3">
+                                            <p:txEl>
+                                              <p:pRg st="1" end="1"/>
+                                            </p:txEl>
+                                          </p:spTgt>
+                                        </p:tgtEl>
+                                        <p:attrNameLst>
+                                          <p:attrName>style.visibility</p:attrName>
+                                        </p:attrNameLst>
+                                      </p:cBhvr>
+                                      <p:to>
+                                        <p:strVal val="visible"/>
+                                      </p:to>
+                                    </p:set>
+                                    <p:anim calcmode="lin" valueType="num">
+                                      <p:cBhvr additive="base">
+                                        <p:cTn id="13" dur="500" fill="hold"/>
+                                        <p:tgtEl>
+                                          <p:spTgt spid="3">
+                                            <p:txEl>
+                                              <p:pRg st="1" end="1"/>
+                                            </p:txEl>
+                                          </p:spTgt>
+                                        </p:tgtEl>
+                                        <p:attrNameLst>
+                                          <p:attrName>ppt_x</p:attrName>
+                                        </p:attrNameLst>
+                                      </p:cBhvr>
+                                      <p:tavLst>
+                                        <p:tav tm="0">
+                                          <p:val>
+                                            <p:strVal val="#ppt_x"/>
+                                          </p:val>
+                                        </p:tav>
+                                        <p:tav tm="100000">
+                                          <p:val>
+                                            <p:strVal val="#ppt_x"/>
+                                          </p:val>
+                                        </p:tav>
+                                      </p:tavLst>
+                                    </p:anim>
+                                    <p:anim calcmode="lin" valueType="num">
+                                      <p:cBhvr additive="base">
+                                        <p:cTn id="14" dur="500" fill="hold"/>
+                                        <p:tgtEl>
+                                          <p:spTgt spid="3">
+                                            <p:txEl>
+                                              <p:pRg st="1" end="1"/>
+                                            </p:txEl>
+                                          </p:spTgt>
+                                        </p:tgtEl>
+                                        <p:attrNameLst>
+                                          <p:attrName>ppt_y</p:attrName>
+                                        </p:attrNameLst>
+                                      </p:cBhvr>
+                                      <p:tavLst>
+                                        <p:tav tm="0">
+                                          <p:val>
+                                            <p:strVal val="1+#ppt_h/2"/>
+                                          </p:val>
+                                        </p:tav>
+                                        <p:tav tm="100000">
+                                          <p:val>
+                                            <p:strVal val="#ppt_y"/>
+                                          </p:val>
+                                        </p:tav>
+                                      </p:tavLst>
+                                    </p:anim>
+                                  </p:childTnLst>
+                                </p:cTn>
+                              </p:par>
+                              <p:par>
+                                <p:cTn id="15" presetID="2" presetClass="entr" presetSubtype="4" fill="hold" nodeType="withEffect">
+                                  <p:stCondLst>
+                                    <p:cond delay="0"/>
+                                  </p:stCondLst>
+                                  <p:childTnLst>
+                                    <p:set>
+                                      <p:cBhvr>
+                                        <p:cTn id="16" dur="1" fill="hold">
+                                          <p:stCondLst>
+                                            <p:cond delay="0"/>
+                                          </p:stCondLst>
+                                        </p:cTn>
+                                        <p:tgtEl>
+                                          <p:spTgt spid="3">
+                                            <p:txEl>
+                                              <p:pRg st="2" end="2"/>
+                                            </p:txEl>
+                                          </p:spTgt>
+                                        </p:tgtEl>
+                                        <p:attrNameLst>
+                                          <p:attrName>style.visibility</p:attrName>
+                                        </p:attrNameLst>
+                                      </p:cBhvr>
+                                      <p:to>
+                                        <p:strVal val="visible"/>
+                                      </p:to>
+                                    </p:set>
+                                    <p:anim calcmode="lin" valueType="num">
+                                      <p:cBhvr additive="base">
+                                        <p:cTn id="17" dur="500" fill="hold"/>
+                                        <p:tgtEl>
+                                          <p:spTgt spid="3">
+                                            <p:txEl>
+                                              <p:pRg st="2" end="2"/>
+                                            </p:txEl>
+                                          </p:spTgt>
+                                        </p:tgtEl>
+                                        <p:attrNameLst>
+                                          <p:attrName>ppt_x</p:attrName>
+                                        </p:attrNameLst>
+                                      </p:cBhvr>
+                                      <p:tavLst>
+                                        <p:tav tm="0">
+                                          <p:val>
+                                            <p:strVal val="#ppt_x"/>
+                                          </p:val>
+                                        </p:tav>
+                                        <p:tav tm="100000">
+                                          <p:val>
+                                            <p:strVal val="#ppt_x"/>
+                                          </p:val>
+                                        </p:tav>
+                                      </p:tavLst>
+                                    </p:anim>
+                                    <p:anim calcmode="lin" valueType="num">
+                                      <p:cBhvr additive="base">
+                                        <p:cTn id="18" dur="500" fill="hold"/>
+                                        <p:tgtEl>
+                                          <p:spTgt spid="3">
+                                            <p:txEl>
+                                              <p:pRg st="2" end="2"/>
+                                            </p:txEl>
+                                          </p:spTgt>
+                                        </p:tgtEl>
+                                        <p:attrNameLst>
+                                          <p:attrName>ppt_y</p:attrName>
+                                        </p:attrNameLst>
+                                      </p:cBhvr>
+                                      <p:tavLst>
+                                        <p:tav tm="0">
+                                          <p:val>
+                                            <p:strVal val="1+#ppt_h/2"/>
+                                          </p:val>
+                                        </p:tav>
+                                        <p:tav tm="100000">
+                                          <p:val>
+                                            <p:strVal val="#ppt_y"/>
+                                          </p:val>
+                                        </p:tav>
+                                      </p:tavLst>
+                                    </p:anim>
+                                  </p:childTnLst>
+                                </p:cTn>
+                              </p:par>
+                              <p:par>
+                                <p:cTn id="19" presetID="2" presetClass="entr" presetSubtype="4" fill="hold" nodeType="withEffect">
+                                  <p:stCondLst>
+                                    <p:cond delay="0"/>
+                                  </p:stCondLst>
+                                  <p:childTnLst>
+                                    <p:set>
+                                      <p:cBhvr>
+                                        <p:cTn id="20" dur="1" fill="hold">
+                                          <p:stCondLst>
+                                            <p:cond delay="0"/>
+                                          </p:stCondLst>
+                                        </p:cTn>
+                                        <p:tgtEl>
+                                          <p:spTgt spid="3">
+                                            <p:txEl>
+                                              <p:pRg st="3" end="3"/>
+                                            </p:txEl>
+                                          </p:spTgt>
+                                        </p:tgtEl>
+                                        <p:attrNameLst>
+                                          <p:attrName>style.visibility</p:attrName>
+                                        </p:attrNameLst>
+                                      </p:cBhvr>
+                                      <p:to>
+                                        <p:strVal val="visible"/>
+                                      </p:to>
+                                    </p:set>
+                                    <p:anim calcmode="lin" valueType="num">
+                                      <p:cBhvr additive="base">
+                                        <p:cTn id="21" dur="500" fill="hold"/>
+                                        <p:tgtEl>
+                                          <p:spTgt spid="3">
+                                            <p:txEl>
+                                              <p:pRg st="3" end="3"/>
+                                            </p:txEl>
+                                          </p:spTgt>
+                                        </p:tgtEl>
+                                        <p:attrNameLst>
+                                          <p:attrName>ppt_x</p:attrName>
+                                        </p:attrNameLst>
+                                      </p:cBhvr>
+                                      <p:tavLst>
+                                        <p:tav tm="0">
+                                          <p:val>
+                                            <p:strVal val="#ppt_x"/>
+                                          </p:val>
+                                        </p:tav>
+                                        <p:tav tm="100000">
+                                          <p:val>
+                                            <p:strVal val="#ppt_x"/>
+                                          </p:val>
+                                        </p:tav>
+                                      </p:tavLst>
+                                    </p:anim>
+                                    <p:anim calcmode="lin" valueType="num">
+                                      <p:cBhvr additive="base">
+                                        <p:cTn id="22" dur="500" fill="hold"/>
+                                        <p:tgtEl>
+                                          <p:spTgt spid="3">
+                                            <p:txEl>
+                                              <p:pRg st="3" end="3"/>
+                                            </p:txEl>
+                                          </p:spTgt>
+                                        </p:tgtEl>
+                                        <p:attrNameLst>
+                                          <p:attrName>ppt_y</p:attrName>
+                                        </p:attrNameLst>
+                                      </p:cBhvr>
+                                      <p:tavLst>
+                                        <p:tav tm="0">
+                                          <p:val>
+                                            <p:strVal val="1+#ppt_h/2"/>
+                                          </p:val>
+                                        </p:tav>
+                                        <p:tav tm="100000">
+                                          <p:val>
+                                            <p:strVal val="#ppt_y"/>
+                                          </p:val>
+                                        </p:tav>
+                                      </p:tavLst>
+                                    </p:anim>
+                                  </p:childTnLst>
+                                </p:cTn>
+                              </p:par>
+                              <p:par>
+                                <p:cTn id="23" presetID="2" presetClass="entr" presetSubtype="4" fill="hold" nodeType="withEffect">
+                                  <p:stCondLst>
+                                    <p:cond delay="0"/>
+                                  </p:stCondLst>
+                                  <p:childTnLst>
+                                    <p:set>
+                                      <p:cBhvr>
+                                        <p:cTn id="24" dur="1" fill="hold">
+                                          <p:stCondLst>
+                                            <p:cond delay="0"/>
+                                          </p:stCondLst>
+                                        </p:cTn>
+                                        <p:tgtEl>
+                                          <p:spTgt spid="3">
+                                            <p:txEl>
+                                              <p:pRg st="4" end="4"/>
+                                            </p:txEl>
+                                          </p:spTgt>
+                                        </p:tgtEl>
+                                        <p:attrNameLst>
+                                          <p:attrName>style.visibility</p:attrName>
+                                        </p:attrNameLst>
+                                      </p:cBhvr>
+                                      <p:to>
+                                        <p:strVal val="visible"/>
+                                      </p:to>
+                                    </p:set>
+                                    <p:anim calcmode="lin" valueType="num">
+                                      <p:cBhvr additive="base">
+                                        <p:cTn id="25" dur="500" fill="hold"/>
+                                        <p:tgtEl>
+                                          <p:spTgt spid="3">
+                                            <p:txEl>
+                                              <p:pRg st="4" end="4"/>
+                                            </p:txEl>
+                                          </p:spTgt>
+                                        </p:tgtEl>
+                                        <p:attrNameLst>
+                                          <p:attrName>ppt_x</p:attrName>
+                                        </p:attrNameLst>
+                                      </p:cBhvr>
+                                      <p:tavLst>
+                                        <p:tav tm="0">
+                                          <p:val>
+                                            <p:strVal val="#ppt_x"/>
+                                          </p:val>
+                                        </p:tav>
+                                        <p:tav tm="100000">
+                                          <p:val>
+                                            <p:strVal val="#ppt_x"/>
+                                          </p:val>
+                                        </p:tav>
+                                      </p:tavLst>
+                                    </p:anim>
+                                    <p:anim calcmode="lin" valueType="num">
+                                      <p:cBhvr additive="base">
+                                        <p:cTn id="26" dur="500" fill="hold"/>
+                                        <p:tgtEl>
+                                          <p:spTgt spid="3">
+                                            <p:txEl>
+                                              <p:pRg st="4" end="4"/>
+                                            </p:txEl>
+                                          </p:spTgt>
+                                        </p:tgtEl>
+                                        <p:attrNameLst>
+                                          <p:attrName>ppt_y</p:attrName>
+                                        </p:attrNameLst>
+                                      </p:cBhvr>
+                                      <p:tavLst>
+                                        <p:tav tm="0">
+                                          <p:val>
+                                            <p:strVal val="1+#ppt_h/2"/>
+                                          </p:val>
+                                        </p:tav>
+                                        <p:tav tm="100000">
+                                          <p:val>
+                                            <p:strVal val="#ppt_y"/>
+                                          </p:val>
+                                        </p:tav>
+                                      </p:tavLst>
+                                    </p:anim>
+                                  </p:childTnLst>
+                                </p:cTn>
+                              </p:par>
+                              <p:par>
+                                <p:cTn id="27" presetID="2" presetClass="entr" presetSubtype="4" fill="hold" nodeType="withEffect">
+                                  <p:stCondLst>
+                                    <p:cond delay="0"/>
+                                  </p:stCondLst>
+                                  <p:childTnLst>
+                                    <p:set>
+                                      <p:cBhvr>
+                                        <p:cTn id="28" dur="1" fill="hold">
+                                          <p:stCondLst>
+                                            <p:cond delay="0"/>
+                                          </p:stCondLst>
+                                        </p:cTn>
+                                        <p:tgtEl>
+                                          <p:spTgt spid="3">
+                                            <p:txEl>
+                                              <p:pRg st="5" end="5"/>
+                                            </p:txEl>
+                                          </p:spTgt>
+                                        </p:tgtEl>
+                                        <p:attrNameLst>
+                                          <p:attrName>style.visibility</p:attrName>
+                                        </p:attrNameLst>
+                                      </p:cBhvr>
+                                      <p:to>
+                                        <p:strVal val="visible"/>
+                                      </p:to>
+                                    </p:set>
+                                    <p:anim calcmode="lin" valueType="num">
+                                      <p:cBhvr additive="base">
+                                        <p:cTn id="29" dur="500" fill="hold"/>
+                                        <p:tgtEl>
+                                          <p:spTgt spid="3">
+                                            <p:txEl>
+                                              <p:pRg st="5" end="5"/>
+                                            </p:txEl>
+                                          </p:spTgt>
+                                        </p:tgtEl>
+                                        <p:attrNameLst>
+                                          <p:attrName>ppt_x</p:attrName>
+                                        </p:attrNameLst>
+                                      </p:cBhvr>
+                                      <p:tavLst>
+                                        <p:tav tm="0">
+                                          <p:val>
+                                            <p:strVal val="#ppt_x"/>
+                                          </p:val>
+                                        </p:tav>
+                                        <p:tav tm="100000">
+                                          <p:val>
+                                            <p:strVal val="#ppt_x"/>
+                                          </p:val>
+                                        </p:tav>
+                                      </p:tavLst>
+                                    </p:anim>
+                                    <p:anim calcmode="lin" valueType="num">
+                                      <p:cBhvr additive="base">
+                                        <p:cTn id="30" dur="500" fill="hold"/>
+                                        <p:tgtEl>
+                                          <p:spTgt spid="3">
+                                            <p:txEl>
+                                              <p:pRg st="5" end="5"/>
+                                            </p:txEl>
+                                          </p:spTgt>
+                                        </p:tgtEl>
+                                        <p:attrNameLst>
+                                          <p:attrName>ppt_y</p:attrName>
+                                        </p:attrNameLst>
+                                      </p:cBhvr>
+                                      <p:tavLst>
+                                        <p:tav tm="0">
+                                          <p:val>
+                                            <p:strVal val="1+#ppt_h/2"/>
+                                          </p:val>
+                                        </p:tav>
+                                        <p:tav tm="100000">
+                                          <p:val>
+                                            <p:strVal val="#ppt_y"/>
+                                          </p:val>
+                                        </p:tav>
+                                      </p:tavLst>
+                                    </p:anim>
+                                  </p:childTnLst>
+                                </p:cTn>
+                              </p:par>
+                              <p:par>
+                                <p:cTn id="31" presetID="2" presetClass="entr" presetSubtype="4" fill="hold" nodeType="withEffect">
+                                  <p:stCondLst>
+                                    <p:cond delay="0"/>
+                                  </p:stCondLst>
+                                  <p:childTnLst>
+                                    <p:set>
+                                      <p:cBhvr>
+                                        <p:cTn id="32" dur="1" fill="hold">
+                                          <p:stCondLst>
+                                            <p:cond delay="0"/>
+                                          </p:stCondLst>
+                                        </p:cTn>
+                                        <p:tgtEl>
+                                          <p:spTgt spid="3">
+                                            <p:txEl>
+                                              <p:pRg st="6" end="6"/>
+                                            </p:txEl>
+                                          </p:spTgt>
+                                        </p:tgtEl>
+                                        <p:attrNameLst>
+                                          <p:attrName>style.visibility</p:attrName>
+                                        </p:attrNameLst>
+                                      </p:cBhvr>
+                                      <p:to>
+                                        <p:strVal val="visible"/>
+                                      </p:to>
+                                    </p:set>
+                                    <p:anim calcmode="lin" valueType="num">
+                                      <p:cBhvr additive="base">
+                                        <p:cTn id="33" dur="500" fill="hold"/>
+                                        <p:tgtEl>
+                                          <p:spTgt spid="3">
+                                            <p:txEl>
+                                              <p:pRg st="6" end="6"/>
+                                            </p:txEl>
+                                          </p:spTgt>
+                                        </p:tgtEl>
+                                        <p:attrNameLst>
+                                          <p:attrName>ppt_x</p:attrName>
+                                        </p:attrNameLst>
+                                      </p:cBhvr>
+                                      <p:tavLst>
+                                        <p:tav tm="0">
+                                          <p:val>
+                                            <p:strVal val="#ppt_x"/>
+                                          </p:val>
+                                        </p:tav>
+                                        <p:tav tm="100000">
+                                          <p:val>
+                                            <p:strVal val="#ppt_x"/>
+                                          </p:val>
+                                        </p:tav>
+                                      </p:tavLst>
+                                    </p:anim>
+                                    <p:anim calcmode="lin" valueType="num">
+                                      <p:cBhvr additive="base">
+                                        <p:cTn id="34" dur="500" fill="hold"/>
+                                        <p:tgtEl>
+                                          <p:spTgt spid="3">
+                                            <p:txEl>
+                                              <p:pRg st="6" end="6"/>
+                                            </p:txEl>
+                                          </p:spTgt>
+                                        </p:tgtEl>
+                                        <p:attrNameLst>
+                                          <p:attrName>ppt_y</p:attrName>
+                                        </p:attrNameLst>
+                                      </p:cBhvr>
+                                      <p:tavLst>
+                                        <p:tav tm="0">
+                                          <p:val>
+                                            <p:strVal val="1+#ppt_h/2"/>
+                                          </p:val>
+                                        </p:tav>
+                                        <p:tav tm="100000">
+                                          <p:val>
+                                            <p:strVal val="#ppt_y"/>
+                                          </p:val>
+                                        </p:tav>
+                                      </p:tavLst>
+                                    </p:anim>
+                                  </p:childTnLst>
+                                </p:cTn>
+                              </p:par>
+                              <p:par>
+                                <p:cTn id="35" presetID="2" presetClass="entr" presetSubtype="4" fill="hold" nodeType="withEffect">
+                                  <p:stCondLst>
+                                    <p:cond delay="0"/>
+                                  </p:stCondLst>
+                                  <p:childTnLst>
+                                    <p:set>
+                                      <p:cBhvr>
+                                        <p:cTn id="36" dur="1" fill="hold">
+                                          <p:stCondLst>
+                                            <p:cond delay="0"/>
+                                          </p:stCondLst>
+                                        </p:cTn>
+                                        <p:tgtEl>
+                                          <p:spTgt spid="3">
+                                            <p:txEl>
+                                              <p:pRg st="7" end="7"/>
+                                            </p:txEl>
+                                          </p:spTgt>
+                                        </p:tgtEl>
+                                        <p:attrNameLst>
+                                          <p:attrName>style.visibility</p:attrName>
+                                        </p:attrNameLst>
+                                      </p:cBhvr>
+                                      <p:to>
+                                        <p:strVal val="visible"/>
+                                      </p:to>
+                                    </p:set>
+                                    <p:anim calcmode="lin" valueType="num">
+                                      <p:cBhvr additive="base">
+                                        <p:cTn id="37" dur="500" fill="hold"/>
+                                        <p:tgtEl>
+                                          <p:spTgt spid="3">
+                                            <p:txEl>
+                                              <p:pRg st="7" end="7"/>
+                                            </p:txEl>
+                                          </p:spTgt>
+                                        </p:tgtEl>
+                                        <p:attrNameLst>
+                                          <p:attrName>ppt_x</p:attrName>
+                                        </p:attrNameLst>
+                                      </p:cBhvr>
+                                      <p:tavLst>
+                                        <p:tav tm="0">
+                                          <p:val>
+                                            <p:strVal val="#ppt_x"/>
+                                          </p:val>
+                                        </p:tav>
+                                        <p:tav tm="100000">
+                                          <p:val>
+                                            <p:strVal val="#ppt_x"/>
+                                          </p:val>
+                                        </p:tav>
+                                      </p:tavLst>
+                                    </p:anim>
+                                    <p:anim calcmode="lin" valueType="num">
+                                      <p:cBhvr additive="base">
+                                        <p:cTn id="38" dur="500" fill="hold"/>
+                                        <p:tgtEl>
+                                          <p:spTgt spid="3">
+                                            <p:txEl>
+                                              <p:pRg st="7" end="7"/>
+                                            </p:txEl>
+                                          </p:spTgt>
+                                        </p:tgtEl>
+                                        <p:attrNameLst>
+                                          <p:attrName>ppt_y</p:attrName>
+                                        </p:attrNameLst>
+                                      </p:cBhvr>
+                                      <p:tavLst>
+                                        <p:tav tm="0">
+                                          <p:val>
+                                            <p:strVal val="1+#ppt_h/2"/>
+                                          </p:val>
+                                        </p:tav>
+                                        <p:tav tm="100000">
+                                          <p:val>
+                                            <p:strVal val="#ppt_y"/>
+                                          </p:val>
+                                        </p:tav>
+                                      </p:tavLst>
+                                    </p:anim>
+                                  </p:childTnLst>
+                                </p:cTn>
+                              </p:par>
+                              <p:par>
+                                <p:cTn id="39" presetID="2" presetClass="entr" presetSubtype="4" fill="hold" nodeType="withEffect">
+                                  <p:stCondLst>
+                                    <p:cond delay="0"/>
+                                  </p:stCondLst>
+                                  <p:childTnLst>
+                                    <p:set>
+                                      <p:cBhvr>
+                                        <p:cTn id="40" dur="1" fill="hold">
+                                          <p:stCondLst>
+                                            <p:cond delay="0"/>
+                                          </p:stCondLst>
+                                        </p:cTn>
+                                        <p:tgtEl>
+                                          <p:spTgt spid="3">
+                                            <p:txEl>
+                                              <p:pRg st="8" end="8"/>
+                                            </p:txEl>
+                                          </p:spTgt>
+                                        </p:tgtEl>
+                                        <p:attrNameLst>
+                                          <p:attrName>style.visibility</p:attrName>
+                                        </p:attrNameLst>
+                                      </p:cBhvr>
+                                      <p:to>
+                                        <p:strVal val="visible"/>
+                                      </p:to>
+                                    </p:set>
+                                    <p:anim calcmode="lin" valueType="num">
+                                      <p:cBhvr additive="base">
+                                        <p:cTn id="41" dur="500" fill="hold"/>
+                                        <p:tgtEl>
+                                          <p:spTgt spid="3">
+                                            <p:txEl>
+                                              <p:pRg st="8" end="8"/>
+                                            </p:txEl>
+                                          </p:spTgt>
+                                        </p:tgtEl>
+                                        <p:attrNameLst>
+                                          <p:attrName>ppt_x</p:attrName>
+                                        </p:attrNameLst>
+                                      </p:cBhvr>
+                                      <p:tavLst>
+                                        <p:tav tm="0">
+                                          <p:val>
+                                            <p:strVal val="#ppt_x"/>
+                                          </p:val>
+                                        </p:tav>
+                                        <p:tav tm="100000">
+                                          <p:val>
+                                            <p:strVal val="#ppt_x"/>
+                                          </p:val>
+                                        </p:tav>
+                                      </p:tavLst>
+                                    </p:anim>
+                                    <p:anim calcmode="lin" valueType="num">
+                                      <p:cBhvr additive="base">
+                                        <p:cTn id="42" dur="500" fill="hold"/>
+                                        <p:tgtEl>
+                                          <p:spTgt spid="3">
+                                            <p:txEl>
+                                              <p:pRg st="8" end="8"/>
+                                            </p:txEl>
+                                          </p:spTgt>
+                                        </p:tgtEl>
+                                        <p:attrNameLst>
+                                          <p:attrName>ppt_y</p:attrName>
+                                        </p:attrNameLst>
+                                      </p:cBhvr>
+                                      <p:tavLst>
+                                        <p:tav tm="0">
+                                          <p:val>
+                                            <p:strVal val="1+#ppt_h/2"/>
+                                          </p:val>
+                                        </p:tav>
+                                        <p:tav tm="100000">
+                                          <p:val>
+                                            <p:strVal val="#ppt_y"/>
+                                          </p:val>
+                                        </p:tav>
+                                      </p:tavLst>
+                                    </p:anim>
+                                  </p:childTnLst>
+                                </p:cTn>
+                              </p:par>
+                              <p:par>
+                                <p:cTn id="43" presetID="2" presetClass="entr" presetSubtype="4" fill="hold" nodeType="withEffect">
+                                  <p:stCondLst>
+                                    <p:cond delay="0"/>
+                                  </p:stCondLst>
+                                  <p:childTnLst>
+                                    <p:set>
+                                      <p:cBhvr>
+                                        <p:cTn id="44" dur="1" fill="hold">
+                                          <p:stCondLst>
+                                            <p:cond delay="0"/>
+                                          </p:stCondLst>
+                                        </p:cTn>
+                                        <p:tgtEl>
+                                          <p:spTgt spid="3">
+                                            <p:txEl>
+                                              <p:pRg st="9" end="9"/>
+                                            </p:txEl>
+                                          </p:spTgt>
+                                        </p:tgtEl>
+                                        <p:attrNameLst>
+                                          <p:attrName>style.visibility</p:attrName>
+                                        </p:attrNameLst>
+                                      </p:cBhvr>
+                                      <p:to>
+                                        <p:strVal val="visible"/>
+                                      </p:to>
+                                    </p:set>
+                                    <p:anim calcmode="lin" valueType="num">
+                                      <p:cBhvr additive="base">
+                                        <p:cTn id="45" dur="500" fill="hold"/>
+                                        <p:tgtEl>
+                                          <p:spTgt spid="3">
+                                            <p:txEl>
+                                              <p:pRg st="9" end="9"/>
+                                            </p:txEl>
+                                          </p:spTgt>
+                                        </p:tgtEl>
+                                        <p:attrNameLst>
+                                          <p:attrName>ppt_x</p:attrName>
+                                        </p:attrNameLst>
+                                      </p:cBhvr>
+                                      <p:tavLst>
+                                        <p:tav tm="0">
+                                          <p:val>
+                                            <p:strVal val="#ppt_x"/>
+                                          </p:val>
+                                        </p:tav>
+                                        <p:tav tm="100000">
+                                          <p:val>
+                                            <p:strVal val="#ppt_x"/>
+                                          </p:val>
+                                        </p:tav>
+                                      </p:tavLst>
+                                    </p:anim>
+                                    <p:anim calcmode="lin" valueType="num">
+                                      <p:cBhvr additive="base">
+                                        <p:cTn id="46" dur="500" fill="hold"/>
+                                        <p:tgtEl>
+                                          <p:spTgt spid="3">
+                                            <p:txEl>
+                                              <p:pRg st="9" end="9"/>
+                                            </p:txEl>
+                                          </p:spTgt>
+                                        </p:tgtEl>
+                                        <p:attrNameLst>
+                                          <p:attrName>ppt_y</p:attrName>
+                                        </p:attrNameLst>
+                                      </p:cBhvr>
+                                      <p:tavLst>
+                                        <p:tav tm="0">
+                                          <p:val>
+                                            <p:strVal val="1+#ppt_h/2"/>
+                                          </p:val>
+                                        </p:tav>
+                                        <p:tav tm="100000">
+                                          <p:val>
+                                            <p:strVal val="#ppt_y"/>
+                                          </p:val>
+                                        </p:tav>
+                                      </p:tavLst>
+                                    </p:anim>
+                                  </p:childTnLst>
+                                </p:cTn>
+                              </p:par>
+                            </p:childTnLst>
+                          </p:cTn>
+                        </p:par>
+                      </p:childTnLst>
+                    </p:cTn>
+                  </p:par>
+                  <p:par>
+                    <p:cTn id="47" fill="hold">
+                      <p:stCondLst>
+                        <p:cond delay="indefinite"/>
+                      </p:stCondLst>
+                      <p:childTnLst>
+                        <p:par>
+                          <p:cTn id="48" fill="hold">
+                            <p:stCondLst>
+                              <p:cond delay="0"/>
+                            </p:stCondLst>
+                            <p:childTnLst>
+                              <p:par>
+                                <p:cTn id="49" presetID="2" presetClass="entr" presetSubtype="4" fill="hold" nodeType="clickEffect">
+                                  <p:stCondLst>
+                                    <p:cond delay="0"/>
+                                  </p:stCondLst>
+                                  <p:childTnLst>
+                                    <p:set>
+                                      <p:cBhvr>
+                                        <p:cTn id="50" dur="1" fill="hold">
+                                          <p:stCondLst>
+                                            <p:cond delay="0"/>
+                                          </p:stCondLst>
+                                        </p:cTn>
+                                        <p:tgtEl>
+                                          <p:spTgt spid="3">
+                                            <p:txEl>
+                                              <p:pRg st="10" end="10"/>
+                                            </p:txEl>
+                                          </p:spTgt>
+                                        </p:tgtEl>
+                                        <p:attrNameLst>
+                                          <p:attrName>style.visibility</p:attrName>
+                                        </p:attrNameLst>
+                                      </p:cBhvr>
+                                      <p:to>
+                                        <p:strVal val="visible"/>
+                                      </p:to>
+                                    </p:set>
+                                    <p:anim calcmode="lin" valueType="num">
+                                      <p:cBhvr additive="base">
+                                        <p:cTn id="51" dur="500" fill="hold"/>
+                                        <p:tgtEl>
+                                          <p:spTgt spid="3">
+                                            <p:txEl>
+                                              <p:pRg st="10" end="10"/>
+                                            </p:txEl>
+                                          </p:spTgt>
+                                        </p:tgtEl>
+                                        <p:attrNameLst>
+                                          <p:attrName>ppt_x</p:attrName>
+                                        </p:attrNameLst>
+                                      </p:cBhvr>
+                                      <p:tavLst>
+                                        <p:tav tm="0">
+                                          <p:val>
+                                            <p:strVal val="#ppt_x"/>
+                                          </p:val>
+                                        </p:tav>
+                                        <p:tav tm="100000">
+                                          <p:val>
+                                            <p:strVal val="#ppt_x"/>
+                                          </p:val>
+                                        </p:tav>
+                                      </p:tavLst>
+                                    </p:anim>
+                                    <p:anim calcmode="lin" valueType="num">
+                                      <p:cBhvr additive="base">
+                                        <p:cTn id="52" dur="500" fill="hold"/>
+                                        <p:tgtEl>
+                                          <p:spTgt spid="3">
+                                            <p:txEl>
+                                              <p:pRg st="10" end="10"/>
+                                            </p:txEl>
+                                          </p:spTgt>
+                                        </p:tgtEl>
+                                        <p:attrNameLst>
+                                          <p:attrName>ppt_y</p:attrName>
+                                        </p:attrNameLst>
+                                      </p:cBhvr>
+                                      <p:tavLst>
+                                        <p:tav tm="0">
+                                          <p:val>
+                                            <p:strVal val="1+#ppt_h/2"/>
+                                          </p:val>
+                                        </p:tav>
+                                        <p:tav tm="100000">
+                                          <p:val>
+                                            <p:strVal val="#ppt_y"/>
+                                          </p:val>
+                                        </p:tav>
+                                      </p:tavLst>
+                                    </p:anim>
+                                  </p:childTnLst>
+                                </p:cTn>
+                              </p:par>
+                              <p:par>
+                                <p:cTn id="53" presetID="2" presetClass="entr" presetSubtype="4" fill="hold" nodeType="withEffect">
+                                  <p:stCondLst>
+                                    <p:cond delay="0"/>
+                                  </p:stCondLst>
+                                  <p:childTnLst>
+                                    <p:set>
+                                      <p:cBhvr>
+                                        <p:cTn id="54" dur="1" fill="hold">
+                                          <p:stCondLst>
+                                            <p:cond delay="0"/>
+                                          </p:stCondLst>
+                                        </p:cTn>
+                                        <p:tgtEl>
+                                          <p:spTgt spid="3">
+                                            <p:txEl>
+                                              <p:pRg st="11" end="11"/>
+                                            </p:txEl>
+                                          </p:spTgt>
+                                        </p:tgtEl>
+                                        <p:attrNameLst>
+                                          <p:attrName>style.visibility</p:attrName>
+                                        </p:attrNameLst>
+                                      </p:cBhvr>
+                                      <p:to>
+                                        <p:strVal val="visible"/>
+                                      </p:to>
+                                    </p:set>
+                                    <p:anim calcmode="lin" valueType="num">
+                                      <p:cBhvr additive="base">
+                                        <p:cTn id="55" dur="500" fill="hold"/>
+                                        <p:tgtEl>
+                                          <p:spTgt spid="3">
+                                            <p:txEl>
+                                              <p:pRg st="11" end="11"/>
+                                            </p:txEl>
+                                          </p:spTgt>
+                                        </p:tgtEl>
+                                        <p:attrNameLst>
+                                          <p:attrName>ppt_x</p:attrName>
+                                        </p:attrNameLst>
+                                      </p:cBhvr>
+                                      <p:tavLst>
+                                        <p:tav tm="0">
+                                          <p:val>
+                                            <p:strVal val="#ppt_x"/>
+                                          </p:val>
+                                        </p:tav>
+                                        <p:tav tm="100000">
+                                          <p:val>
+                                            <p:strVal val="#ppt_x"/>
+                                          </p:val>
+                                        </p:tav>
+                                      </p:tavLst>
+                                    </p:anim>
+                                    <p:anim calcmode="lin" valueType="num">
+                                      <p:cBhvr additive="base">
+                                        <p:cTn id="56" dur="500" fill="hold"/>
+                                        <p:tgtEl>
+                                          <p:spTgt spid="3">
+                                            <p:txEl>
+                                              <p:pRg st="11" end="11"/>
+                                            </p:txEl>
+                                          </p:spTgt>
+                                        </p:tgtEl>
+                                        <p:attrNameLst>
+                                          <p:attrName>ppt_y</p:attrName>
+                                        </p:attrNameLst>
+                                      </p:cBhvr>
+                                      <p:tavLst>
+                                        <p:tav tm="0">
+                                          <p:val>
+                                            <p:strVal val="1+#ppt_h/2"/>
+                                          </p:val>
+                                        </p:tav>
+                                        <p:tav tm="100000">
+                                          <p:val>
+                                            <p:strVal val="#ppt_y"/>
+                                          </p:val>
+                                        </p:tav>
+                                      </p:tavLst>
+                                    </p:anim>
+                                  </p:childTnLst>
+                                </p:cTn>
+                              </p:par>
+                              <p:par>
+                                <p:cTn id="57" presetID="2" presetClass="entr" presetSubtype="4" fill="hold" nodeType="withEffect">
+                                  <p:stCondLst>
+                                    <p:cond delay="0"/>
+                                  </p:stCondLst>
+                                  <p:childTnLst>
+                                    <p:set>
+                                      <p:cBhvr>
+                                        <p:cTn id="58" dur="1" fill="hold">
+                                          <p:stCondLst>
+                                            <p:cond delay="0"/>
+                                          </p:stCondLst>
+                                        </p:cTn>
+                                        <p:tgtEl>
+                                          <p:spTgt spid="3">
+                                            <p:txEl>
+                                              <p:pRg st="12" end="12"/>
+                                            </p:txEl>
+                                          </p:spTgt>
+                                        </p:tgtEl>
+                                        <p:attrNameLst>
+                                          <p:attrName>style.visibility</p:attrName>
+                                        </p:attrNameLst>
+                                      </p:cBhvr>
+                                      <p:to>
+                                        <p:strVal val="visible"/>
+                                      </p:to>
+                                    </p:set>
+                                    <p:anim calcmode="lin" valueType="num">
+                                      <p:cBhvr additive="base">
+                                        <p:cTn id="59" dur="500" fill="hold"/>
+                                        <p:tgtEl>
+                                          <p:spTgt spid="3">
+                                            <p:txEl>
+                                              <p:pRg st="12" end="12"/>
+                                            </p:txEl>
+                                          </p:spTgt>
+                                        </p:tgtEl>
+                                        <p:attrNameLst>
+                                          <p:attrName>ppt_x</p:attrName>
+                                        </p:attrNameLst>
+                                      </p:cBhvr>
+                                      <p:tavLst>
+                                        <p:tav tm="0">
+                                          <p:val>
+                                            <p:strVal val="#ppt_x"/>
+                                          </p:val>
+                                        </p:tav>
+                                        <p:tav tm="100000">
+                                          <p:val>
+                                            <p:strVal val="#ppt_x"/>
+                                          </p:val>
+                                        </p:tav>
+                                      </p:tavLst>
+                                    </p:anim>
+                                    <p:anim calcmode="lin" valueType="num">
+                                      <p:cBhvr additive="base">
+                                        <p:cTn id="60" dur="500" fill="hold"/>
+                                        <p:tgtEl>
+                                          <p:spTgt spid="3">
+                                            <p:txEl>
+                                              <p:pRg st="12" end="12"/>
+                                            </p:txEl>
+                                          </p:spTgt>
+                                        </p:tgtEl>
+                                        <p:attrNameLst>
+                                          <p:attrName>ppt_y</p:attrName>
+                                        </p:attrNameLst>
+                                      </p:cBhvr>
+                                      <p:tavLst>
+                                        <p:tav tm="0">
+                                          <p:val>
+                                            <p:strVal val="1+#ppt_h/2"/>
+                                          </p:val>
+                                        </p:tav>
+                                        <p:tav tm="100000">
+                                          <p:val>
+                                            <p:strVal val="#ppt_y"/>
+                                          </p:val>
+                                        </p:tav>
+                                      </p:tavLst>
+                                    </p:anim>
+                                  </p:childTnLst>
+                                </p:cTn>
+                              </p:par>
+                            </p:childTnLst>
+                          </p:cTn>
+                        </p:par>
+                      </p:childTnLst>
+                    </p:cTn>
+                  </p:par>
+                </p:childTnLst>
+              </p:cTn>
+              <p:prevCondLst>
+                <p:cond evt="onPrev" delay="0">
+                  <p:tgtEl>
+                    <p:sldTgt/>
+                  </p:tgtEl>
+                </p:cond>
+              </p:prevCondLst>
+              <p:nextCondLst>
+                <p:cond evt="onNext" delay="0">
+                  <p:tgtEl>
+                    <p:sldTgt/>
+                  </p:tgtEl>
+                </p:cond>
+              </p:nextCondLst>
+            </p:seq>
+          </p:childTnLst>
+        </p:cTn>
+      </p:par>
+    </p:tnLst>
+  </p:timing>
 </p:sld>
 </file>
 
@@ -14297,75 +17120,80 @@
             <p:ph idx="1"/>
           </p:nvPr>
         </p:nvSpPr>
-        <p:spPr/>
+        <p:spPr>
+          <a:xfrm>
+            <a:off x="685801" y="1465545"/>
+            <a:ext cx="10820398" cy="3482236"/>
+          </a:xfrm>
+        </p:spPr>
         <p:txBody>
           <a:bodyPr/>
           <a:lstStyle/>
           <a:p>
             <a:r>
-              <a:rPr lang="zh-CN" altLang="en-US" dirty="0"/>
+              <a:rPr lang="zh-CN" altLang="en-US" sz="2000" dirty="0"/>
               <a:t>解释：自底向上的</a:t>
             </a:r>
             <a:r>
-              <a:rPr lang="en-US" altLang="zh-CN" dirty="0"/>
+              <a:rPr lang="en-US" altLang="zh-CN" sz="2000" dirty="0"/>
               <a:t>(</a:t>
             </a:r>
             <a:r>
-              <a:rPr lang="zh-CN" altLang="en-US" dirty="0"/>
+              <a:rPr lang="zh-CN" altLang="en-US" sz="2000" dirty="0"/>
               <a:t>即基于合并的</a:t>
             </a:r>
             <a:r>
-              <a:rPr lang="en-US" altLang="zh-CN" dirty="0"/>
+              <a:rPr lang="en-US" altLang="zh-CN" sz="2000" dirty="0"/>
               <a:t>)</a:t>
             </a:r>
             <a:r>
-              <a:rPr lang="zh-CN" altLang="en-US" dirty="0"/>
+              <a:rPr lang="zh-CN" altLang="en-US" sz="2000" dirty="0"/>
               <a:t>数据离散化方法。它依赖于卡方检验</a:t>
             </a:r>
             <a:r>
-              <a:rPr lang="en-US" altLang="zh-CN" dirty="0"/>
+              <a:rPr lang="en-US" altLang="zh-CN" sz="2000" dirty="0"/>
               <a:t>:</a:t>
             </a:r>
             <a:r>
-              <a:rPr lang="zh-CN" altLang="en-US" dirty="0"/>
+              <a:rPr lang="zh-CN" altLang="en-US" sz="2000" dirty="0"/>
               <a:t>具有最小卡方值的相邻区间合并在一</a:t>
             </a:r>
-            <a:endParaRPr lang="en-US" altLang="zh-CN" dirty="0"/>
-          </a:p>
-          <a:p>
-            <a:r>
-              <a:rPr lang="zh-CN" altLang="en-US" dirty="0"/>
+            <a:endParaRPr lang="en-US" altLang="zh-CN" sz="2000" dirty="0"/>
+          </a:p>
+          <a:p>
+            <a:r>
+              <a:rPr lang="zh-CN" altLang="en-US" sz="2000" dirty="0"/>
               <a:t>基本思想</a:t>
             </a:r>
             <a:r>
-              <a:rPr lang="en-US" altLang="zh-CN" dirty="0"/>
+              <a:rPr lang="en-US" altLang="zh-CN" sz="2000" dirty="0"/>
               <a:t>:</a:t>
             </a:r>
             <a:r>
-              <a:rPr lang="zh-CN" altLang="en-US" dirty="0"/>
+              <a:rPr lang="zh-CN" altLang="en-US" sz="2000" dirty="0"/>
               <a:t>对于精确的离散化，相对类频率在一个区间内应当完全一致。因此</a:t>
             </a:r>
             <a:r>
-              <a:rPr lang="en-US" altLang="zh-CN" dirty="0"/>
+              <a:rPr lang="en-US" altLang="zh-CN" sz="2000" dirty="0"/>
               <a:t>,</a:t>
             </a:r>
             <a:r>
-              <a:rPr lang="zh-CN" altLang="en-US" dirty="0"/>
+              <a:rPr lang="zh-CN" altLang="en-US" sz="2000" dirty="0"/>
               <a:t>如果两个相邻的区间具有非常类似的类分布，则这两个区间可以合并；否则，它们应当保持分开。而低卡方值表明它们具有相似的类分布。起</a:t>
             </a:r>
             <a:r>
-              <a:rPr lang="en-US" altLang="zh-CN" dirty="0"/>
+              <a:rPr lang="en-US" altLang="zh-CN" sz="2000" dirty="0"/>
               <a:t>,</a:t>
             </a:r>
             <a:r>
-              <a:rPr lang="zh-CN" altLang="en-US" dirty="0"/>
+              <a:rPr lang="zh-CN" altLang="en-US" sz="2000" dirty="0"/>
               <a:t>直到满足确定的停止准则。通俗的讲，即让组内成员相似性强，让组间的差异大。</a:t>
             </a:r>
-            <a:endParaRPr lang="en-US" altLang="zh-CN" dirty="0"/>
-          </a:p>
-          <a:p>
-            <a:r>
-              <a:rPr lang="zh-CN" altLang="en-US" dirty="0"/>
+            <a:endParaRPr lang="en-US" altLang="zh-CN" sz="2000" dirty="0"/>
+          </a:p>
+          <a:p>
+            <a:r>
+              <a:rPr lang="zh-CN" altLang="en-US" sz="2000" dirty="0"/>
               <a:t>步骤：。。。。</a:t>
             </a:r>
           </a:p>
@@ -14381,6 +17209,342 @@
   <p:clrMapOvr>
     <a:masterClrMapping/>
   </p:clrMapOvr>
+  <p:timing>
+    <p:tnLst>
+      <p:par>
+        <p:cTn id="1" dur="indefinite" restart="never" nodeType="tmRoot">
+          <p:childTnLst>
+            <p:seq concurrent="1" nextAc="seek">
+              <p:cTn id="2" dur="indefinite" nodeType="mainSeq">
+                <p:childTnLst>
+                  <p:par>
+                    <p:cTn id="3" fill="hold">
+                      <p:stCondLst>
+                        <p:cond delay="indefinite"/>
+                      </p:stCondLst>
+                      <p:childTnLst>
+                        <p:par>
+                          <p:cTn id="4" fill="hold">
+                            <p:stCondLst>
+                              <p:cond delay="0"/>
+                            </p:stCondLst>
+                            <p:childTnLst>
+                              <p:par>
+                                <p:cTn id="5" presetID="2" presetClass="entr" presetSubtype="4" fill="hold" nodeType="clickEffect">
+                                  <p:stCondLst>
+                                    <p:cond delay="0"/>
+                                  </p:stCondLst>
+                                  <p:childTnLst>
+                                    <p:set>
+                                      <p:cBhvr>
+                                        <p:cTn id="6" dur="1" fill="hold">
+                                          <p:stCondLst>
+                                            <p:cond delay="0"/>
+                                          </p:stCondLst>
+                                        </p:cTn>
+                                        <p:tgtEl>
+                                          <p:spTgt spid="3">
+                                            <p:txEl>
+                                              <p:pRg st="0" end="0"/>
+                                            </p:txEl>
+                                          </p:spTgt>
+                                        </p:tgtEl>
+                                        <p:attrNameLst>
+                                          <p:attrName>style.visibility</p:attrName>
+                                        </p:attrNameLst>
+                                      </p:cBhvr>
+                                      <p:to>
+                                        <p:strVal val="visible"/>
+                                      </p:to>
+                                    </p:set>
+                                    <p:anim calcmode="lin" valueType="num">
+                                      <p:cBhvr additive="base">
+                                        <p:cTn id="7" dur="500" fill="hold"/>
+                                        <p:tgtEl>
+                                          <p:spTgt spid="3">
+                                            <p:txEl>
+                                              <p:pRg st="0" end="0"/>
+                                            </p:txEl>
+                                          </p:spTgt>
+                                        </p:tgtEl>
+                                        <p:attrNameLst>
+                                          <p:attrName>ppt_x</p:attrName>
+                                        </p:attrNameLst>
+                                      </p:cBhvr>
+                                      <p:tavLst>
+                                        <p:tav tm="0">
+                                          <p:val>
+                                            <p:strVal val="#ppt_x"/>
+                                          </p:val>
+                                        </p:tav>
+                                        <p:tav tm="100000">
+                                          <p:val>
+                                            <p:strVal val="#ppt_x"/>
+                                          </p:val>
+                                        </p:tav>
+                                      </p:tavLst>
+                                    </p:anim>
+                                    <p:anim calcmode="lin" valueType="num">
+                                      <p:cBhvr additive="base">
+                                        <p:cTn id="8" dur="500" fill="hold"/>
+                                        <p:tgtEl>
+                                          <p:spTgt spid="3">
+                                            <p:txEl>
+                                              <p:pRg st="0" end="0"/>
+                                            </p:txEl>
+                                          </p:spTgt>
+                                        </p:tgtEl>
+                                        <p:attrNameLst>
+                                          <p:attrName>ppt_y</p:attrName>
+                                        </p:attrNameLst>
+                                      </p:cBhvr>
+                                      <p:tavLst>
+                                        <p:tav tm="0">
+                                          <p:val>
+                                            <p:strVal val="1+#ppt_h/2"/>
+                                          </p:val>
+                                        </p:tav>
+                                        <p:tav tm="100000">
+                                          <p:val>
+                                            <p:strVal val="#ppt_y"/>
+                                          </p:val>
+                                        </p:tav>
+                                      </p:tavLst>
+                                    </p:anim>
+                                  </p:childTnLst>
+                                </p:cTn>
+                              </p:par>
+                            </p:childTnLst>
+                          </p:cTn>
+                        </p:par>
+                      </p:childTnLst>
+                    </p:cTn>
+                  </p:par>
+                  <p:par>
+                    <p:cTn id="9" fill="hold">
+                      <p:stCondLst>
+                        <p:cond delay="indefinite"/>
+                      </p:stCondLst>
+                      <p:childTnLst>
+                        <p:par>
+                          <p:cTn id="10" fill="hold">
+                            <p:stCondLst>
+                              <p:cond delay="0"/>
+                            </p:stCondLst>
+                            <p:childTnLst>
+                              <p:par>
+                                <p:cTn id="11" presetID="31" presetClass="entr" presetSubtype="0" fill="hold" nodeType="clickEffect">
+                                  <p:stCondLst>
+                                    <p:cond delay="0"/>
+                                  </p:stCondLst>
+                                  <p:childTnLst>
+                                    <p:set>
+                                      <p:cBhvr>
+                                        <p:cTn id="12" dur="1" fill="hold">
+                                          <p:stCondLst>
+                                            <p:cond delay="0"/>
+                                          </p:stCondLst>
+                                        </p:cTn>
+                                        <p:tgtEl>
+                                          <p:spTgt spid="3">
+                                            <p:txEl>
+                                              <p:pRg st="1" end="1"/>
+                                            </p:txEl>
+                                          </p:spTgt>
+                                        </p:tgtEl>
+                                        <p:attrNameLst>
+                                          <p:attrName>style.visibility</p:attrName>
+                                        </p:attrNameLst>
+                                      </p:cBhvr>
+                                      <p:to>
+                                        <p:strVal val="visible"/>
+                                      </p:to>
+                                    </p:set>
+                                    <p:anim calcmode="lin" valueType="num">
+                                      <p:cBhvr>
+                                        <p:cTn id="13" dur="1000" fill="hold"/>
+                                        <p:tgtEl>
+                                          <p:spTgt spid="3">
+                                            <p:txEl>
+                                              <p:pRg st="1" end="1"/>
+                                            </p:txEl>
+                                          </p:spTgt>
+                                        </p:tgtEl>
+                                        <p:attrNameLst>
+                                          <p:attrName>ppt_w</p:attrName>
+                                        </p:attrNameLst>
+                                      </p:cBhvr>
+                                      <p:tavLst>
+                                        <p:tav tm="0">
+                                          <p:val>
+                                            <p:fltVal val="0"/>
+                                          </p:val>
+                                        </p:tav>
+                                        <p:tav tm="100000">
+                                          <p:val>
+                                            <p:strVal val="#ppt_w"/>
+                                          </p:val>
+                                        </p:tav>
+                                      </p:tavLst>
+                                    </p:anim>
+                                    <p:anim calcmode="lin" valueType="num">
+                                      <p:cBhvr>
+                                        <p:cTn id="14" dur="1000" fill="hold"/>
+                                        <p:tgtEl>
+                                          <p:spTgt spid="3">
+                                            <p:txEl>
+                                              <p:pRg st="1" end="1"/>
+                                            </p:txEl>
+                                          </p:spTgt>
+                                        </p:tgtEl>
+                                        <p:attrNameLst>
+                                          <p:attrName>ppt_h</p:attrName>
+                                        </p:attrNameLst>
+                                      </p:cBhvr>
+                                      <p:tavLst>
+                                        <p:tav tm="0">
+                                          <p:val>
+                                            <p:fltVal val="0"/>
+                                          </p:val>
+                                        </p:tav>
+                                        <p:tav tm="100000">
+                                          <p:val>
+                                            <p:strVal val="#ppt_h"/>
+                                          </p:val>
+                                        </p:tav>
+                                      </p:tavLst>
+                                    </p:anim>
+                                    <p:anim calcmode="lin" valueType="num">
+                                      <p:cBhvr>
+                                        <p:cTn id="15" dur="1000" fill="hold"/>
+                                        <p:tgtEl>
+                                          <p:spTgt spid="3">
+                                            <p:txEl>
+                                              <p:pRg st="1" end="1"/>
+                                            </p:txEl>
+                                          </p:spTgt>
+                                        </p:tgtEl>
+                                        <p:attrNameLst>
+                                          <p:attrName>style.rotation</p:attrName>
+                                        </p:attrNameLst>
+                                      </p:cBhvr>
+                                      <p:tavLst>
+                                        <p:tav tm="0">
+                                          <p:val>
+                                            <p:fltVal val="90"/>
+                                          </p:val>
+                                        </p:tav>
+                                        <p:tav tm="100000">
+                                          <p:val>
+                                            <p:fltVal val="0"/>
+                                          </p:val>
+                                        </p:tav>
+                                      </p:tavLst>
+                                    </p:anim>
+                                    <p:animEffect transition="in" filter="fade">
+                                      <p:cBhvr>
+                                        <p:cTn id="16" dur="1000"/>
+                                        <p:tgtEl>
+                                          <p:spTgt spid="3">
+                                            <p:txEl>
+                                              <p:pRg st="1" end="1"/>
+                                            </p:txEl>
+                                          </p:spTgt>
+                                        </p:tgtEl>
+                                      </p:cBhvr>
+                                    </p:animEffect>
+                                  </p:childTnLst>
+                                </p:cTn>
+                              </p:par>
+                            </p:childTnLst>
+                          </p:cTn>
+                        </p:par>
+                      </p:childTnLst>
+                    </p:cTn>
+                  </p:par>
+                  <p:par>
+                    <p:cTn id="17" fill="hold">
+                      <p:stCondLst>
+                        <p:cond delay="indefinite"/>
+                      </p:stCondLst>
+                      <p:childTnLst>
+                        <p:par>
+                          <p:cTn id="18" fill="hold">
+                            <p:stCondLst>
+                              <p:cond delay="0"/>
+                            </p:stCondLst>
+                            <p:childTnLst>
+                              <p:par>
+                                <p:cTn id="19" presetID="10" presetClass="entr" presetSubtype="0" fill="hold" nodeType="clickEffect">
+                                  <p:stCondLst>
+                                    <p:cond delay="0"/>
+                                  </p:stCondLst>
+                                  <p:childTnLst>
+                                    <p:set>
+                                      <p:cBhvr>
+                                        <p:cTn id="20" dur="1" fill="hold">
+                                          <p:stCondLst>
+                                            <p:cond delay="0"/>
+                                          </p:stCondLst>
+                                        </p:cTn>
+                                        <p:tgtEl>
+                                          <p:spTgt spid="3">
+                                            <p:txEl>
+                                              <p:pRg st="2" end="2"/>
+                                            </p:txEl>
+                                          </p:spTgt>
+                                        </p:tgtEl>
+                                        <p:attrNameLst>
+                                          <p:attrName>style.visibility</p:attrName>
+                                        </p:attrNameLst>
+                                      </p:cBhvr>
+                                      <p:to>
+                                        <p:strVal val="visible"/>
+                                      </p:to>
+                                    </p:set>
+                                    <p:animEffect transition="in" filter="fade">
+                                      <p:cBhvr>
+                                        <p:cTn id="21" dur="500"/>
+                                        <p:tgtEl>
+                                          <p:spTgt spid="3">
+                                            <p:txEl>
+                                              <p:pRg st="2" end="2"/>
+                                            </p:txEl>
+                                          </p:spTgt>
+                                        </p:tgtEl>
+                                      </p:cBhvr>
+                                    </p:animEffect>
+                                  </p:childTnLst>
+                                </p:cTn>
+                              </p:par>
+                            </p:childTnLst>
+                          </p:cTn>
+                        </p:par>
+                      </p:childTnLst>
+                    </p:cTn>
+                  </p:par>
+                </p:childTnLst>
+              </p:cTn>
+              <p:prevCondLst>
+                <p:cond evt="onPrev" delay="0">
+                  <p:tgtEl>
+                    <p:sldTgt/>
+                  </p:tgtEl>
+                </p:cond>
+              </p:prevCondLst>
+              <p:nextCondLst>
+                <p:cond evt="onNext" delay="0">
+                  <p:tgtEl>
+                    <p:sldTgt/>
+                  </p:tgtEl>
+                </p:cond>
+              </p:nextCondLst>
+            </p:seq>
+          </p:childTnLst>
+        </p:cTn>
+      </p:par>
+    </p:tnLst>
+  </p:timing>
 </p:sld>
 </file>
 
@@ -14446,7 +17610,12 @@
             <p:ph idx="1"/>
           </p:nvPr>
         </p:nvSpPr>
-        <p:spPr/>
+        <p:spPr>
+          <a:xfrm>
+            <a:off x="685801" y="1828800"/>
+            <a:ext cx="10271942" cy="2395150"/>
+          </a:xfrm>
+        </p:spPr>
         <p:txBody>
           <a:bodyPr/>
           <a:lstStyle/>
@@ -14628,6 +17797,9 @@
                     <p:cTn id="3" fill="hold">
                       <p:stCondLst>
                         <p:cond delay="indefinite"/>
+                        <p:cond evt="onBegin" delay="0">
+                          <p:tn val="2"/>
+                        </p:cond>
                       </p:stCondLst>
                       <p:childTnLst>
                         <p:par>
@@ -14637,7 +17809,7 @@
                             </p:stCondLst>
                             <p:childTnLst>
                               <p:par>
-                                <p:cTn id="5" presetID="16" presetClass="entr" presetSubtype="21" fill="hold" nodeType="clickEffect">
+                                <p:cTn id="5" presetID="2" presetClass="entr" presetSubtype="4" fill="hold" nodeType="withEffect">
                                   <p:stCondLst>
                                     <p:cond delay="0"/>
                                   </p:stCondLst>
@@ -14664,13 +17836,159 @@
                                         <p:strVal val="visible"/>
                                       </p:to>
                                     </p:set>
-                                    <p:animEffect transition="in" filter="barn(inVertical)">
-                                      <p:cBhvr>
-                                        <p:cTn id="7" dur="500"/>
+                                    <p:anim calcmode="lin" valueType="num">
+                                      <p:cBhvr additive="base">
+                                        <p:cTn id="7" dur="500" fill="hold"/>
                                         <p:tgtEl>
                                           <p:spTgt spid="3">
                                             <p:txEl>
                                               <p:pRg st="1" end="1"/>
+                                            </p:txEl>
+                                          </p:spTgt>
+                                        </p:tgtEl>
+                                        <p:attrNameLst>
+                                          <p:attrName>ppt_x</p:attrName>
+                                        </p:attrNameLst>
+                                      </p:cBhvr>
+                                      <p:tavLst>
+                                        <p:tav tm="0">
+                                          <p:val>
+                                            <p:strVal val="#ppt_x"/>
+                                          </p:val>
+                                        </p:tav>
+                                        <p:tav tm="100000">
+                                          <p:val>
+                                            <p:strVal val="#ppt_x"/>
+                                          </p:val>
+                                        </p:tav>
+                                      </p:tavLst>
+                                    </p:anim>
+                                    <p:anim calcmode="lin" valueType="num">
+                                      <p:cBhvr additive="base">
+                                        <p:cTn id="8" dur="500" fill="hold"/>
+                                        <p:tgtEl>
+                                          <p:spTgt spid="3">
+                                            <p:txEl>
+                                              <p:pRg st="1" end="1"/>
+                                            </p:txEl>
+                                          </p:spTgt>
+                                        </p:tgtEl>
+                                        <p:attrNameLst>
+                                          <p:attrName>ppt_y</p:attrName>
+                                        </p:attrNameLst>
+                                      </p:cBhvr>
+                                      <p:tavLst>
+                                        <p:tav tm="0">
+                                          <p:val>
+                                            <p:strVal val="1+#ppt_h/2"/>
+                                          </p:val>
+                                        </p:tav>
+                                        <p:tav tm="100000">
+                                          <p:val>
+                                            <p:strVal val="#ppt_y"/>
+                                          </p:val>
+                                        </p:tav>
+                                      </p:tavLst>
+                                    </p:anim>
+                                  </p:childTnLst>
+                                </p:cTn>
+                              </p:par>
+                            </p:childTnLst>
+                          </p:cTn>
+                        </p:par>
+                      </p:childTnLst>
+                    </p:cTn>
+                  </p:par>
+                  <p:par>
+                    <p:cTn id="9" fill="hold">
+                      <p:stCondLst>
+                        <p:cond delay="indefinite"/>
+                      </p:stCondLst>
+                      <p:childTnLst>
+                        <p:par>
+                          <p:cTn id="10" fill="hold">
+                            <p:stCondLst>
+                              <p:cond delay="0"/>
+                            </p:stCondLst>
+                            <p:childTnLst>
+                              <p:par>
+                                <p:cTn id="11" presetID="14" presetClass="entr" presetSubtype="10" fill="hold" nodeType="clickEffect">
+                                  <p:stCondLst>
+                                    <p:cond delay="0"/>
+                                  </p:stCondLst>
+                                  <p:childTnLst>
+                                    <p:set>
+                                      <p:cBhvr>
+                                        <p:cTn id="12" dur="1" fill="hold">
+                                          <p:stCondLst>
+                                            <p:cond delay="0"/>
+                                          </p:stCondLst>
+                                        </p:cTn>
+                                        <p:tgtEl>
+                                          <p:spTgt spid="3">
+                                            <p:txEl>
+                                              <p:pRg st="2" end="2"/>
+                                            </p:txEl>
+                                          </p:spTgt>
+                                        </p:tgtEl>
+                                        <p:attrNameLst>
+                                          <p:attrName>style.visibility</p:attrName>
+                                        </p:attrNameLst>
+                                      </p:cBhvr>
+                                      <p:to>
+                                        <p:strVal val="visible"/>
+                                      </p:to>
+                                    </p:set>
+                                    <p:animEffect transition="in" filter="randombar(horizontal)">
+                                      <p:cBhvr>
+                                        <p:cTn id="13" dur="500"/>
+                                        <p:tgtEl>
+                                          <p:spTgt spid="3">
+                                            <p:txEl>
+                                              <p:pRg st="2" end="2"/>
+                                            </p:txEl>
+                                          </p:spTgt>
+                                        </p:tgtEl>
+                                      </p:cBhvr>
+                                    </p:animEffect>
+                                  </p:childTnLst>
+                                </p:cTn>
+                              </p:par>
+                              <p:par>
+                                <p:cTn id="14" presetID="14" presetClass="entr" presetSubtype="10" fill="hold" nodeType="withEffect">
+                                  <p:stCondLst>
+                                    <p:cond delay="0"/>
+                                  </p:stCondLst>
+                                  <p:childTnLst>
+                                    <p:set>
+                                      <p:cBhvr>
+                                        <p:cTn id="15" dur="1" fill="hold">
+                                          <p:stCondLst>
+                                            <p:cond delay="0"/>
+                                          </p:stCondLst>
+                                        </p:cTn>
+                                        <p:tgtEl>
+                                          <p:spTgt spid="3">
+                                            <p:txEl>
+                                              <p:pRg st="3" end="3"/>
+                                            </p:txEl>
+                                          </p:spTgt>
+                                        </p:tgtEl>
+                                        <p:attrNameLst>
+                                          <p:attrName>style.visibility</p:attrName>
+                                        </p:attrNameLst>
+                                      </p:cBhvr>
+                                      <p:to>
+                                        <p:strVal val="visible"/>
+                                      </p:to>
+                                    </p:set>
+                                    <p:animEffect transition="in" filter="randombar(horizontal)">
+                                      <p:cBhvr>
+                                        <p:cTn id="16" dur="500"/>
+                                        <p:tgtEl>
+                                          <p:spTgt spid="3">
+                                            <p:txEl>
+                                              <p:pRg st="3" end="3"/>
                                             </p:txEl>
                                           </p:spTgt>
                                         </p:tgtEl>
@@ -14686,36 +18004,32 @@
                     </p:cTn>
                   </p:par>
                   <p:par>
-                    <p:cTn id="8" fill="hold">
+                    <p:cTn id="17" fill="hold">
                       <p:stCondLst>
                         <p:cond delay="indefinite"/>
                       </p:stCondLst>
                       <p:childTnLst>
                         <p:par>
-                          <p:cTn id="9" fill="hold">
+                          <p:cTn id="18" fill="hold">
                             <p:stCondLst>
                               <p:cond delay="0"/>
                             </p:stCondLst>
                             <p:childTnLst>
                               <p:par>
-                                <p:cTn id="10" presetID="6" presetClass="entr" presetSubtype="16" fill="hold" nodeType="clickEffect">
+                                <p:cTn id="19" presetID="2" presetClass="entr" presetSubtype="4" fill="hold" nodeType="clickEffect">
                                   <p:stCondLst>
                                     <p:cond delay="0"/>
                                   </p:stCondLst>
                                   <p:childTnLst>
                                     <p:set>
                                       <p:cBhvr>
-                                        <p:cTn id="11" dur="1" fill="hold">
+                                        <p:cTn id="20" dur="1" fill="hold">
                                           <p:stCondLst>
                                             <p:cond delay="0"/>
                                           </p:stCondLst>
                                         </p:cTn>
                                         <p:tgtEl>
-                                          <p:spTgt spid="3">
-                                            <p:txEl>
-                                              <p:pRg st="2" end="2"/>
-                                            </p:txEl>
-                                          </p:spTgt>
+                                          <p:spTgt spid="7"/>
                                         </p:tgtEl>
                                         <p:attrNameLst>
                                           <p:attrName>style.visibility</p:attrName>
@@ -14725,117 +18039,9 @@
                                         <p:strVal val="visible"/>
                                       </p:to>
                                     </p:set>
-                                    <p:animEffect transition="in" filter="circle(in)">
-                                      <p:cBhvr>
-                                        <p:cTn id="12" dur="2000"/>
-                                        <p:tgtEl>
-                                          <p:spTgt spid="3">
-                                            <p:txEl>
-                                              <p:pRg st="2" end="2"/>
-                                            </p:txEl>
-                                          </p:spTgt>
-                                        </p:tgtEl>
-                                      </p:cBhvr>
-                                    </p:animEffect>
-                                  </p:childTnLst>
-                                </p:cTn>
-                              </p:par>
-                              <p:par>
-                                <p:cTn id="13" presetID="6" presetClass="entr" presetSubtype="16" fill="hold" nodeType="withEffect">
-                                  <p:stCondLst>
-                                    <p:cond delay="0"/>
-                                  </p:stCondLst>
-                                  <p:childTnLst>
-                                    <p:set>
-                                      <p:cBhvr>
-                                        <p:cTn id="14" dur="1" fill="hold">
-                                          <p:stCondLst>
-                                            <p:cond delay="0"/>
-                                          </p:stCondLst>
-                                        </p:cTn>
-                                        <p:tgtEl>
-                                          <p:spTgt spid="3">
-                                            <p:txEl>
-                                              <p:pRg st="3" end="3"/>
-                                            </p:txEl>
-                                          </p:spTgt>
-                                        </p:tgtEl>
-                                        <p:attrNameLst>
-                                          <p:attrName>style.visibility</p:attrName>
-                                        </p:attrNameLst>
-                                      </p:cBhvr>
-                                      <p:to>
-                                        <p:strVal val="visible"/>
-                                      </p:to>
-                                    </p:set>
-                                    <p:animEffect transition="in" filter="circle(in)">
-                                      <p:cBhvr>
-                                        <p:cTn id="15" dur="2000"/>
-                                        <p:tgtEl>
-                                          <p:spTgt spid="3">
-                                            <p:txEl>
-                                              <p:pRg st="3" end="3"/>
-                                            </p:txEl>
-                                          </p:spTgt>
-                                        </p:tgtEl>
-                                      </p:cBhvr>
-                                    </p:animEffect>
-                                  </p:childTnLst>
-                                </p:cTn>
-                              </p:par>
-                            </p:childTnLst>
-                          </p:cTn>
-                        </p:par>
-                      </p:childTnLst>
-                    </p:cTn>
-                  </p:par>
-                  <p:par>
-                    <p:cTn id="16" fill="hold">
-                      <p:stCondLst>
-                        <p:cond delay="indefinite"/>
-                      </p:stCondLst>
-                      <p:childTnLst>
-                        <p:par>
-                          <p:cTn id="17" fill="hold">
-                            <p:stCondLst>
-                              <p:cond delay="0"/>
-                            </p:stCondLst>
-                            <p:childTnLst>
-                              <p:par>
-                                <p:cTn id="18" presetID="42" presetClass="entr" presetSubtype="0" fill="hold" nodeType="clickEffect">
-                                  <p:stCondLst>
-                                    <p:cond delay="0"/>
-                                  </p:stCondLst>
-                                  <p:childTnLst>
-                                    <p:set>
-                                      <p:cBhvr>
-                                        <p:cTn id="19" dur="1" fill="hold">
-                                          <p:stCondLst>
-                                            <p:cond delay="0"/>
-                                          </p:stCondLst>
-                                        </p:cTn>
-                                        <p:tgtEl>
-                                          <p:spTgt spid="7"/>
-                                        </p:tgtEl>
-                                        <p:attrNameLst>
-                                          <p:attrName>style.visibility</p:attrName>
-                                        </p:attrNameLst>
-                                      </p:cBhvr>
-                                      <p:to>
-                                        <p:strVal val="visible"/>
-                                      </p:to>
-                                    </p:set>
-                                    <p:animEffect transition="in" filter="fade">
-                                      <p:cBhvr>
-                                        <p:cTn id="20" dur="1000"/>
-                                        <p:tgtEl>
-                                          <p:spTgt spid="7"/>
-                                        </p:tgtEl>
-                                      </p:cBhvr>
-                                    </p:animEffect>
                                     <p:anim calcmode="lin" valueType="num">
-                                      <p:cBhvr>
-                                        <p:cTn id="21" dur="1000" fill="hold"/>
+                                      <p:cBhvr additive="base">
+                                        <p:cTn id="21" dur="500" fill="hold"/>
                                         <p:tgtEl>
                                           <p:spTgt spid="7"/>
                                         </p:tgtEl>
@@ -14857,8 +18063,8 @@
                                       </p:tavLst>
                                     </p:anim>
                                     <p:anim calcmode="lin" valueType="num">
-                                      <p:cBhvr>
-                                        <p:cTn id="22" dur="1000" fill="hold"/>
+                                      <p:cBhvr additive="base">
+                                        <p:cTn id="22" dur="500" fill="hold"/>
                                         <p:tgtEl>
                                           <p:spTgt spid="7"/>
                                         </p:tgtEl>
@@ -14869,7 +18075,7 @@
                                       <p:tavLst>
                                         <p:tav tm="0">
                                           <p:val>
-                                            <p:strVal val="#ppt_y+.1"/>
+                                            <p:strVal val="1+#ppt_h/2"/>
                                           </p:val>
                                         </p:tav>
                                         <p:tav tm="100000">
@@ -14901,7 +18107,7 @@
                             </p:stCondLst>
                             <p:childTnLst>
                               <p:par>
-                                <p:cTn id="25" presetID="16" presetClass="entr" presetSubtype="21" fill="hold" nodeType="clickEffect">
+                                <p:cTn id="25" presetID="42" presetClass="entr" presetSubtype="0" fill="hold" nodeType="clickEffect">
                                   <p:stCondLst>
                                     <p:cond delay="0"/>
                                   </p:stCondLst>
@@ -14924,14 +18130,244 @@
                                         <p:strVal val="visible"/>
                                       </p:to>
                                     </p:set>
-                                    <p:animEffect transition="in" filter="barn(inVertical)">
-                                      <p:cBhvr>
-                                        <p:cTn id="27" dur="500"/>
+                                    <p:animEffect transition="in" filter="fade">
+                                      <p:cBhvr>
+                                        <p:cTn id="27" dur="1000"/>
                                         <p:tgtEl>
                                           <p:spTgt spid="6"/>
                                         </p:tgtEl>
                                       </p:cBhvr>
                                     </p:animEffect>
+                                    <p:anim calcmode="lin" valueType="num">
+                                      <p:cBhvr>
+                                        <p:cTn id="28" dur="1000" fill="hold"/>
+                                        <p:tgtEl>
+                                          <p:spTgt spid="6"/>
+                                        </p:tgtEl>
+                                        <p:attrNameLst>
+                                          <p:attrName>ppt_x</p:attrName>
+                                        </p:attrNameLst>
+                                      </p:cBhvr>
+                                      <p:tavLst>
+                                        <p:tav tm="0">
+                                          <p:val>
+                                            <p:strVal val="#ppt_x"/>
+                                          </p:val>
+                                        </p:tav>
+                                        <p:tav tm="100000">
+                                          <p:val>
+                                            <p:strVal val="#ppt_x"/>
+                                          </p:val>
+                                        </p:tav>
+                                      </p:tavLst>
+                                    </p:anim>
+                                    <p:anim calcmode="lin" valueType="num">
+                                      <p:cBhvr>
+                                        <p:cTn id="29" dur="1000" fill="hold"/>
+                                        <p:tgtEl>
+                                          <p:spTgt spid="6"/>
+                                        </p:tgtEl>
+                                        <p:attrNameLst>
+                                          <p:attrName>ppt_y</p:attrName>
+                                        </p:attrNameLst>
+                                      </p:cBhvr>
+                                      <p:tavLst>
+                                        <p:tav tm="0">
+                                          <p:val>
+                                            <p:strVal val="#ppt_y+.1"/>
+                                          </p:val>
+                                        </p:tav>
+                                        <p:tav tm="100000">
+                                          <p:val>
+                                            <p:strVal val="#ppt_y"/>
+                                          </p:val>
+                                        </p:tav>
+                                      </p:tavLst>
+                                    </p:anim>
+                                  </p:childTnLst>
+                                </p:cTn>
+                              </p:par>
+                            </p:childTnLst>
+                          </p:cTn>
+                        </p:par>
+                      </p:childTnLst>
+                    </p:cTn>
+                  </p:par>
+                  <p:par>
+                    <p:cTn id="30" fill="hold">
+                      <p:stCondLst>
+                        <p:cond delay="indefinite"/>
+                      </p:stCondLst>
+                      <p:childTnLst>
+                        <p:par>
+                          <p:cTn id="31" fill="hold">
+                            <p:stCondLst>
+                              <p:cond delay="0"/>
+                            </p:stCondLst>
+                            <p:childTnLst>
+                              <p:par>
+                                <p:cTn id="32" presetID="2" presetClass="entr" presetSubtype="4" fill="hold" nodeType="clickEffect">
+                                  <p:stCondLst>
+                                    <p:cond delay="0"/>
+                                  </p:stCondLst>
+                                  <p:childTnLst>
+                                    <p:set>
+                                      <p:cBhvr>
+                                        <p:cTn id="33" dur="1" fill="hold">
+                                          <p:stCondLst>
+                                            <p:cond delay="0"/>
+                                          </p:stCondLst>
+                                        </p:cTn>
+                                        <p:tgtEl>
+                                          <p:spTgt spid="3">
+                                            <p:txEl>
+                                              <p:pRg st="0" end="0"/>
+                                            </p:txEl>
+                                          </p:spTgt>
+                                        </p:tgtEl>
+                                        <p:attrNameLst>
+                                          <p:attrName>style.visibility</p:attrName>
+                                        </p:attrNameLst>
+                                      </p:cBhvr>
+                                      <p:to>
+                                        <p:strVal val="visible"/>
+                                      </p:to>
+                                    </p:set>
+                                    <p:anim calcmode="lin" valueType="num">
+                                      <p:cBhvr additive="base">
+                                        <p:cTn id="34" dur="500" fill="hold"/>
+                                        <p:tgtEl>
+                                          <p:spTgt spid="3">
+                                            <p:txEl>
+                                              <p:pRg st="0" end="0"/>
+                                            </p:txEl>
+                                          </p:spTgt>
+                                        </p:tgtEl>
+                                        <p:attrNameLst>
+                                          <p:attrName>ppt_x</p:attrName>
+                                        </p:attrNameLst>
+                                      </p:cBhvr>
+                                      <p:tavLst>
+                                        <p:tav tm="0">
+                                          <p:val>
+                                            <p:strVal val="#ppt_x"/>
+                                          </p:val>
+                                        </p:tav>
+                                        <p:tav tm="100000">
+                                          <p:val>
+                                            <p:strVal val="#ppt_x"/>
+                                          </p:val>
+                                        </p:tav>
+                                      </p:tavLst>
+                                    </p:anim>
+                                    <p:anim calcmode="lin" valueType="num">
+                                      <p:cBhvr additive="base">
+                                        <p:cTn id="35" dur="500" fill="hold"/>
+                                        <p:tgtEl>
+                                          <p:spTgt spid="3">
+                                            <p:txEl>
+                                              <p:pRg st="0" end="0"/>
+                                            </p:txEl>
+                                          </p:spTgt>
+                                        </p:tgtEl>
+                                        <p:attrNameLst>
+                                          <p:attrName>ppt_y</p:attrName>
+                                        </p:attrNameLst>
+                                      </p:cBhvr>
+                                      <p:tavLst>
+                                        <p:tav tm="0">
+                                          <p:val>
+                                            <p:strVal val="1+#ppt_h/2"/>
+                                          </p:val>
+                                        </p:tav>
+                                        <p:tav tm="100000">
+                                          <p:val>
+                                            <p:strVal val="#ppt_y"/>
+                                          </p:val>
+                                        </p:tav>
+                                      </p:tavLst>
+                                    </p:anim>
+                                  </p:childTnLst>
+                                </p:cTn>
+                              </p:par>
+                              <p:par>
+                                <p:cTn id="36" presetID="42" presetClass="entr" presetSubtype="0" fill="hold" nodeType="withEffect">
+                                  <p:stCondLst>
+                                    <p:cond delay="0"/>
+                                  </p:stCondLst>
+                                  <p:childTnLst>
+                                    <p:set>
+                                      <p:cBhvr>
+                                        <p:cTn id="37" dur="1" fill="hold">
+                                          <p:stCondLst>
+                                            <p:cond delay="0"/>
+                                          </p:stCondLst>
+                                        </p:cTn>
+                                        <p:tgtEl>
+                                          <p:spTgt spid="5"/>
+                                        </p:tgtEl>
+                                        <p:attrNameLst>
+                                          <p:attrName>style.visibility</p:attrName>
+                                        </p:attrNameLst>
+                                      </p:cBhvr>
+                                      <p:to>
+                                        <p:strVal val="visible"/>
+                                      </p:to>
+                                    </p:set>
+                                    <p:animEffect transition="in" filter="fade">
+                                      <p:cBhvr>
+                                        <p:cTn id="38" dur="1000"/>
+                                        <p:tgtEl>
+                                          <p:spTgt spid="5"/>
+                                        </p:tgtEl>
+                                      </p:cBhvr>
+                                    </p:animEffect>
+                                    <p:anim calcmode="lin" valueType="num">
+                                      <p:cBhvr>
+                                        <p:cTn id="39" dur="1000" fill="hold"/>
+                                        <p:tgtEl>
+                                          <p:spTgt spid="5"/>
+                                        </p:tgtEl>
+                                        <p:attrNameLst>
+                                          <p:attrName>ppt_x</p:attrName>
+                                        </p:attrNameLst>
+                                      </p:cBhvr>
+                                      <p:tavLst>
+                                        <p:tav tm="0">
+                                          <p:val>
+                                            <p:strVal val="#ppt_x"/>
+                                          </p:val>
+                                        </p:tav>
+                                        <p:tav tm="100000">
+                                          <p:val>
+                                            <p:strVal val="#ppt_x"/>
+                                          </p:val>
+                                        </p:tav>
+                                      </p:tavLst>
+                                    </p:anim>
+                                    <p:anim calcmode="lin" valueType="num">
+                                      <p:cBhvr>
+                                        <p:cTn id="40" dur="1000" fill="hold"/>
+                                        <p:tgtEl>
+                                          <p:spTgt spid="5"/>
+                                        </p:tgtEl>
+                                        <p:attrNameLst>
+                                          <p:attrName>ppt_y</p:attrName>
+                                        </p:attrNameLst>
+                                      </p:cBhvr>
+                                      <p:tavLst>
+                                        <p:tav tm="0">
+                                          <p:val>
+                                            <p:strVal val="#ppt_y+.1"/>
+                                          </p:val>
+                                        </p:tav>
+                                        <p:tav tm="100000">
+                                          <p:val>
+                                            <p:strVal val="#ppt_y"/>
+                                          </p:val>
+                                        </p:tav>
+                                      </p:tavLst>
+                                    </p:anim>
                                   </p:childTnLst>
                                 </p:cTn>
                               </p:par>
